--- a/some slide/rl theory.pptx
+++ b/some slide/rl theory.pptx
@@ -5,27 +5,32 @@
     <p:sldMasterId id="2147483648" r:id="rId1"/>
   </p:sldMasterIdLst>
   <p:notesMasterIdLst>
-    <p:notesMasterId r:id="rId20"/>
+    <p:notesMasterId r:id="rId25"/>
   </p:notesMasterIdLst>
   <p:sldIdLst>
     <p:sldId id="256" r:id="rId2"/>
     <p:sldId id="258" r:id="rId3"/>
-    <p:sldId id="269" r:id="rId4"/>
-    <p:sldId id="271" r:id="rId5"/>
-    <p:sldId id="270" r:id="rId6"/>
-    <p:sldId id="260" r:id="rId7"/>
-    <p:sldId id="261" r:id="rId8"/>
-    <p:sldId id="275" r:id="rId9"/>
-    <p:sldId id="274" r:id="rId10"/>
-    <p:sldId id="265" r:id="rId11"/>
-    <p:sldId id="273" r:id="rId12"/>
-    <p:sldId id="268" r:id="rId13"/>
-    <p:sldId id="276" r:id="rId14"/>
-    <p:sldId id="259" r:id="rId15"/>
-    <p:sldId id="266" r:id="rId16"/>
-    <p:sldId id="277" r:id="rId17"/>
-    <p:sldId id="267" r:id="rId18"/>
-    <p:sldId id="272" r:id="rId19"/>
+    <p:sldId id="278" r:id="rId4"/>
+    <p:sldId id="269" r:id="rId5"/>
+    <p:sldId id="271" r:id="rId6"/>
+    <p:sldId id="270" r:id="rId7"/>
+    <p:sldId id="260" r:id="rId8"/>
+    <p:sldId id="261" r:id="rId9"/>
+    <p:sldId id="275" r:id="rId10"/>
+    <p:sldId id="274" r:id="rId11"/>
+    <p:sldId id="265" r:id="rId12"/>
+    <p:sldId id="273" r:id="rId13"/>
+    <p:sldId id="268" r:id="rId14"/>
+    <p:sldId id="276" r:id="rId15"/>
+    <p:sldId id="259" r:id="rId16"/>
+    <p:sldId id="266" r:id="rId17"/>
+    <p:sldId id="277" r:id="rId18"/>
+    <p:sldId id="267" r:id="rId19"/>
+    <p:sldId id="272" r:id="rId20"/>
+    <p:sldId id="280" r:id="rId21"/>
+    <p:sldId id="282" r:id="rId22"/>
+    <p:sldId id="279" r:id="rId23"/>
+    <p:sldId id="281" r:id="rId24"/>
   </p:sldIdLst>
   <p:sldSz cx="12192000" cy="6858000"/>
   <p:notesSz cx="6858000" cy="9144000"/>
@@ -214,7 +219,7 @@
           <a:p>
             <a:fld id="{7118C5B7-5C31-480F-8D3A-5D5FDAA43019}" type="datetimeFigureOut">
               <a:rPr lang="en-US" smtClean="0"/>
-              <a:t>10/26/2016</a:t>
+              <a:t>10/31/2016</a:t>
             </a:fld>
             <a:endParaRPr lang="en-US"/>
           </a:p>
@@ -613,7 +618,7 @@
           <a:p>
             <a:fld id="{4F221934-816A-443E-88A8-5006FA4D666E}" type="datetimeFigureOut">
               <a:rPr lang="en-US" smtClean="0"/>
-              <a:t>10/26/2016</a:t>
+              <a:t>10/31/2016</a:t>
             </a:fld>
             <a:endParaRPr lang="en-US"/>
           </a:p>
@@ -783,7 +788,7 @@
           <a:p>
             <a:fld id="{4F221934-816A-443E-88A8-5006FA4D666E}" type="datetimeFigureOut">
               <a:rPr lang="en-US" smtClean="0"/>
-              <a:t>10/26/2016</a:t>
+              <a:t>10/31/2016</a:t>
             </a:fld>
             <a:endParaRPr lang="en-US"/>
           </a:p>
@@ -963,7 +968,7 @@
           <a:p>
             <a:fld id="{4F221934-816A-443E-88A8-5006FA4D666E}" type="datetimeFigureOut">
               <a:rPr lang="en-US" smtClean="0"/>
-              <a:t>10/26/2016</a:t>
+              <a:t>10/31/2016</a:t>
             </a:fld>
             <a:endParaRPr lang="en-US"/>
           </a:p>
@@ -1133,7 +1138,7 @@
           <a:p>
             <a:fld id="{4F221934-816A-443E-88A8-5006FA4D666E}" type="datetimeFigureOut">
               <a:rPr lang="en-US" smtClean="0"/>
-              <a:t>10/26/2016</a:t>
+              <a:t>10/31/2016</a:t>
             </a:fld>
             <a:endParaRPr lang="en-US"/>
           </a:p>
@@ -1379,7 +1384,7 @@
           <a:p>
             <a:fld id="{4F221934-816A-443E-88A8-5006FA4D666E}" type="datetimeFigureOut">
               <a:rPr lang="en-US" smtClean="0"/>
-              <a:t>10/26/2016</a:t>
+              <a:t>10/31/2016</a:t>
             </a:fld>
             <a:endParaRPr lang="en-US"/>
           </a:p>
@@ -1611,7 +1616,7 @@
           <a:p>
             <a:fld id="{4F221934-816A-443E-88A8-5006FA4D666E}" type="datetimeFigureOut">
               <a:rPr lang="en-US" smtClean="0"/>
-              <a:t>10/26/2016</a:t>
+              <a:t>10/31/2016</a:t>
             </a:fld>
             <a:endParaRPr lang="en-US"/>
           </a:p>
@@ -1978,7 +1983,7 @@
           <a:p>
             <a:fld id="{4F221934-816A-443E-88A8-5006FA4D666E}" type="datetimeFigureOut">
               <a:rPr lang="en-US" smtClean="0"/>
-              <a:t>10/26/2016</a:t>
+              <a:t>10/31/2016</a:t>
             </a:fld>
             <a:endParaRPr lang="en-US"/>
           </a:p>
@@ -2096,7 +2101,7 @@
           <a:p>
             <a:fld id="{4F221934-816A-443E-88A8-5006FA4D666E}" type="datetimeFigureOut">
               <a:rPr lang="en-US" smtClean="0"/>
-              <a:t>10/26/2016</a:t>
+              <a:t>10/31/2016</a:t>
             </a:fld>
             <a:endParaRPr lang="en-US"/>
           </a:p>
@@ -2191,7 +2196,7 @@
           <a:p>
             <a:fld id="{4F221934-816A-443E-88A8-5006FA4D666E}" type="datetimeFigureOut">
               <a:rPr lang="en-US" smtClean="0"/>
-              <a:t>10/26/2016</a:t>
+              <a:t>10/31/2016</a:t>
             </a:fld>
             <a:endParaRPr lang="en-US"/>
           </a:p>
@@ -2468,7 +2473,7 @@
           <a:p>
             <a:fld id="{4F221934-816A-443E-88A8-5006FA4D666E}" type="datetimeFigureOut">
               <a:rPr lang="en-US" smtClean="0"/>
-              <a:t>10/26/2016</a:t>
+              <a:t>10/31/2016</a:t>
             </a:fld>
             <a:endParaRPr lang="en-US"/>
           </a:p>
@@ -2721,7 +2726,7 @@
           <a:p>
             <a:fld id="{4F221934-816A-443E-88A8-5006FA4D666E}" type="datetimeFigureOut">
               <a:rPr lang="en-US" smtClean="0"/>
-              <a:t>10/26/2016</a:t>
+              <a:t>10/31/2016</a:t>
             </a:fld>
             <a:endParaRPr lang="en-US"/>
           </a:p>
@@ -2934,7 +2939,7 @@
           <a:p>
             <a:fld id="{4F221934-816A-443E-88A8-5006FA4D666E}" type="datetimeFigureOut">
               <a:rPr lang="en-US" smtClean="0"/>
-              <a:t>10/26/2016</a:t>
+              <a:t>10/31/2016</a:t>
             </a:fld>
             <a:endParaRPr lang="en-US"/>
           </a:p>
@@ -3354,7 +3359,15 @@
           <a:bodyPr/>
           <a:lstStyle/>
           <a:p>
-            <a:endParaRPr lang="en-US"/>
+            <a:r>
+              <a:rPr lang="en-US" dirty="0" smtClean="0"/>
+              <a:t>RL </a:t>
+            </a:r>
+            <a:r>
+              <a:rPr lang="en-US" altLang="zh-CN" dirty="0" smtClean="0"/>
+              <a:t>Theory</a:t>
+            </a:r>
+            <a:endParaRPr lang="en-US" dirty="0"/>
           </a:p>
         </p:txBody>
       </p:sp>
@@ -3422,6 +3435,136 @@
           <a:bodyPr/>
           <a:lstStyle/>
           <a:p>
+            <a:pPr algn="ctr"/>
+            <a:r>
+              <a:rPr lang="en-US" dirty="0">
+                <a:solidFill>
+                  <a:prstClr val="black"/>
+                </a:solidFill>
+              </a:rPr>
+              <a:t>SARSA with look up </a:t>
+            </a:r>
+            <a:r>
+              <a:rPr lang="en-US" dirty="0" smtClean="0">
+                <a:solidFill>
+                  <a:prstClr val="black"/>
+                </a:solidFill>
+              </a:rPr>
+              <a:t>table</a:t>
+            </a:r>
+            <a:endParaRPr lang="en-US" dirty="0"/>
+          </a:p>
+        </p:txBody>
+      </p:sp>
+      <p:sp>
+        <p:nvSpPr>
+          <p:cNvPr id="3" name="Content Placeholder 2"/>
+          <p:cNvSpPr>
+            <a:spLocks noGrp="1"/>
+          </p:cNvSpPr>
+          <p:nvPr>
+            <p:ph idx="1"/>
+          </p:nvPr>
+        </p:nvSpPr>
+        <p:spPr/>
+        <p:txBody>
+          <a:bodyPr>
+            <a:normAutofit/>
+          </a:bodyPr>
+          <a:lstStyle/>
+          <a:p>
+            <a:r>
+              <a:rPr lang="en-US" sz="1800" dirty="0"/>
+              <a:t>Singh, S., </a:t>
+            </a:r>
+            <a:r>
+              <a:rPr lang="en-US" sz="1800" dirty="0" err="1"/>
+              <a:t>Jaakkola</a:t>
+            </a:r>
+            <a:r>
+              <a:rPr lang="en-US" sz="1800" dirty="0"/>
+              <a:t>, T., Littman, M. L., &amp; </a:t>
+            </a:r>
+            <a:r>
+              <a:rPr lang="en-US" sz="1800" dirty="0" err="1"/>
+              <a:t>Szepesvári</a:t>
+            </a:r>
+            <a:r>
+              <a:rPr lang="en-US" sz="1800" dirty="0"/>
+              <a:t>, C. (2000). Convergence results for single-step on-policy reinforcement-learning algorithms. Machine Learning, 38(3), 287–308. https://doi.org/10.1023/A:1007678930559</a:t>
+            </a:r>
+          </a:p>
+        </p:txBody>
+      </p:sp>
+      <p:pic>
+        <p:nvPicPr>
+          <p:cNvPr id="4" name="图片 3"/>
+          <p:cNvPicPr>
+            <a:picLocks noChangeAspect="1"/>
+          </p:cNvPicPr>
+          <p:nvPr/>
+        </p:nvPicPr>
+        <p:blipFill>
+          <a:blip r:embed="rId2"/>
+          <a:stretch>
+            <a:fillRect/>
+          </a:stretch>
+        </p:blipFill>
+        <p:spPr>
+          <a:xfrm>
+            <a:off x="1575300" y="2832281"/>
+            <a:ext cx="8000000" cy="2895238"/>
+          </a:xfrm>
+          <a:prstGeom prst="rect">
+            <a:avLst/>
+          </a:prstGeom>
+        </p:spPr>
+      </p:pic>
+    </p:spTree>
+    <p:extLst>
+      <p:ext uri="{BB962C8B-B14F-4D97-AF65-F5344CB8AC3E}">
+        <p14:creationId xmlns:p14="http://schemas.microsoft.com/office/powerpoint/2010/main" val="3341488809"/>
+      </p:ext>
+    </p:extLst>
+  </p:cSld>
+  <p:clrMapOvr>
+    <a:masterClrMapping/>
+  </p:clrMapOvr>
+</p:sld>
+</file>
+
+<file path=ppt/slides/slide11.xml><?xml version="1.0" encoding="utf-8"?>
+<p:sld xmlns:a="http://schemas.openxmlformats.org/drawingml/2006/main" xmlns:r="http://schemas.openxmlformats.org/officeDocument/2006/relationships" xmlns:p="http://schemas.openxmlformats.org/presentationml/2006/main">
+  <p:cSld>
+    <p:spTree>
+      <p:nvGrpSpPr>
+        <p:cNvPr id="1" name=""/>
+        <p:cNvGrpSpPr/>
+        <p:nvPr/>
+      </p:nvGrpSpPr>
+      <p:grpSpPr>
+        <a:xfrm>
+          <a:off x="0" y="0"/>
+          <a:ext cx="0" cy="0"/>
+          <a:chOff x="0" y="0"/>
+          <a:chExt cx="0" cy="0"/>
+        </a:xfrm>
+      </p:grpSpPr>
+      <p:sp>
+        <p:nvSpPr>
+          <p:cNvPr id="2" name="Title 1"/>
+          <p:cNvSpPr>
+            <a:spLocks noGrp="1"/>
+          </p:cNvSpPr>
+          <p:nvPr>
+            <p:ph type="title"/>
+          </p:nvPr>
+        </p:nvSpPr>
+        <p:spPr/>
+        <p:txBody>
+          <a:bodyPr/>
+          <a:lstStyle/>
+          <a:p>
             <a:r>
               <a:rPr lang="en-US" dirty="0" smtClean="0"/>
               <a:t>TD(0) with linear approximation(on policy)</a:t>
@@ -3430,8 +3573,8 @@
           </a:p>
         </p:txBody>
       </p:sp>
-      <mc:AlternateContent xmlns:mc="http://schemas.openxmlformats.org/markup-compatibility/2006">
-        <mc:Choice xmlns:a14="http://schemas.microsoft.com/office/drawing/2010/main" Requires="a14">
+      <mc:AlternateContent xmlns:mc="http://schemas.openxmlformats.org/markup-compatibility/2006" xmlns:a14="http://schemas.microsoft.com/office/drawing/2010/main">
+        <mc:Choice Requires="a14">
           <p:sp>
             <p:nvSpPr>
               <p:cNvPr id="3" name="Content Placeholder 2"/>
@@ -4471,11 +4614,7 @@
                 <a:pPr lvl="1"/>
                 <a:r>
                   <a:rPr lang="en-US" dirty="0" smtClean="0"/>
-                  <a:t>A is positive </a:t>
-                </a:r>
-                <a:r>
-                  <a:rPr lang="en-US" dirty="0" smtClean="0"/>
-                  <a:t>definition</a:t>
+                  <a:t>A is positive definition</a:t>
                 </a:r>
               </a:p>
               <a:p>
@@ -4492,7 +4631,7 @@
             </p:txBody>
           </p:sp>
         </mc:Choice>
-        <mc:Fallback>
+        <mc:Fallback xmlns="">
           <p:sp>
             <p:nvSpPr>
               <p:cNvPr id="3" name="Content Placeholder 2"/>
@@ -4539,7 +4678,7 @@
 </p:sld>
 </file>
 
-<file path=ppt/slides/slide11.xml><?xml version="1.0" encoding="utf-8"?>
+<file path=ppt/slides/slide12.xml><?xml version="1.0" encoding="utf-8"?>
 <p:sld xmlns:a="http://schemas.openxmlformats.org/drawingml/2006/main" xmlns:r="http://schemas.openxmlformats.org/officeDocument/2006/relationships" xmlns:p="http://schemas.openxmlformats.org/presentationml/2006/main">
   <p:cSld>
     <p:spTree>
@@ -4603,11 +4742,11 @@
                   <a:t>Gordon, G. J. (2001). Reinforcement learning with function approximation converges to a region. </a:t>
                 </a:r>
                 <a:r>
-                  <a:rPr lang="en-US" sz="2400" i="1" dirty="0"/>
+                  <a:rPr lang="en-US" sz="2400" i="1" dirty="0" smtClean="0"/>
                   <a:t>Advances in Neural Information Processing Systems</a:t>
                 </a:r>
                 <a:r>
-                  <a:rPr lang="en-US" sz="2400" dirty="0"/>
+                  <a:rPr lang="en-US" sz="2400" dirty="0" smtClean="0"/>
                   <a:t>, 1040--1046. https://doi.org/10.1.1.32.7458</a:t>
                 </a:r>
               </a:p>
@@ -4630,24 +4769,32 @@
                     <m:sSub>
                       <m:sSubPr>
                         <m:ctrlPr>
-                          <a:rPr lang="en-US" sz="2000"/>
+                          <a:rPr lang="en-US" sz="2000" i="1">
+                            <a:latin typeface="Cambria Math" panose="02040503050406030204" pitchFamily="18" charset="0"/>
+                          </a:rPr>
                         </m:ctrlPr>
                       </m:sSubPr>
                       <m:e>
                         <m:r>
-                          <a:rPr lang="en-US" sz="2000"/>
+                          <a:rPr lang="en-US" sz="2000">
+                            <a:latin typeface="Cambria Math" panose="02040503050406030204" pitchFamily="18" charset="0"/>
+                          </a:rPr>
                           <m:t>𝜔</m:t>
                         </m:r>
                       </m:e>
                       <m:sub>
                         <m:r>
-                          <a:rPr lang="en-US" sz="2000"/>
+                          <a:rPr lang="en-US" sz="2000">
+                            <a:latin typeface="Cambria Math" panose="02040503050406030204" pitchFamily="18" charset="0"/>
+                          </a:rPr>
                           <m:t>𝑡</m:t>
                         </m:r>
                       </m:sub>
                     </m:sSub>
                     <m:r>
-                      <a:rPr lang="en-US" sz="2000"/>
+                      <a:rPr lang="en-US" sz="2000">
+                        <a:latin typeface="Cambria Math" panose="02040503050406030204" pitchFamily="18" charset="0"/>
+                      </a:rPr>
                       <m:t> </m:t>
                     </m:r>
                   </m:oMath>
@@ -4661,18 +4808,24 @@
                     <m:sSup>
                       <m:sSupPr>
                         <m:ctrlPr>
-                          <a:rPr lang="en-US" sz="2000"/>
+                          <a:rPr lang="en-US" sz="2000" i="1">
+                            <a:latin typeface="Cambria Math" panose="02040503050406030204" pitchFamily="18" charset="0"/>
+                          </a:rPr>
                         </m:ctrlPr>
                       </m:sSupPr>
                       <m:e>
                         <m:r>
-                          <a:rPr lang="en-US" sz="2000"/>
+                          <a:rPr lang="en-US" sz="2000">
+                            <a:latin typeface="Cambria Math" panose="02040503050406030204" pitchFamily="18" charset="0"/>
+                          </a:rPr>
                           <m:t>𝜔</m:t>
                         </m:r>
                       </m:e>
                       <m:sup>
                         <m:r>
-                          <a:rPr lang="en-US" sz="2000"/>
+                          <a:rPr lang="en-US" sz="2000">
+                            <a:latin typeface="Cambria Math" panose="02040503050406030204" pitchFamily="18" charset="0"/>
+                          </a:rPr>
                           <m:t>𝜋</m:t>
                         </m:r>
                       </m:sup>
@@ -4688,15 +4841,7 @@
                 <a:pPr lvl="1"/>
                 <a:r>
                   <a:rPr lang="en-US" sz="2000" dirty="0"/>
-                  <a:t>If policy is </a:t>
-                </a:r>
-                <a:r>
-                  <a:rPr lang="en-US" sz="2000" dirty="0"/>
-                  <a:t>changed </a:t>
-                </a:r>
-                <a:r>
-                  <a:rPr lang="en-US" sz="2000" dirty="0"/>
-                  <a:t>, then the </a:t>
+                  <a:t>If policy is changed , then the </a:t>
                 </a:r>
                 <a:r>
                   <a:rPr lang="en-US" sz="2000" dirty="0" err="1"/>
@@ -4711,24 +4856,32 @@
                     <m:sSub>
                       <m:sSubPr>
                         <m:ctrlPr>
-                          <a:rPr lang="en-US" sz="2000"/>
+                          <a:rPr lang="en-US" sz="2000" i="1">
+                            <a:latin typeface="Cambria Math" panose="02040503050406030204" pitchFamily="18" charset="0"/>
+                          </a:rPr>
                         </m:ctrlPr>
                       </m:sSubPr>
                       <m:e>
                         <m:r>
-                          <a:rPr lang="en-US" sz="2000"/>
+                          <a:rPr lang="en-US" sz="2000">
+                            <a:latin typeface="Cambria Math" panose="02040503050406030204" pitchFamily="18" charset="0"/>
+                          </a:rPr>
                           <m:t>𝜔</m:t>
                         </m:r>
                       </m:e>
                       <m:sub>
                         <m:r>
-                          <a:rPr lang="en-US" sz="2000"/>
+                          <a:rPr lang="en-US" sz="2000">
+                            <a:latin typeface="Cambria Math" panose="02040503050406030204" pitchFamily="18" charset="0"/>
+                          </a:rPr>
                           <m:t>𝑡</m:t>
                         </m:r>
                       </m:sub>
                     </m:sSub>
                     <m:r>
-                      <a:rPr lang="en-US" sz="2000"/>
+                      <a:rPr lang="en-US" sz="2000">
+                        <a:latin typeface="Cambria Math" panose="02040503050406030204" pitchFamily="18" charset="0"/>
+                      </a:rPr>
                       <m:t> </m:t>
                     </m:r>
                   </m:oMath>
@@ -4742,18 +4895,24 @@
                     <m:sSup>
                       <m:sSupPr>
                         <m:ctrlPr>
-                          <a:rPr lang="en-US" sz="2000"/>
+                          <a:rPr lang="en-US" sz="2000" i="1">
+                            <a:latin typeface="Cambria Math" panose="02040503050406030204" pitchFamily="18" charset="0"/>
+                          </a:rPr>
                         </m:ctrlPr>
                       </m:sSupPr>
                       <m:e>
                         <m:r>
-                          <a:rPr lang="en-US" sz="2000"/>
+                          <a:rPr lang="en-US" sz="2000">
+                            <a:latin typeface="Cambria Math" panose="02040503050406030204" pitchFamily="18" charset="0"/>
+                          </a:rPr>
                           <m:t>𝜔</m:t>
                         </m:r>
                       </m:e>
                       <m:sup>
                         <m:r>
-                          <a:rPr lang="en-US" sz="2000"/>
+                          <a:rPr lang="en-US" sz="2000">
+                            <a:latin typeface="Cambria Math" panose="02040503050406030204" pitchFamily="18" charset="0"/>
+                          </a:rPr>
                           <m:t>𝜋</m:t>
                         </m:r>
                       </m:sup>
@@ -5062,7 +5221,7 @@
               <a:lstStyle/>
               <a:p>
                 <a:r>
-                  <a:rPr lang="zh-CN" altLang="en-US">
+                  <a:rPr lang="en-US">
                     <a:noFill/>
                   </a:rPr>
                   <a:t> </a:t>
@@ -5085,7 +5244,7 @@
 </p:sld>
 </file>
 
-<file path=ppt/slides/slide12.xml><?xml version="1.0" encoding="utf-8"?>
+<file path=ppt/slides/slide13.xml><?xml version="1.0" encoding="utf-8"?>
 <p:sld xmlns:a="http://schemas.openxmlformats.org/drawingml/2006/main" xmlns:r="http://schemas.openxmlformats.org/officeDocument/2006/relationships" xmlns:p="http://schemas.openxmlformats.org/presentationml/2006/main">
   <p:cSld>
     <p:spTree>
@@ -5127,8 +5286,8 @@
           </a:p>
         </p:txBody>
       </p:sp>
-      <mc:AlternateContent xmlns:mc="http://schemas.openxmlformats.org/markup-compatibility/2006">
-        <mc:Choice xmlns:a14="http://schemas.microsoft.com/office/drawing/2010/main" Requires="a14">
+      <mc:AlternateContent xmlns:mc="http://schemas.openxmlformats.org/markup-compatibility/2006" xmlns:a14="http://schemas.microsoft.com/office/drawing/2010/main">
+        <mc:Choice Requires="a14">
           <p:sp>
             <p:nvSpPr>
               <p:cNvPr id="3" name="Content Placeholder 2"/>
@@ -6556,7 +6715,7 @@
             </p:txBody>
           </p:sp>
         </mc:Choice>
-        <mc:Fallback>
+        <mc:Fallback xmlns="">
           <p:sp>
             <p:nvSpPr>
               <p:cNvPr id="3" name="Content Placeholder 2"/>
@@ -6607,7 +6766,7 @@
 </p:sld>
 </file>
 
-<file path=ppt/slides/slide13.xml><?xml version="1.0" encoding="utf-8"?>
+<file path=ppt/slides/slide14.xml><?xml version="1.0" encoding="utf-8"?>
 <p:sld xmlns:a="http://schemas.openxmlformats.org/drawingml/2006/main" xmlns:r="http://schemas.openxmlformats.org/officeDocument/2006/relationships" xmlns:p="http://schemas.openxmlformats.org/presentationml/2006/main">
   <p:cSld>
     <p:spTree>
@@ -7977,7 +8136,7 @@
 </p:sld>
 </file>
 
-<file path=ppt/slides/slide14.xml><?xml version="1.0" encoding="utf-8"?>
+<file path=ppt/slides/slide15.xml><?xml version="1.0" encoding="utf-8"?>
 <p:sld xmlns:a="http://schemas.openxmlformats.org/drawingml/2006/main" xmlns:r="http://schemas.openxmlformats.org/officeDocument/2006/relationships" xmlns:p="http://schemas.openxmlformats.org/presentationml/2006/main">
   <p:cSld>
     <p:spTree>
@@ -8195,7 +8354,7 @@
 </p:sld>
 </file>
 
-<file path=ppt/slides/slide15.xml><?xml version="1.0" encoding="utf-8"?>
+<file path=ppt/slides/slide16.xml><?xml version="1.0" encoding="utf-8"?>
 <p:sld xmlns:a="http://schemas.openxmlformats.org/drawingml/2006/main" xmlns:r="http://schemas.openxmlformats.org/officeDocument/2006/relationships" xmlns:p="http://schemas.openxmlformats.org/presentationml/2006/main">
   <p:cSld>
     <p:spTree>
@@ -8235,8 +8394,8 @@
           </a:p>
         </p:txBody>
       </p:sp>
-      <mc:AlternateContent xmlns:mc="http://schemas.openxmlformats.org/markup-compatibility/2006">
-        <mc:Choice xmlns:a14="http://schemas.microsoft.com/office/drawing/2010/main" Requires="a14">
+      <mc:AlternateContent xmlns:mc="http://schemas.openxmlformats.org/markup-compatibility/2006" xmlns:a14="http://schemas.microsoft.com/office/drawing/2010/main">
+        <mc:Choice Requires="a14">
           <p:sp>
             <p:nvSpPr>
               <p:cNvPr id="3" name="Content Placeholder 2"/>
@@ -8747,7 +8906,7 @@
             </p:txBody>
           </p:sp>
         </mc:Choice>
-        <mc:Fallback>
+        <mc:Fallback xmlns="">
           <p:sp>
             <p:nvSpPr>
               <p:cNvPr id="3" name="Content Placeholder 2"/>
@@ -8846,7 +9005,7 @@
 </p:sld>
 </file>
 
-<file path=ppt/slides/slide16.xml><?xml version="1.0" encoding="utf-8"?>
+<file path=ppt/slides/slide17.xml><?xml version="1.0" encoding="utf-8"?>
 <p:sld xmlns:a="http://schemas.openxmlformats.org/drawingml/2006/main" xmlns:r="http://schemas.openxmlformats.org/officeDocument/2006/relationships" xmlns:p="http://schemas.openxmlformats.org/presentationml/2006/main">
   <p:cSld>
     <p:spTree>
@@ -8914,7 +9073,7 @@
 </p:sld>
 </file>
 
-<file path=ppt/slides/slide17.xml><?xml version="1.0" encoding="utf-8"?>
+<file path=ppt/slides/slide18.xml><?xml version="1.0" encoding="utf-8"?>
 <p:sld xmlns:a="http://schemas.openxmlformats.org/drawingml/2006/main" xmlns:r="http://schemas.openxmlformats.org/officeDocument/2006/relationships" xmlns:p="http://schemas.openxmlformats.org/presentationml/2006/main" show="0">
   <p:cSld>
     <p:spTree>
@@ -9284,18 +9443,18 @@
   <p:clrMapOvr>
     <a:masterClrMapping/>
   </p:clrMapOvr>
-  <mc:AlternateContent xmlns:mc="http://schemas.openxmlformats.org/markup-compatibility/2006">
-    <mc:Choice xmlns:p14="http://schemas.microsoft.com/office/powerpoint/2010/main" Requires="p14">
+  <mc:AlternateContent xmlns:mc="http://schemas.openxmlformats.org/markup-compatibility/2006" xmlns:p14="http://schemas.microsoft.com/office/powerpoint/2010/main">
+    <mc:Choice Requires="p14">
       <p:transition spd="slow" p14:dur="2000"/>
     </mc:Choice>
-    <mc:Fallback>
+    <mc:Fallback xmlns="">
       <p:transition spd="slow"/>
     </mc:Fallback>
   </mc:AlternateContent>
 </p:sld>
 </file>
 
-<file path=ppt/slides/slide18.xml><?xml version="1.0" encoding="utf-8"?>
+<file path=ppt/slides/slide19.xml><?xml version="1.0" encoding="utf-8"?>
 <p:sld xmlns:a="http://schemas.openxmlformats.org/drawingml/2006/main" xmlns:r="http://schemas.openxmlformats.org/officeDocument/2006/relationships" xmlns:p="http://schemas.openxmlformats.org/presentationml/2006/main">
   <p:cSld>
     <p:spTree>
@@ -9327,37 +9486,783 @@
           <a:bodyPr/>
           <a:lstStyle/>
           <a:p>
-            <a:endParaRPr lang="en-US"/>
-          </a:p>
-        </p:txBody>
-      </p:sp>
-      <p:sp>
-        <p:nvSpPr>
-          <p:cNvPr id="3" name="Content Placeholder 2"/>
-          <p:cNvSpPr>
-            <a:spLocks noGrp="1"/>
-          </p:cNvSpPr>
-          <p:nvPr>
-            <p:ph idx="1"/>
-          </p:nvPr>
-        </p:nvSpPr>
-        <p:spPr>
-          <a:xfrm>
-            <a:off x="838200" y="1825625"/>
-            <a:ext cx="11353800" cy="4351338"/>
-          </a:xfrm>
-        </p:spPr>
-        <p:txBody>
-          <a:bodyPr>
-            <a:normAutofit/>
-          </a:bodyPr>
-          <a:lstStyle/>
-          <a:p>
-            <a:pPr lvl="1"/>
+            <a:r>
+              <a:rPr lang="en-US" dirty="0" smtClean="0"/>
+              <a:t>Over</a:t>
+            </a:r>
+            <a:r>
+              <a:rPr lang="en-US" dirty="0" smtClean="0"/>
+              <a:t>view: the key aspect of algorithms</a:t>
+            </a:r>
             <a:endParaRPr lang="en-US" dirty="0"/>
           </a:p>
         </p:txBody>
       </p:sp>
+      <mc:AlternateContent xmlns:mc="http://schemas.openxmlformats.org/markup-compatibility/2006">
+        <mc:Choice xmlns:a14="http://schemas.microsoft.com/office/drawing/2010/main" Requires="a14">
+          <p:sp>
+            <p:nvSpPr>
+              <p:cNvPr id="3" name="Content Placeholder 2"/>
+              <p:cNvSpPr>
+                <a:spLocks noGrp="1"/>
+              </p:cNvSpPr>
+              <p:nvPr>
+                <p:ph idx="1"/>
+              </p:nvPr>
+            </p:nvSpPr>
+            <p:spPr>
+              <a:xfrm>
+                <a:off x="838200" y="1825625"/>
+                <a:ext cx="11353800" cy="4351338"/>
+              </a:xfrm>
+            </p:spPr>
+            <p:txBody>
+              <a:bodyPr>
+                <a:normAutofit fontScale="92500" lnSpcReduction="20000"/>
+              </a:bodyPr>
+              <a:lstStyle/>
+              <a:p>
+                <a:pPr marL="914400" lvl="1" indent="-457200">
+                  <a:buFont typeface="+mj-lt"/>
+                  <a:buAutoNum type="arabicPeriod"/>
+                </a:pPr>
+                <a:r>
+                  <a:rPr lang="en-US" dirty="0" smtClean="0"/>
+                  <a:t>How training data  produced?</a:t>
+                </a:r>
+              </a:p>
+              <a:p>
+                <a:pPr marL="1371600" lvl="2" indent="-457200">
+                  <a:buFont typeface="+mj-lt"/>
+                  <a:buAutoNum type="arabicParenR"/>
+                </a:pPr>
+                <a:r>
+                  <a:rPr lang="en-US" dirty="0" err="1" smtClean="0"/>
+                  <a:t>i.i.d</a:t>
+                </a:r>
+                <a:r>
+                  <a:rPr lang="en-US" dirty="0" smtClean="0"/>
+                  <a:t>. sample</a:t>
+                </a:r>
+              </a:p>
+              <a:p>
+                <a:pPr marL="1371600" lvl="2" indent="-457200">
+                  <a:buFont typeface="+mj-lt"/>
+                  <a:buAutoNum type="arabicParenR"/>
+                </a:pPr>
+                <a:r>
+                  <a:rPr lang="en-US" dirty="0" smtClean="0"/>
+                  <a:t>Fix policy</a:t>
+                </a:r>
+              </a:p>
+              <a:p>
+                <a:pPr marL="1371600" lvl="2" indent="-457200">
+                  <a:buFont typeface="+mj-lt"/>
+                  <a:buAutoNum type="arabicParenR"/>
+                </a:pPr>
+                <a:r>
+                  <a:rPr lang="en-US" dirty="0" smtClean="0"/>
+                  <a:t>Change policy</a:t>
+                </a:r>
+                <a:endParaRPr lang="en-US" dirty="0" smtClean="0"/>
+              </a:p>
+              <a:p>
+                <a:pPr marL="914400" lvl="1" indent="-457200">
+                  <a:buFont typeface="+mj-lt"/>
+                  <a:buAutoNum type="arabicPeriod"/>
+                </a:pPr>
+                <a:r>
+                  <a:rPr lang="en-US" dirty="0" smtClean="0"/>
+                  <a:t>Prediction or control problem?</a:t>
+                </a:r>
+              </a:p>
+              <a:p>
+                <a:pPr marL="1371600" lvl="2" indent="-457200">
+                  <a:buFont typeface="+mj-lt"/>
+                  <a:buAutoNum type="arabicPeriod"/>
+                </a:pPr>
+                <a:r>
+                  <a:rPr lang="en-US" dirty="0" smtClean="0"/>
+                  <a:t>Prediction problem with a given(</a:t>
+                </a:r>
+                <a:r>
+                  <a:rPr lang="en-US" altLang="zh-CN" dirty="0" smtClean="0"/>
+                  <a:t>fixed</a:t>
+                </a:r>
+                <a:r>
+                  <a:rPr lang="en-US" dirty="0" smtClean="0"/>
+                  <a:t>) policy</a:t>
+                </a:r>
+              </a:p>
+              <a:p>
+                <a:pPr marL="1371600" lvl="2" indent="-457200">
+                  <a:buFont typeface="+mj-lt"/>
+                  <a:buAutoNum type="arabicPeriod"/>
+                </a:pPr>
+                <a:r>
+                  <a:rPr lang="en-US" dirty="0" smtClean="0"/>
+                  <a:t>Control problem with a fixed policy</a:t>
+                </a:r>
+              </a:p>
+              <a:p>
+                <a:pPr marL="1371600" lvl="2" indent="-457200">
+                  <a:buFont typeface="+mj-lt"/>
+                  <a:buAutoNum type="arabicPeriod"/>
+                </a:pPr>
+                <a:r>
+                  <a:rPr lang="en-US" dirty="0" smtClean="0"/>
+                  <a:t>Control problem with a change policy</a:t>
+                </a:r>
+              </a:p>
+              <a:p>
+                <a:pPr marL="914400" lvl="1" indent="-457200">
+                  <a:buFont typeface="+mj-lt"/>
+                  <a:buAutoNum type="arabicPeriod"/>
+                </a:pPr>
+                <a:r>
+                  <a:rPr lang="en-US" dirty="0" smtClean="0"/>
+                  <a:t>Linear or nonlinear function approximation?</a:t>
+                </a:r>
+              </a:p>
+              <a:p>
+                <a:pPr marL="1371600" lvl="2" indent="-457200">
+                  <a:buFont typeface="+mj-lt"/>
+                  <a:buAutoNum type="arabicPeriod"/>
+                </a:pPr>
+                <a:r>
+                  <a:rPr lang="en-US" dirty="0" smtClean="0"/>
+                  <a:t>Linear function approximation    </a:t>
+                </a:r>
+                <a14:m>
+                  <m:oMath xmlns:m="http://schemas.openxmlformats.org/officeDocument/2006/math">
+                    <m:sSub>
+                      <m:sSubPr>
+                        <m:ctrlPr>
+                          <a:rPr lang="en-US" b="0" i="1" smtClean="0">
+                            <a:latin typeface="Cambria Math" panose="02040503050406030204" pitchFamily="18" charset="0"/>
+                          </a:rPr>
+                        </m:ctrlPr>
+                      </m:sSubPr>
+                      <m:e>
+                        <m:r>
+                          <a:rPr lang="en-US" b="0" i="1" smtClean="0">
+                            <a:latin typeface="Cambria Math" panose="02040503050406030204" pitchFamily="18" charset="0"/>
+                          </a:rPr>
+                          <m:t>𝑞</m:t>
+                        </m:r>
+                      </m:e>
+                      <m:sub>
+                        <m:r>
+                          <a:rPr lang="en-US" b="0" i="1" smtClean="0">
+                            <a:latin typeface="Cambria Math" panose="02040503050406030204" pitchFamily="18" charset="0"/>
+                          </a:rPr>
+                          <m:t>𝜃</m:t>
+                        </m:r>
+                      </m:sub>
+                    </m:sSub>
+                    <m:d>
+                      <m:dPr>
+                        <m:ctrlPr>
+                          <a:rPr lang="en-US" b="0" i="1" smtClean="0">
+                            <a:latin typeface="Cambria Math" panose="02040503050406030204" pitchFamily="18" charset="0"/>
+                          </a:rPr>
+                        </m:ctrlPr>
+                      </m:dPr>
+                      <m:e>
+                        <m:r>
+                          <a:rPr lang="en-US" b="0" i="1" smtClean="0">
+                            <a:latin typeface="Cambria Math" panose="02040503050406030204" pitchFamily="18" charset="0"/>
+                          </a:rPr>
+                          <m:t>𝑠</m:t>
+                        </m:r>
+                        <m:r>
+                          <a:rPr lang="en-US" b="0" i="1" smtClean="0">
+                            <a:latin typeface="Cambria Math" panose="02040503050406030204" pitchFamily="18" charset="0"/>
+                          </a:rPr>
+                          <m:t>,</m:t>
+                        </m:r>
+                        <m:r>
+                          <a:rPr lang="en-US" b="0" i="1" smtClean="0">
+                            <a:latin typeface="Cambria Math" panose="02040503050406030204" pitchFamily="18" charset="0"/>
+                          </a:rPr>
+                          <m:t>𝑎</m:t>
+                        </m:r>
+                      </m:e>
+                    </m:d>
+                    <m:r>
+                      <a:rPr lang="en-US" b="0" i="1" smtClean="0">
+                        <a:latin typeface="Cambria Math" panose="02040503050406030204" pitchFamily="18" charset="0"/>
+                      </a:rPr>
+                      <m:t>=</m:t>
+                    </m:r>
+                    <m:sSup>
+                      <m:sSupPr>
+                        <m:ctrlPr>
+                          <a:rPr lang="en-US" b="0" i="1" smtClean="0">
+                            <a:latin typeface="Cambria Math" panose="02040503050406030204" pitchFamily="18" charset="0"/>
+                          </a:rPr>
+                        </m:ctrlPr>
+                      </m:sSupPr>
+                      <m:e>
+                        <m:r>
+                          <a:rPr lang="en-US" b="0" i="1" smtClean="0">
+                            <a:latin typeface="Cambria Math" panose="02040503050406030204" pitchFamily="18" charset="0"/>
+                          </a:rPr>
+                          <m:t>𝜃</m:t>
+                        </m:r>
+                      </m:e>
+                      <m:sup>
+                        <m:r>
+                          <a:rPr lang="en-US" b="0" i="1" smtClean="0">
+                            <a:latin typeface="Cambria Math" panose="02040503050406030204" pitchFamily="18" charset="0"/>
+                          </a:rPr>
+                          <m:t>⊤</m:t>
+                        </m:r>
+                      </m:sup>
+                    </m:sSup>
+                    <m:r>
+                      <a:rPr lang="en-US" b="0" i="1" smtClean="0">
+                        <a:latin typeface="Cambria Math" panose="02040503050406030204" pitchFamily="18" charset="0"/>
+                      </a:rPr>
+                      <m:t>𝜙</m:t>
+                    </m:r>
+                    <m:r>
+                      <a:rPr lang="en-US" b="0" i="1" smtClean="0">
+                        <a:latin typeface="Cambria Math" panose="02040503050406030204" pitchFamily="18" charset="0"/>
+                      </a:rPr>
+                      <m:t>(</m:t>
+                    </m:r>
+                    <m:r>
+                      <a:rPr lang="en-US" b="0" i="1" smtClean="0">
+                        <a:latin typeface="Cambria Math" panose="02040503050406030204" pitchFamily="18" charset="0"/>
+                      </a:rPr>
+                      <m:t>𝑠</m:t>
+                    </m:r>
+                    <m:r>
+                      <a:rPr lang="en-US" b="0" i="1" smtClean="0">
+                        <a:latin typeface="Cambria Math" panose="02040503050406030204" pitchFamily="18" charset="0"/>
+                      </a:rPr>
+                      <m:t>,</m:t>
+                    </m:r>
+                    <m:r>
+                      <a:rPr lang="en-US" b="0" i="1" smtClean="0">
+                        <a:latin typeface="Cambria Math" panose="02040503050406030204" pitchFamily="18" charset="0"/>
+                      </a:rPr>
+                      <m:t>𝑎</m:t>
+                    </m:r>
+                    <m:r>
+                      <a:rPr lang="en-US" b="0" i="1" smtClean="0">
+                        <a:latin typeface="Cambria Math" panose="02040503050406030204" pitchFamily="18" charset="0"/>
+                      </a:rPr>
+                      <m:t>)</m:t>
+                    </m:r>
+                  </m:oMath>
+                </a14:m>
+                <a:endParaRPr lang="en-US" dirty="0" smtClean="0"/>
+              </a:p>
+              <a:p>
+                <a:pPr marL="1371600" lvl="2" indent="-457200">
+                  <a:buFont typeface="+mj-lt"/>
+                  <a:buAutoNum type="arabicPeriod"/>
+                </a:pPr>
+                <a:r>
+                  <a:rPr lang="en-US" dirty="0" smtClean="0"/>
+                  <a:t>Nonlinear and smooth function approximation</a:t>
+                </a:r>
+              </a:p>
+              <a:p>
+                <a:pPr marL="914400" lvl="1" indent="-457200">
+                  <a:buFont typeface="+mj-lt"/>
+                  <a:buAutoNum type="arabicPeriod"/>
+                </a:pPr>
+                <a:r>
+                  <a:rPr lang="en-US" dirty="0" smtClean="0"/>
+                  <a:t>The objective function.</a:t>
+                </a:r>
+              </a:p>
+              <a:p>
+                <a:pPr marL="1371600" lvl="2" indent="-457200">
+                  <a:buFont typeface="+mj-lt"/>
+                  <a:buAutoNum type="arabicPeriod"/>
+                </a:pPr>
+                <a:r>
+                  <a:rPr lang="en-US" dirty="0" smtClean="0"/>
+                  <a:t>Bootstrapping	</a:t>
+                </a:r>
+                <a14:m>
+                  <m:oMath xmlns:m="http://schemas.openxmlformats.org/officeDocument/2006/math">
+                    <m:r>
+                      <a:rPr lang="en-US" i="1">
+                        <a:latin typeface="Cambria Math" panose="02040503050406030204" pitchFamily="18" charset="0"/>
+                      </a:rPr>
+                      <m:t>𝐽</m:t>
+                    </m:r>
+                    <m:d>
+                      <m:dPr>
+                        <m:ctrlPr>
+                          <a:rPr lang="en-US" i="1">
+                            <a:latin typeface="Cambria Math" panose="02040503050406030204" pitchFamily="18" charset="0"/>
+                          </a:rPr>
+                        </m:ctrlPr>
+                      </m:dPr>
+                      <m:e>
+                        <m:r>
+                          <a:rPr lang="en-US" i="1">
+                            <a:latin typeface="Cambria Math" panose="02040503050406030204" pitchFamily="18" charset="0"/>
+                          </a:rPr>
+                          <m:t>𝜃</m:t>
+                        </m:r>
+                      </m:e>
+                    </m:d>
+                    <m:r>
+                      <a:rPr lang="en-US" i="1">
+                        <a:latin typeface="Cambria Math" panose="02040503050406030204" pitchFamily="18" charset="0"/>
+                      </a:rPr>
+                      <m:t>=</m:t>
+                    </m:r>
+                    <m:sSup>
+                      <m:sSupPr>
+                        <m:ctrlPr>
+                          <a:rPr lang="en-US" i="1">
+                            <a:latin typeface="Cambria Math" panose="02040503050406030204" pitchFamily="18" charset="0"/>
+                            <a:ea typeface="Cambria Math" panose="02040503050406030204" pitchFamily="18" charset="0"/>
+                          </a:rPr>
+                        </m:ctrlPr>
+                      </m:sSupPr>
+                      <m:e>
+                        <m:d>
+                          <m:dPr>
+                            <m:begChr m:val="‖"/>
+                            <m:endChr m:val="‖"/>
+                            <m:ctrlPr>
+                              <a:rPr lang="en-US" i="1">
+                                <a:latin typeface="Cambria Math" panose="02040503050406030204" pitchFamily="18" charset="0"/>
+                              </a:rPr>
+                            </m:ctrlPr>
+                          </m:dPr>
+                          <m:e>
+                            <m:sSub>
+                              <m:sSubPr>
+                                <m:ctrlPr>
+                                  <a:rPr lang="en-US" i="1">
+                                    <a:latin typeface="Cambria Math" panose="02040503050406030204" pitchFamily="18" charset="0"/>
+                                  </a:rPr>
+                                </m:ctrlPr>
+                              </m:sSubPr>
+                              <m:e>
+                                <m:r>
+                                  <a:rPr lang="en-US" i="1">
+                                    <a:latin typeface="Cambria Math" panose="02040503050406030204" pitchFamily="18" charset="0"/>
+                                  </a:rPr>
+                                  <m:t>𝑞</m:t>
+                                </m:r>
+                              </m:e>
+                              <m:sub>
+                                <m:r>
+                                  <a:rPr lang="en-US" i="1">
+                                    <a:latin typeface="Cambria Math" panose="02040503050406030204" pitchFamily="18" charset="0"/>
+                                  </a:rPr>
+                                  <m:t>𝜃</m:t>
+                                </m:r>
+                              </m:sub>
+                            </m:sSub>
+                            <m:r>
+                              <a:rPr lang="en-US" i="1">
+                                <a:latin typeface="Cambria Math" panose="02040503050406030204" pitchFamily="18" charset="0"/>
+                              </a:rPr>
+                              <m:t>−</m:t>
+                            </m:r>
+                            <m:sSup>
+                              <m:sSupPr>
+                                <m:ctrlPr>
+                                  <a:rPr lang="en-US" b="0" i="1" smtClean="0">
+                                    <a:latin typeface="Cambria Math" panose="02040503050406030204" pitchFamily="18" charset="0"/>
+                                    <a:ea typeface="Cambria Math" panose="02040503050406030204" pitchFamily="18" charset="0"/>
+                                  </a:rPr>
+                                </m:ctrlPr>
+                              </m:sSupPr>
+                              <m:e>
+                                <m:r>
+                                  <a:rPr lang="en-US" b="0" i="1" smtClean="0">
+                                    <a:latin typeface="Cambria Math" panose="02040503050406030204" pitchFamily="18" charset="0"/>
+                                    <a:ea typeface="Cambria Math" panose="02040503050406030204" pitchFamily="18" charset="0"/>
+                                  </a:rPr>
+                                  <m:t>𝑞</m:t>
+                                </m:r>
+                              </m:e>
+                              <m:sup>
+                                <m:r>
+                                  <a:rPr lang="en-US" b="0" i="1" smtClean="0">
+                                    <a:latin typeface="Cambria Math" panose="02040503050406030204" pitchFamily="18" charset="0"/>
+                                    <a:ea typeface="Cambria Math" panose="02040503050406030204" pitchFamily="18" charset="0"/>
+                                  </a:rPr>
+                                  <m:t>∗</m:t>
+                                </m:r>
+                              </m:sup>
+                            </m:sSup>
+                          </m:e>
+                        </m:d>
+                      </m:e>
+                      <m:sup>
+                        <m:r>
+                          <a:rPr lang="en-US" i="1">
+                            <a:latin typeface="Cambria Math" panose="02040503050406030204" pitchFamily="18" charset="0"/>
+                            <a:ea typeface="Cambria Math" panose="02040503050406030204" pitchFamily="18" charset="0"/>
+                          </a:rPr>
+                          <m:t>2</m:t>
+                        </m:r>
+                      </m:sup>
+                    </m:sSup>
+                  </m:oMath>
+                </a14:m>
+                <a:endParaRPr lang="en-US" dirty="0" smtClean="0"/>
+              </a:p>
+              <a:p>
+                <a:pPr marL="1371600" lvl="2" indent="-457200">
+                  <a:buFont typeface="+mj-lt"/>
+                  <a:buAutoNum type="arabicPeriod"/>
+                </a:pPr>
+                <a:r>
+                  <a:rPr lang="en-US" dirty="0" smtClean="0"/>
+                  <a:t>Residual	 	</a:t>
+                </a:r>
+                <a14:m>
+                  <m:oMath xmlns:m="http://schemas.openxmlformats.org/officeDocument/2006/math">
+                    <m:r>
+                      <a:rPr lang="en-US" i="1">
+                        <a:latin typeface="Cambria Math" panose="02040503050406030204" pitchFamily="18" charset="0"/>
+                      </a:rPr>
+                      <m:t>𝐽</m:t>
+                    </m:r>
+                    <m:d>
+                      <m:dPr>
+                        <m:ctrlPr>
+                          <a:rPr lang="en-US" i="1">
+                            <a:latin typeface="Cambria Math" panose="02040503050406030204" pitchFamily="18" charset="0"/>
+                          </a:rPr>
+                        </m:ctrlPr>
+                      </m:dPr>
+                      <m:e>
+                        <m:r>
+                          <a:rPr lang="en-US" i="1">
+                            <a:latin typeface="Cambria Math" panose="02040503050406030204" pitchFamily="18" charset="0"/>
+                          </a:rPr>
+                          <m:t>𝜃</m:t>
+                        </m:r>
+                      </m:e>
+                    </m:d>
+                    <m:r>
+                      <a:rPr lang="en-US" i="1">
+                        <a:latin typeface="Cambria Math" panose="02040503050406030204" pitchFamily="18" charset="0"/>
+                      </a:rPr>
+                      <m:t>=</m:t>
+                    </m:r>
+                    <m:sSup>
+                      <m:sSupPr>
+                        <m:ctrlPr>
+                          <a:rPr lang="en-US" b="0" i="1" smtClean="0">
+                            <a:latin typeface="Cambria Math" panose="02040503050406030204" pitchFamily="18" charset="0"/>
+                            <a:ea typeface="Cambria Math" panose="02040503050406030204" pitchFamily="18" charset="0"/>
+                          </a:rPr>
+                        </m:ctrlPr>
+                      </m:sSupPr>
+                      <m:e>
+                        <m:d>
+                          <m:dPr>
+                            <m:begChr m:val="‖"/>
+                            <m:endChr m:val="‖"/>
+                            <m:ctrlPr>
+                              <a:rPr lang="en-US" b="0" i="1" smtClean="0">
+                                <a:latin typeface="Cambria Math" panose="02040503050406030204" pitchFamily="18" charset="0"/>
+                              </a:rPr>
+                            </m:ctrlPr>
+                          </m:dPr>
+                          <m:e>
+                            <m:sSub>
+                              <m:sSubPr>
+                                <m:ctrlPr>
+                                  <a:rPr lang="en-US" b="0" i="1" smtClean="0">
+                                    <a:latin typeface="Cambria Math" panose="02040503050406030204" pitchFamily="18" charset="0"/>
+                                  </a:rPr>
+                                </m:ctrlPr>
+                              </m:sSubPr>
+                              <m:e>
+                                <m:r>
+                                  <a:rPr lang="en-US" b="0" i="1" smtClean="0">
+                                    <a:latin typeface="Cambria Math" panose="02040503050406030204" pitchFamily="18" charset="0"/>
+                                  </a:rPr>
+                                  <m:t>𝑞</m:t>
+                                </m:r>
+                              </m:e>
+                              <m:sub>
+                                <m:r>
+                                  <a:rPr lang="en-US" b="0" i="1" smtClean="0">
+                                    <a:latin typeface="Cambria Math" panose="02040503050406030204" pitchFamily="18" charset="0"/>
+                                  </a:rPr>
+                                  <m:t>𝜃</m:t>
+                                </m:r>
+                              </m:sub>
+                            </m:sSub>
+                            <m:r>
+                              <a:rPr lang="en-US" b="0" i="1" smtClean="0">
+                                <a:latin typeface="Cambria Math" panose="02040503050406030204" pitchFamily="18" charset="0"/>
+                              </a:rPr>
+                              <m:t>−</m:t>
+                            </m:r>
+                            <m:r>
+                              <a:rPr lang="en-US" b="0" i="1" smtClean="0">
+                                <a:latin typeface="Cambria Math" panose="02040503050406030204" pitchFamily="18" charset="0"/>
+                                <a:ea typeface="Cambria Math" panose="02040503050406030204" pitchFamily="18" charset="0"/>
+                              </a:rPr>
+                              <m:t>𝒯</m:t>
+                            </m:r>
+                            <m:sSub>
+                              <m:sSubPr>
+                                <m:ctrlPr>
+                                  <a:rPr lang="en-US" b="0" i="1" smtClean="0">
+                                    <a:latin typeface="Cambria Math" panose="02040503050406030204" pitchFamily="18" charset="0"/>
+                                    <a:ea typeface="Cambria Math" panose="02040503050406030204" pitchFamily="18" charset="0"/>
+                                  </a:rPr>
+                                </m:ctrlPr>
+                              </m:sSubPr>
+                              <m:e>
+                                <m:r>
+                                  <a:rPr lang="en-US" b="0" i="1" smtClean="0">
+                                    <a:latin typeface="Cambria Math" panose="02040503050406030204" pitchFamily="18" charset="0"/>
+                                    <a:ea typeface="Cambria Math" panose="02040503050406030204" pitchFamily="18" charset="0"/>
+                                  </a:rPr>
+                                  <m:t>𝑞</m:t>
+                                </m:r>
+                              </m:e>
+                              <m:sub>
+                                <m:r>
+                                  <a:rPr lang="en-US" b="0" i="1" smtClean="0">
+                                    <a:latin typeface="Cambria Math" panose="02040503050406030204" pitchFamily="18" charset="0"/>
+                                    <a:ea typeface="Cambria Math" panose="02040503050406030204" pitchFamily="18" charset="0"/>
+                                  </a:rPr>
+                                  <m:t>𝜃</m:t>
+                                </m:r>
+                              </m:sub>
+                            </m:sSub>
+                          </m:e>
+                        </m:d>
+                      </m:e>
+                      <m:sup>
+                        <m:r>
+                          <a:rPr lang="en-US" b="0" i="1" smtClean="0">
+                            <a:latin typeface="Cambria Math" panose="02040503050406030204" pitchFamily="18" charset="0"/>
+                            <a:ea typeface="Cambria Math" panose="02040503050406030204" pitchFamily="18" charset="0"/>
+                          </a:rPr>
+                          <m:t>2</m:t>
+                        </m:r>
+                      </m:sup>
+                    </m:sSup>
+                  </m:oMath>
+                </a14:m>
+                <a:endParaRPr lang="en-US" dirty="0" smtClean="0"/>
+              </a:p>
+              <a:p>
+                <a:pPr marL="1371600" lvl="2" indent="-457200">
+                  <a:buFont typeface="+mj-lt"/>
+                  <a:buAutoNum type="arabicPeriod"/>
+                </a:pPr>
+                <a:r>
+                  <a:rPr lang="en-US" dirty="0" smtClean="0"/>
+                  <a:t>Projection		</a:t>
+                </a:r>
+                <a14:m>
+                  <m:oMath xmlns:m="http://schemas.openxmlformats.org/officeDocument/2006/math">
+                    <m:r>
+                      <a:rPr lang="en-US" i="1">
+                        <a:latin typeface="Cambria Math" panose="02040503050406030204" pitchFamily="18" charset="0"/>
+                      </a:rPr>
+                      <m:t>𝐽</m:t>
+                    </m:r>
+                    <m:d>
+                      <m:dPr>
+                        <m:ctrlPr>
+                          <a:rPr lang="en-US" i="1">
+                            <a:latin typeface="Cambria Math" panose="02040503050406030204" pitchFamily="18" charset="0"/>
+                          </a:rPr>
+                        </m:ctrlPr>
+                      </m:dPr>
+                      <m:e>
+                        <m:r>
+                          <a:rPr lang="en-US" i="1">
+                            <a:latin typeface="Cambria Math" panose="02040503050406030204" pitchFamily="18" charset="0"/>
+                          </a:rPr>
+                          <m:t>𝜃</m:t>
+                        </m:r>
+                      </m:e>
+                    </m:d>
+                    <m:r>
+                      <a:rPr lang="en-US" i="1">
+                        <a:latin typeface="Cambria Math" panose="02040503050406030204" pitchFamily="18" charset="0"/>
+                      </a:rPr>
+                      <m:t>=</m:t>
+                    </m:r>
+                    <m:sSup>
+                      <m:sSupPr>
+                        <m:ctrlPr>
+                          <a:rPr lang="en-US" i="1">
+                            <a:latin typeface="Cambria Math" panose="02040503050406030204" pitchFamily="18" charset="0"/>
+                            <a:ea typeface="Cambria Math" panose="02040503050406030204" pitchFamily="18" charset="0"/>
+                          </a:rPr>
+                        </m:ctrlPr>
+                      </m:sSupPr>
+                      <m:e>
+                        <m:d>
+                          <m:dPr>
+                            <m:begChr m:val="‖"/>
+                            <m:endChr m:val="‖"/>
+                            <m:ctrlPr>
+                              <a:rPr lang="en-US" i="1">
+                                <a:latin typeface="Cambria Math" panose="02040503050406030204" pitchFamily="18" charset="0"/>
+                              </a:rPr>
+                            </m:ctrlPr>
+                          </m:dPr>
+                          <m:e>
+                            <m:sSub>
+                              <m:sSubPr>
+                                <m:ctrlPr>
+                                  <a:rPr lang="en-US" i="1">
+                                    <a:latin typeface="Cambria Math" panose="02040503050406030204" pitchFamily="18" charset="0"/>
+                                  </a:rPr>
+                                </m:ctrlPr>
+                              </m:sSubPr>
+                              <m:e>
+                                <m:r>
+                                  <a:rPr lang="en-US" i="1">
+                                    <a:latin typeface="Cambria Math" panose="02040503050406030204" pitchFamily="18" charset="0"/>
+                                  </a:rPr>
+                                  <m:t>𝑞</m:t>
+                                </m:r>
+                              </m:e>
+                              <m:sub>
+                                <m:r>
+                                  <a:rPr lang="en-US" i="1">
+                                    <a:latin typeface="Cambria Math" panose="02040503050406030204" pitchFamily="18" charset="0"/>
+                                  </a:rPr>
+                                  <m:t>𝜃</m:t>
+                                </m:r>
+                              </m:sub>
+                            </m:sSub>
+                            <m:r>
+                              <a:rPr lang="en-US" i="1">
+                                <a:latin typeface="Cambria Math" panose="02040503050406030204" pitchFamily="18" charset="0"/>
+                              </a:rPr>
+                              <m:t>−</m:t>
+                            </m:r>
+                            <m:r>
+                              <m:rPr>
+                                <m:sty m:val="p"/>
+                              </m:rPr>
+                              <a:rPr lang="el-GR" i="1" smtClean="0">
+                                <a:latin typeface="Cambria Math" panose="02040503050406030204" pitchFamily="18" charset="0"/>
+                                <a:ea typeface="Cambria Math" panose="02040503050406030204" pitchFamily="18" charset="0"/>
+                              </a:rPr>
+                              <m:t>Π</m:t>
+                            </m:r>
+                            <m:r>
+                              <a:rPr lang="en-US" i="1">
+                                <a:latin typeface="Cambria Math" panose="02040503050406030204" pitchFamily="18" charset="0"/>
+                                <a:ea typeface="Cambria Math" panose="02040503050406030204" pitchFamily="18" charset="0"/>
+                              </a:rPr>
+                              <m:t>𝒯</m:t>
+                            </m:r>
+                            <m:sSub>
+                              <m:sSubPr>
+                                <m:ctrlPr>
+                                  <a:rPr lang="en-US" i="1">
+                                    <a:latin typeface="Cambria Math" panose="02040503050406030204" pitchFamily="18" charset="0"/>
+                                    <a:ea typeface="Cambria Math" panose="02040503050406030204" pitchFamily="18" charset="0"/>
+                                  </a:rPr>
+                                </m:ctrlPr>
+                              </m:sSubPr>
+                              <m:e>
+                                <m:r>
+                                  <a:rPr lang="en-US" i="1">
+                                    <a:latin typeface="Cambria Math" panose="02040503050406030204" pitchFamily="18" charset="0"/>
+                                    <a:ea typeface="Cambria Math" panose="02040503050406030204" pitchFamily="18" charset="0"/>
+                                  </a:rPr>
+                                  <m:t>𝑞</m:t>
+                                </m:r>
+                              </m:e>
+                              <m:sub>
+                                <m:r>
+                                  <a:rPr lang="en-US" i="1">
+                                    <a:latin typeface="Cambria Math" panose="02040503050406030204" pitchFamily="18" charset="0"/>
+                                    <a:ea typeface="Cambria Math" panose="02040503050406030204" pitchFamily="18" charset="0"/>
+                                  </a:rPr>
+                                  <m:t>𝜃</m:t>
+                                </m:r>
+                              </m:sub>
+                            </m:sSub>
+                          </m:e>
+                        </m:d>
+                      </m:e>
+                      <m:sup>
+                        <m:r>
+                          <a:rPr lang="en-US" i="1">
+                            <a:latin typeface="Cambria Math" panose="02040503050406030204" pitchFamily="18" charset="0"/>
+                            <a:ea typeface="Cambria Math" panose="02040503050406030204" pitchFamily="18" charset="0"/>
+                          </a:rPr>
+                          <m:t>2</m:t>
+                        </m:r>
+                      </m:sup>
+                    </m:sSup>
+                  </m:oMath>
+                </a14:m>
+                <a:endParaRPr lang="en-US" dirty="0" smtClean="0"/>
+              </a:p>
+              <a:p>
+                <a:pPr marL="914400" lvl="1" indent="-457200">
+                  <a:buFont typeface="+mj-lt"/>
+                  <a:buAutoNum type="arabicPeriod"/>
+                </a:pPr>
+                <a:endParaRPr lang="en-US" dirty="0"/>
+              </a:p>
+            </p:txBody>
+          </p:sp>
+        </mc:Choice>
+        <mc:Fallback>
+          <p:sp>
+            <p:nvSpPr>
+              <p:cNvPr id="3" name="Content Placeholder 2"/>
+              <p:cNvSpPr>
+                <a:spLocks noGrp="1" noRot="1" noChangeAspect="1" noMove="1" noResize="1" noEditPoints="1" noAdjustHandles="1" noChangeArrowheads="1" noChangeShapeType="1" noTextEdit="1"/>
+              </p:cNvSpPr>
+              <p:nvPr>
+                <p:ph idx="1"/>
+              </p:nvPr>
+            </p:nvSpPr>
+            <p:spPr>
+              <a:xfrm>
+                <a:off x="838200" y="1825625"/>
+                <a:ext cx="11353800" cy="4351338"/>
+              </a:xfrm>
+              <a:blipFill>
+                <a:blip r:embed="rId2"/>
+                <a:stretch>
+                  <a:fillRect t="-3081"/>
+                </a:stretch>
+              </a:blipFill>
+            </p:spPr>
+            <p:txBody>
+              <a:bodyPr/>
+              <a:lstStyle/>
+              <a:p>
+                <a:r>
+                  <a:rPr lang="en-US">
+                    <a:noFill/>
+                  </a:rPr>
+                  <a:t> </a:t>
+                </a:r>
+              </a:p>
+            </p:txBody>
+          </p:sp>
+        </mc:Fallback>
+      </mc:AlternateContent>
     </p:spTree>
     <p:extLst>
       <p:ext uri="{BB962C8B-B14F-4D97-AF65-F5344CB8AC3E}">
@@ -9670,7 +10575,4009 @@
 </p:sld>
 </file>
 
+<file path=ppt/slides/slide20.xml><?xml version="1.0" encoding="utf-8"?>
+<p:sld xmlns:a="http://schemas.openxmlformats.org/drawingml/2006/main" xmlns:r="http://schemas.openxmlformats.org/officeDocument/2006/relationships" xmlns:p="http://schemas.openxmlformats.org/presentationml/2006/main">
+  <p:cSld>
+    <p:spTree>
+      <p:nvGrpSpPr>
+        <p:cNvPr id="1" name=""/>
+        <p:cNvGrpSpPr/>
+        <p:nvPr/>
+      </p:nvGrpSpPr>
+      <p:grpSpPr>
+        <a:xfrm>
+          <a:off x="0" y="0"/>
+          <a:ext cx="0" cy="0"/>
+          <a:chOff x="0" y="0"/>
+          <a:chExt cx="0" cy="0"/>
+        </a:xfrm>
+      </p:grpSpPr>
+      <p:sp>
+        <p:nvSpPr>
+          <p:cNvPr id="2" name="Title 1"/>
+          <p:cNvSpPr>
+            <a:spLocks noGrp="1"/>
+          </p:cNvSpPr>
+          <p:nvPr>
+            <p:ph type="title"/>
+          </p:nvPr>
+        </p:nvSpPr>
+        <p:spPr/>
+        <p:txBody>
+          <a:bodyPr/>
+          <a:lstStyle/>
+          <a:p>
+            <a:endParaRPr lang="en-US" dirty="0"/>
+          </a:p>
+        </p:txBody>
+      </p:sp>
+      <mc:AlternateContent xmlns:mc="http://schemas.openxmlformats.org/markup-compatibility/2006">
+        <mc:Choice xmlns:a14="http://schemas.microsoft.com/office/drawing/2010/main" Requires="a14">
+          <p:graphicFrame>
+            <p:nvGraphicFramePr>
+              <p:cNvPr id="4" name="Content Placeholder 3"/>
+              <p:cNvGraphicFramePr>
+                <a:graphicFrameLocks noGrp="1"/>
+              </p:cNvGraphicFramePr>
+              <p:nvPr>
+                <p:ph idx="1"/>
+                <p:extLst>
+                  <p:ext uri="{D42A27DB-BD31-4B8C-83A1-F6EECF244321}">
+                    <p14:modId xmlns:p14="http://schemas.microsoft.com/office/powerpoint/2010/main" val="2205323098"/>
+                  </p:ext>
+                </p:extLst>
+              </p:nvPr>
+            </p:nvGraphicFramePr>
+            <p:xfrm>
+              <a:off x="170686" y="467074"/>
+              <a:ext cx="11570209" cy="6165372"/>
+            </p:xfrm>
+            <a:graphic>
+              <a:graphicData uri="http://schemas.openxmlformats.org/drawingml/2006/table">
+                <a:tbl>
+                  <a:tblPr firstRow="1" bandRow="1">
+                    <a:tableStyleId>{5C22544A-7EE6-4342-B048-85BDC9FD1C3A}</a:tableStyleId>
+                  </a:tblPr>
+                  <a:tblGrid>
+                    <a:gridCol w="2286847">
+                      <a:extLst>
+                        <a:ext uri="{9D8B030D-6E8A-4147-A177-3AD203B41FA5}">
+                          <a16:colId xmlns:a16="http://schemas.microsoft.com/office/drawing/2014/main" val="2727381700"/>
+                        </a:ext>
+                      </a:extLst>
+                    </a:gridCol>
+                    <a:gridCol w="1981872">
+                      <a:extLst>
+                        <a:ext uri="{9D8B030D-6E8A-4147-A177-3AD203B41FA5}">
+                          <a16:colId xmlns:a16="http://schemas.microsoft.com/office/drawing/2014/main" val="422638171"/>
+                        </a:ext>
+                      </a:extLst>
+                    </a:gridCol>
+                    <a:gridCol w="1672453">
+                      <a:extLst>
+                        <a:ext uri="{9D8B030D-6E8A-4147-A177-3AD203B41FA5}">
+                          <a16:colId xmlns:a16="http://schemas.microsoft.com/office/drawing/2014/main" val="1528730067"/>
+                        </a:ext>
+                      </a:extLst>
+                    </a:gridCol>
+                    <a:gridCol w="1176153">
+                      <a:extLst>
+                        <a:ext uri="{9D8B030D-6E8A-4147-A177-3AD203B41FA5}">
+                          <a16:colId xmlns:a16="http://schemas.microsoft.com/office/drawing/2014/main" val="4009352690"/>
+                        </a:ext>
+                      </a:extLst>
+                    </a:gridCol>
+                    <a:gridCol w="1844642">
+                      <a:extLst>
+                        <a:ext uri="{9D8B030D-6E8A-4147-A177-3AD203B41FA5}">
+                          <a16:colId xmlns:a16="http://schemas.microsoft.com/office/drawing/2014/main" val="2045577686"/>
+                        </a:ext>
+                      </a:extLst>
+                    </a:gridCol>
+                    <a:gridCol w="1149604">
+                      <a:extLst>
+                        <a:ext uri="{9D8B030D-6E8A-4147-A177-3AD203B41FA5}">
+                          <a16:colId xmlns:a16="http://schemas.microsoft.com/office/drawing/2014/main" val="2764622957"/>
+                        </a:ext>
+                      </a:extLst>
+                    </a:gridCol>
+                    <a:gridCol w="852932">
+                      <a:extLst>
+                        <a:ext uri="{9D8B030D-6E8A-4147-A177-3AD203B41FA5}">
+                          <a16:colId xmlns:a16="http://schemas.microsoft.com/office/drawing/2014/main" val="3257842676"/>
+                        </a:ext>
+                      </a:extLst>
+                    </a:gridCol>
+                    <a:gridCol w="605706">
+                      <a:extLst>
+                        <a:ext uri="{9D8B030D-6E8A-4147-A177-3AD203B41FA5}">
+                          <a16:colId xmlns:a16="http://schemas.microsoft.com/office/drawing/2014/main" val="4283649130"/>
+                        </a:ext>
+                      </a:extLst>
+                    </a:gridCol>
+                  </a:tblGrid>
+                  <a:tr h="398647">
+                    <a:tc>
+                      <a:txBody>
+                        <a:bodyPr/>
+                        <a:lstStyle/>
+                        <a:p>
+                          <a:pPr marL="0" algn="ctr" defTabSz="914400" rtl="0" eaLnBrk="1" latinLnBrk="0" hangingPunct="1"/>
+                          <a:endParaRPr lang="en-US" sz="1200" kern="1200" dirty="0">
+                            <a:solidFill>
+                              <a:schemeClr val="dk1"/>
+                            </a:solidFill>
+                            <a:effectLst/>
+                            <a:latin typeface="+mn-lt"/>
+                            <a:ea typeface="+mn-ea"/>
+                            <a:cs typeface="+mn-cs"/>
+                          </a:endParaRPr>
+                        </a:p>
+                      </a:txBody>
+                      <a:tcPr anchor="ctr"/>
+                    </a:tc>
+                    <a:tc>
+                      <a:txBody>
+                        <a:bodyPr/>
+                        <a:lstStyle/>
+                        <a:p>
+                          <a:pPr algn="ctr"/>
+                          <a:endParaRPr lang="en-US" dirty="0"/>
+                        </a:p>
+                      </a:txBody>
+                      <a:tcPr anchor="ctr"/>
+                    </a:tc>
+                    <a:tc>
+                      <a:txBody>
+                        <a:bodyPr/>
+                        <a:lstStyle/>
+                        <a:p>
+                          <a:pPr algn="ctr"/>
+                          <a:r>
+                            <a:rPr lang="en-US" dirty="0" smtClean="0"/>
+                            <a:t>1</a:t>
+                          </a:r>
+                          <a:endParaRPr lang="en-US" dirty="0"/>
+                        </a:p>
+                      </a:txBody>
+                      <a:tcPr anchor="ctr"/>
+                    </a:tc>
+                    <a:tc>
+                      <a:txBody>
+                        <a:bodyPr/>
+                        <a:lstStyle/>
+                        <a:p>
+                          <a:pPr algn="ctr"/>
+                          <a:r>
+                            <a:rPr lang="en-US" dirty="0" smtClean="0"/>
+                            <a:t>2</a:t>
+                          </a:r>
+                          <a:endParaRPr lang="en-US" dirty="0"/>
+                        </a:p>
+                      </a:txBody>
+                      <a:tcPr anchor="ctr"/>
+                    </a:tc>
+                    <a:tc>
+                      <a:txBody>
+                        <a:bodyPr/>
+                        <a:lstStyle/>
+                        <a:p>
+                          <a:pPr algn="ctr"/>
+                          <a:r>
+                            <a:rPr lang="en-US" dirty="0" smtClean="0"/>
+                            <a:t>3</a:t>
+                          </a:r>
+                          <a:endParaRPr lang="en-US" dirty="0"/>
+                        </a:p>
+                      </a:txBody>
+                      <a:tcPr anchor="ctr"/>
+                    </a:tc>
+                    <a:tc>
+                      <a:txBody>
+                        <a:bodyPr/>
+                        <a:lstStyle/>
+                        <a:p>
+                          <a:pPr algn="ctr"/>
+                          <a:r>
+                            <a:rPr lang="en-US" altLang="zh-CN" sz="1600" dirty="0" smtClean="0"/>
+                            <a:t>4</a:t>
+                          </a:r>
+                          <a:endParaRPr lang="en-US" sz="1600" dirty="0"/>
+                        </a:p>
+                      </a:txBody>
+                      <a:tcPr anchor="ctr"/>
+                    </a:tc>
+                    <a:tc>
+                      <a:txBody>
+                        <a:bodyPr/>
+                        <a:lstStyle/>
+                        <a:p>
+                          <a:pPr algn="ctr"/>
+                          <a:endParaRPr lang="en-US"/>
+                        </a:p>
+                      </a:txBody>
+                      <a:tcPr anchor="ctr"/>
+                    </a:tc>
+                    <a:tc>
+                      <a:txBody>
+                        <a:bodyPr/>
+                        <a:lstStyle/>
+                        <a:p>
+                          <a:pPr algn="ctr"/>
+                          <a:endParaRPr lang="en-US"/>
+                        </a:p>
+                      </a:txBody>
+                      <a:tcPr anchor="ctr"/>
+                    </a:tc>
+                    <a:extLst>
+                      <a:ext uri="{0D108BD9-81ED-4DB2-BD59-A6C34878D82A}">
+                        <a16:rowId xmlns:a16="http://schemas.microsoft.com/office/drawing/2014/main" val="2882472153"/>
+                      </a:ext>
+                    </a:extLst>
+                  </a:tr>
+                  <a:tr h="688075">
+                    <a:tc>
+                      <a:txBody>
+                        <a:bodyPr/>
+                        <a:lstStyle/>
+                        <a:p>
+                          <a:pPr marL="0" algn="ctr" defTabSz="914400" rtl="0" eaLnBrk="1" latinLnBrk="0" hangingPunct="1"/>
+                          <a:r>
+                            <a:rPr lang="en-US" sz="1200" dirty="0" smtClean="0">
+                              <a:effectLst/>
+                            </a:rPr>
+                            <a:t>Convergence results for single-step on-policy reinforcement-learning algorithms</a:t>
+                          </a:r>
+                          <a:endParaRPr lang="en-US" sz="1200" kern="1200" dirty="0">
+                            <a:solidFill>
+                              <a:schemeClr val="dk1"/>
+                            </a:solidFill>
+                            <a:effectLst/>
+                            <a:latin typeface="+mn-lt"/>
+                            <a:ea typeface="+mn-ea"/>
+                            <a:cs typeface="+mn-cs"/>
+                          </a:endParaRPr>
+                        </a:p>
+                      </a:txBody>
+                      <a:tcPr anchor="ctr"/>
+                    </a:tc>
+                    <a:tc>
+                      <a:txBody>
+                        <a:bodyPr/>
+                        <a:lstStyle/>
+                        <a:p>
+                          <a:pPr algn="ctr"/>
+                          <a:r>
+                            <a:rPr lang="en-US" dirty="0" smtClean="0"/>
+                            <a:t>SARSA(0)</a:t>
+                          </a:r>
+                          <a:endParaRPr lang="en-US" dirty="0"/>
+                        </a:p>
+                      </a:txBody>
+                      <a:tcPr anchor="ctr"/>
+                    </a:tc>
+                    <a:tc>
+                      <a:txBody>
+                        <a:bodyPr/>
+                        <a:lstStyle/>
+                        <a:p>
+                          <a:pPr algn="ctr"/>
+                          <a:r>
+                            <a:rPr lang="en-US" dirty="0" smtClean="0"/>
+                            <a:t>GLIE</a:t>
+                          </a:r>
+                        </a:p>
+                        <a:p>
+                          <a:pPr algn="ctr"/>
+                          <a:r>
+                            <a:rPr lang="en-US" dirty="0" smtClean="0"/>
+                            <a:t>RRR</a:t>
+                          </a:r>
+                          <a:endParaRPr lang="en-US" dirty="0"/>
+                        </a:p>
+                      </a:txBody>
+                      <a:tcPr anchor="ctr"/>
+                    </a:tc>
+                    <a:tc>
+                      <a:txBody>
+                        <a:bodyPr/>
+                        <a:lstStyle/>
+                        <a:p>
+                          <a:pPr algn="ctr"/>
+                          <a:r>
+                            <a:rPr lang="en-US" altLang="zh-CN" dirty="0" smtClean="0"/>
+                            <a:t>control</a:t>
+                          </a:r>
+                          <a:endParaRPr lang="en-US" dirty="0"/>
+                        </a:p>
+                      </a:txBody>
+                      <a:tcPr anchor="ctr"/>
+                    </a:tc>
+                    <a:tc>
+                      <a:txBody>
+                        <a:bodyPr/>
+                        <a:lstStyle/>
+                        <a:p>
+                          <a:pPr algn="ctr"/>
+                          <a:r>
+                            <a:rPr lang="en-US" dirty="0" smtClean="0"/>
+                            <a:t>Look</a:t>
+                          </a:r>
+                          <a:r>
+                            <a:rPr lang="en-US" baseline="0" dirty="0" smtClean="0"/>
+                            <a:t> up table</a:t>
+                          </a:r>
+                          <a:endParaRPr lang="en-US" dirty="0"/>
+                        </a:p>
+                      </a:txBody>
+                      <a:tcPr anchor="ctr"/>
+                    </a:tc>
+                    <a:tc>
+                      <a:txBody>
+                        <a:bodyPr/>
+                        <a:lstStyle/>
+                        <a:p>
+                          <a:pPr algn="ctr"/>
+                          <a:endParaRPr lang="en-US" sz="1600" dirty="0"/>
+                        </a:p>
+                      </a:txBody>
+                      <a:tcPr anchor="ctr"/>
+                    </a:tc>
+                    <a:tc>
+                      <a:txBody>
+                        <a:bodyPr/>
+                        <a:lstStyle/>
+                        <a:p>
+                          <a:pPr algn="ctr"/>
+                          <a:endParaRPr lang="en-US"/>
+                        </a:p>
+                      </a:txBody>
+                      <a:tcPr anchor="ctr"/>
+                    </a:tc>
+                    <a:tc>
+                      <a:txBody>
+                        <a:bodyPr/>
+                        <a:lstStyle/>
+                        <a:p>
+                          <a:pPr algn="ctr"/>
+                          <a:endParaRPr lang="en-US"/>
+                        </a:p>
+                      </a:txBody>
+                      <a:tcPr anchor="ctr"/>
+                    </a:tc>
+                    <a:extLst>
+                      <a:ext uri="{0D108BD9-81ED-4DB2-BD59-A6C34878D82A}">
+                        <a16:rowId xmlns:a16="http://schemas.microsoft.com/office/drawing/2014/main" val="2198174693"/>
+                      </a:ext>
+                    </a:extLst>
+                  </a:tr>
+                  <a:tr h="884668">
+                    <a:tc>
+                      <a:txBody>
+                        <a:bodyPr/>
+                        <a:lstStyle/>
+                        <a:p>
+                          <a:pPr marL="0" algn="ctr" defTabSz="914400" rtl="0" eaLnBrk="1" latinLnBrk="0" hangingPunct="1"/>
+                          <a:r>
+                            <a:rPr lang="en-US" sz="1200" dirty="0" smtClean="0">
+                              <a:effectLst/>
+                            </a:rPr>
+                            <a:t>The O.D.E. Method for Convergence of Stochastic Approximation and Reinforcement Learning</a:t>
+                          </a:r>
+                          <a:endParaRPr lang="en-US" sz="1200" kern="1200" dirty="0">
+                            <a:solidFill>
+                              <a:schemeClr val="dk1"/>
+                            </a:solidFill>
+                            <a:effectLst/>
+                            <a:latin typeface="+mn-lt"/>
+                            <a:ea typeface="+mn-ea"/>
+                            <a:cs typeface="+mn-cs"/>
+                          </a:endParaRPr>
+                        </a:p>
+                      </a:txBody>
+                      <a:tcPr anchor="ctr"/>
+                    </a:tc>
+                    <a:tc>
+                      <a:txBody>
+                        <a:bodyPr/>
+                        <a:lstStyle/>
+                        <a:p>
+                          <a:pPr algn="ctr"/>
+                          <a:r>
+                            <a:rPr lang="en-US" dirty="0" smtClean="0"/>
+                            <a:t>Q </a:t>
+                          </a:r>
+                          <a:r>
+                            <a:rPr lang="en-US" altLang="zh-CN" dirty="0" smtClean="0"/>
+                            <a:t>learning</a:t>
+                          </a:r>
+                          <a:endParaRPr lang="en-US" dirty="0"/>
+                        </a:p>
+                      </a:txBody>
+                      <a:tcPr anchor="ctr"/>
+                    </a:tc>
+                    <a:tc>
+                      <a:txBody>
+                        <a:bodyPr/>
+                        <a:lstStyle/>
+                        <a:p>
+                          <a:pPr algn="ctr"/>
+                          <a:r>
+                            <a:rPr lang="en-US" dirty="0" smtClean="0"/>
+                            <a:t>greedy</a:t>
+                          </a:r>
+                          <a:endParaRPr lang="en-US" dirty="0"/>
+                        </a:p>
+                      </a:txBody>
+                      <a:tcPr anchor="ctr"/>
+                    </a:tc>
+                    <a:tc>
+                      <a:txBody>
+                        <a:bodyPr/>
+                        <a:lstStyle/>
+                        <a:p>
+                          <a:pPr algn="ctr"/>
+                          <a:r>
+                            <a:rPr lang="en-US" dirty="0" smtClean="0"/>
+                            <a:t>control</a:t>
+                          </a:r>
+                          <a:endParaRPr lang="en-US" dirty="0"/>
+                        </a:p>
+                      </a:txBody>
+                      <a:tcPr anchor="ctr"/>
+                    </a:tc>
+                    <a:tc>
+                      <a:txBody>
+                        <a:bodyPr/>
+                        <a:lstStyle/>
+                        <a:p>
+                          <a:pPr algn="ctr"/>
+                          <a:r>
+                            <a:rPr lang="en-US" altLang="zh-CN" dirty="0" smtClean="0"/>
+                            <a:t>Look up table</a:t>
+                          </a:r>
+                          <a:endParaRPr lang="en-US" dirty="0"/>
+                        </a:p>
+                      </a:txBody>
+                      <a:tcPr anchor="ctr"/>
+                    </a:tc>
+                    <a:tc>
+                      <a:txBody>
+                        <a:bodyPr/>
+                        <a:lstStyle/>
+                        <a:p>
+                          <a:pPr algn="ctr"/>
+                          <a:endParaRPr lang="en-US" sz="1600" dirty="0"/>
+                        </a:p>
+                      </a:txBody>
+                      <a:tcPr anchor="ctr"/>
+                    </a:tc>
+                    <a:tc>
+                      <a:txBody>
+                        <a:bodyPr/>
+                        <a:lstStyle/>
+                        <a:p>
+                          <a:pPr algn="ctr"/>
+                          <a:endParaRPr lang="en-US" dirty="0"/>
+                        </a:p>
+                      </a:txBody>
+                      <a:tcPr anchor="ctr"/>
+                    </a:tc>
+                    <a:tc>
+                      <a:txBody>
+                        <a:bodyPr/>
+                        <a:lstStyle/>
+                        <a:p>
+                          <a:pPr algn="ctr"/>
+                          <a:endParaRPr lang="en-US" dirty="0"/>
+                        </a:p>
+                      </a:txBody>
+                      <a:tcPr anchor="ctr"/>
+                    </a:tc>
+                    <a:extLst>
+                      <a:ext uri="{0D108BD9-81ED-4DB2-BD59-A6C34878D82A}">
+                        <a16:rowId xmlns:a16="http://schemas.microsoft.com/office/drawing/2014/main" val="993385600"/>
+                      </a:ext>
+                    </a:extLst>
+                  </a:tr>
+                  <a:tr h="622544">
+                    <a:tc>
+                      <a:txBody>
+                        <a:bodyPr/>
+                        <a:lstStyle/>
+                        <a:p>
+                          <a:pPr marL="0" algn="ctr" defTabSz="914400" rtl="0" eaLnBrk="1" latinLnBrk="0" hangingPunct="1"/>
+                          <a:r>
+                            <a:rPr lang="en-US" sz="1200" dirty="0" smtClean="0">
+                              <a:effectLst/>
+                            </a:rPr>
+                            <a:t>A Convergent Form of Approximate Policy Iteration</a:t>
+                          </a:r>
+                          <a:endParaRPr lang="en-US" sz="1200" kern="1200" dirty="0">
+                            <a:solidFill>
+                              <a:schemeClr val="dk1"/>
+                            </a:solidFill>
+                            <a:effectLst/>
+                            <a:latin typeface="+mn-lt"/>
+                            <a:ea typeface="+mn-ea"/>
+                            <a:cs typeface="+mn-cs"/>
+                          </a:endParaRPr>
+                        </a:p>
+                      </a:txBody>
+                      <a:tcPr anchor="ctr"/>
+                    </a:tc>
+                    <a:tc>
+                      <a:txBody>
+                        <a:bodyPr/>
+                        <a:lstStyle/>
+                        <a:p>
+                          <a:pPr algn="ctr"/>
+                          <a:r>
+                            <a:rPr lang="en-US" dirty="0" smtClean="0"/>
+                            <a:t>Policy iteration</a:t>
+                          </a:r>
+                          <a:endParaRPr lang="en-US" dirty="0"/>
+                        </a:p>
+                      </a:txBody>
+                      <a:tcPr anchor="ctr"/>
+                    </a:tc>
+                    <a:tc>
+                      <a:txBody>
+                        <a:bodyPr/>
+                        <a:lstStyle/>
+                        <a:p>
+                          <a:pPr algn="ctr"/>
+                          <a:r>
+                            <a:rPr lang="en-US" dirty="0" smtClean="0"/>
+                            <a:t>fix</a:t>
+                          </a:r>
+                          <a:r>
+                            <a:rPr lang="en-US" baseline="0" dirty="0" smtClean="0"/>
+                            <a:t> and improve</a:t>
+                          </a:r>
+                          <a:endParaRPr lang="en-US" dirty="0"/>
+                        </a:p>
+                      </a:txBody>
+                      <a:tcPr anchor="ctr"/>
+                    </a:tc>
+                    <a:tc>
+                      <a:txBody>
+                        <a:bodyPr/>
+                        <a:lstStyle/>
+                        <a:p>
+                          <a:pPr algn="ctr"/>
+                          <a:r>
+                            <a:rPr lang="en-US" dirty="0" smtClean="0"/>
+                            <a:t>control</a:t>
+                          </a:r>
+                          <a:endParaRPr lang="en-US" dirty="0"/>
+                        </a:p>
+                      </a:txBody>
+                      <a:tcPr anchor="ctr"/>
+                    </a:tc>
+                    <a:tc>
+                      <a:txBody>
+                        <a:bodyPr/>
+                        <a:lstStyle/>
+                        <a:p>
+                          <a:pPr algn="ctr"/>
+                          <a:r>
+                            <a:rPr lang="en-US" dirty="0" smtClean="0"/>
+                            <a:t>linear</a:t>
+                          </a:r>
+                          <a:endParaRPr lang="en-US" dirty="0"/>
+                        </a:p>
+                      </a:txBody>
+                      <a:tcPr anchor="ctr"/>
+                    </a:tc>
+                    <a:tc>
+                      <a:txBody>
+                        <a:bodyPr/>
+                        <a:lstStyle/>
+                        <a:p>
+                          <a:pPr algn="ctr"/>
+                          <a:r>
+                            <a:rPr lang="en-US" sz="1600" dirty="0" smtClean="0"/>
+                            <a:t>Bootstrapping</a:t>
+                          </a:r>
+                          <a:endParaRPr lang="en-US" sz="1600" dirty="0"/>
+                        </a:p>
+                      </a:txBody>
+                      <a:tcPr anchor="ctr"/>
+                    </a:tc>
+                    <a:tc>
+                      <a:txBody>
+                        <a:bodyPr/>
+                        <a:lstStyle/>
+                        <a:p>
+                          <a:pPr algn="ctr"/>
+                          <a:endParaRPr lang="en-US" dirty="0"/>
+                        </a:p>
+                      </a:txBody>
+                      <a:tcPr anchor="ctr"/>
+                    </a:tc>
+                    <a:tc>
+                      <a:txBody>
+                        <a:bodyPr/>
+                        <a:lstStyle/>
+                        <a:p>
+                          <a:pPr algn="ctr"/>
+                          <a:endParaRPr lang="en-US" dirty="0"/>
+                        </a:p>
+                      </a:txBody>
+                      <a:tcPr anchor="ctr"/>
+                    </a:tc>
+                    <a:extLst>
+                      <a:ext uri="{0D108BD9-81ED-4DB2-BD59-A6C34878D82A}">
+                        <a16:rowId xmlns:a16="http://schemas.microsoft.com/office/drawing/2014/main" val="3548811150"/>
+                      </a:ext>
+                    </a:extLst>
+                  </a:tr>
+                  <a:tr h="622544">
+                    <a:tc>
+                      <a:txBody>
+                        <a:bodyPr/>
+                        <a:lstStyle/>
+                        <a:p>
+                          <a:pPr marL="0" algn="ctr" defTabSz="914400" rtl="0" eaLnBrk="1" latinLnBrk="0" hangingPunct="1"/>
+                          <a:r>
+                            <a:rPr lang="en-US" sz="1200" kern="1200" dirty="0" smtClean="0">
+                              <a:solidFill>
+                                <a:schemeClr val="dk1"/>
+                              </a:solidFill>
+                              <a:effectLst/>
+                              <a:latin typeface="+mn-lt"/>
+                              <a:ea typeface="+mn-ea"/>
+                              <a:cs typeface="+mn-cs"/>
+                            </a:rPr>
+                            <a:t>Convergence of Q-learning with linear function approximation</a:t>
+                          </a:r>
+                          <a:endParaRPr lang="en-US" sz="1200" kern="1200" dirty="0">
+                            <a:solidFill>
+                              <a:schemeClr val="dk1"/>
+                            </a:solidFill>
+                            <a:effectLst/>
+                            <a:latin typeface="+mn-lt"/>
+                            <a:ea typeface="+mn-ea"/>
+                            <a:cs typeface="+mn-cs"/>
+                          </a:endParaRPr>
+                        </a:p>
+                      </a:txBody>
+                      <a:tcPr anchor="ctr"/>
+                    </a:tc>
+                    <a:tc>
+                      <a:txBody>
+                        <a:bodyPr/>
+                        <a:lstStyle/>
+                        <a:p>
+                          <a:pPr algn="ctr"/>
+                          <a:r>
+                            <a:rPr lang="en-US" dirty="0" smtClean="0"/>
+                            <a:t>Q </a:t>
+                          </a:r>
+                          <a:r>
+                            <a:rPr lang="en-US" altLang="zh-CN" dirty="0" smtClean="0"/>
+                            <a:t>learning</a:t>
+                          </a:r>
+                          <a:endParaRPr lang="en-US" dirty="0"/>
+                        </a:p>
+                      </a:txBody>
+                      <a:tcPr anchor="ctr"/>
+                    </a:tc>
+                    <a:tc>
+                      <a:txBody>
+                        <a:bodyPr/>
+                        <a:lstStyle/>
+                        <a:p>
+                          <a:pPr algn="ctr"/>
+                          <a:r>
+                            <a:rPr lang="en-US" dirty="0" smtClean="0"/>
+                            <a:t>fix</a:t>
+                          </a:r>
+                          <a:endParaRPr lang="en-US" dirty="0"/>
+                        </a:p>
+                      </a:txBody>
+                      <a:tcPr anchor="ctr"/>
+                    </a:tc>
+                    <a:tc>
+                      <a:txBody>
+                        <a:bodyPr/>
+                        <a:lstStyle/>
+                        <a:p>
+                          <a:pPr algn="ctr"/>
+                          <a:r>
+                            <a:rPr lang="en-US" dirty="0" smtClean="0"/>
+                            <a:t>control</a:t>
+                          </a:r>
+                          <a:endParaRPr lang="en-US" dirty="0"/>
+                        </a:p>
+                      </a:txBody>
+                      <a:tcPr anchor="ctr"/>
+                    </a:tc>
+                    <a:tc>
+                      <a:txBody>
+                        <a:bodyPr/>
+                        <a:lstStyle/>
+                        <a:p>
+                          <a:pPr algn="ctr"/>
+                          <a:r>
+                            <a:rPr lang="en-US" dirty="0" smtClean="0"/>
+                            <a:t>linear</a:t>
+                          </a:r>
+                          <a:endParaRPr lang="en-US" dirty="0"/>
+                        </a:p>
+                      </a:txBody>
+                      <a:tcPr anchor="ctr"/>
+                    </a:tc>
+                    <a:tc>
+                      <a:txBody>
+                        <a:bodyPr/>
+                        <a:lstStyle/>
+                        <a:p>
+                          <a:pPr algn="ctr"/>
+                          <a:r>
+                            <a:rPr lang="en-US" sz="1600" dirty="0" smtClean="0"/>
+                            <a:t>Bootstrapping</a:t>
+                          </a:r>
+                          <a:endParaRPr lang="en-US" sz="1600" dirty="0"/>
+                        </a:p>
+                      </a:txBody>
+                      <a:tcPr anchor="ctr"/>
+                    </a:tc>
+                    <a:tc>
+                      <a:txBody>
+                        <a:bodyPr/>
+                        <a:lstStyle/>
+                        <a:p>
+                          <a:pPr algn="ctr"/>
+                          <a:endParaRPr lang="en-US" dirty="0"/>
+                        </a:p>
+                      </a:txBody>
+                      <a:tcPr anchor="ctr"/>
+                    </a:tc>
+                    <a:tc>
+                      <a:txBody>
+                        <a:bodyPr/>
+                        <a:lstStyle/>
+                        <a:p>
+                          <a:pPr algn="ctr"/>
+                          <a:endParaRPr lang="en-US" dirty="0"/>
+                        </a:p>
+                      </a:txBody>
+                      <a:tcPr anchor="ctr"/>
+                    </a:tc>
+                    <a:extLst>
+                      <a:ext uri="{0D108BD9-81ED-4DB2-BD59-A6C34878D82A}">
+                        <a16:rowId xmlns:a16="http://schemas.microsoft.com/office/drawing/2014/main" val="3042068110"/>
+                      </a:ext>
+                    </a:extLst>
+                  </a:tr>
+                  <a:tr h="688075">
+                    <a:tc>
+                      <a:txBody>
+                        <a:bodyPr/>
+                        <a:lstStyle/>
+                        <a:p>
+                          <a:pPr marL="0" algn="ctr" defTabSz="914400" rtl="0" eaLnBrk="1" latinLnBrk="0" hangingPunct="1"/>
+                          <a:r>
+                            <a:rPr lang="en-US" sz="1200" dirty="0" smtClean="0">
+                              <a:effectLst/>
+                            </a:rPr>
+                            <a:t>An analysis of reinforcement learning with function approximation</a:t>
+                          </a:r>
+                          <a:endParaRPr lang="en-US" sz="1200" kern="1200" dirty="0">
+                            <a:solidFill>
+                              <a:schemeClr val="dk1"/>
+                            </a:solidFill>
+                            <a:effectLst/>
+                            <a:latin typeface="+mn-lt"/>
+                            <a:ea typeface="+mn-ea"/>
+                            <a:cs typeface="+mn-cs"/>
+                          </a:endParaRPr>
+                        </a:p>
+                      </a:txBody>
+                      <a:tcPr anchor="ctr"/>
+                    </a:tc>
+                    <a:tc>
+                      <a:txBody>
+                        <a:bodyPr/>
+                        <a:lstStyle/>
+                        <a:p>
+                          <a:pPr algn="ctr"/>
+                          <a:r>
+                            <a:rPr lang="en-US" dirty="0" smtClean="0"/>
+                            <a:t>SRASA</a:t>
+                          </a:r>
+                          <a:endParaRPr lang="en-US" dirty="0"/>
+                        </a:p>
+                      </a:txBody>
+                      <a:tcPr anchor="ctr"/>
+                    </a:tc>
+                    <a:tc>
+                      <a:txBody>
+                        <a:bodyPr/>
+                        <a:lstStyle/>
+                        <a:p>
+                          <a:pPr algn="ctr"/>
+                          <a14:m>
+                            <m:oMath xmlns:m="http://schemas.openxmlformats.org/officeDocument/2006/math">
+                              <m:r>
+                                <a:rPr lang="en-US" b="0" i="1" smtClean="0">
+                                  <a:latin typeface="Cambria Math" panose="02040503050406030204" pitchFamily="18" charset="0"/>
+                                </a:rPr>
+                                <m:t>𝜃</m:t>
+                              </m:r>
+                            </m:oMath>
+                          </a14:m>
+                          <a:r>
+                            <a:rPr lang="en-US" dirty="0" smtClean="0"/>
+                            <a:t>-dependent</a:t>
+                          </a:r>
+                          <a:endParaRPr lang="en-US" dirty="0"/>
+                        </a:p>
+                      </a:txBody>
+                      <a:tcPr anchor="ctr"/>
+                    </a:tc>
+                    <a:tc>
+                      <a:txBody>
+                        <a:bodyPr/>
+                        <a:lstStyle/>
+                        <a:p>
+                          <a:pPr algn="ctr"/>
+                          <a:r>
+                            <a:rPr lang="en-US" dirty="0" smtClean="0"/>
+                            <a:t>control</a:t>
+                          </a:r>
+                          <a:endParaRPr lang="en-US" dirty="0"/>
+                        </a:p>
+                      </a:txBody>
+                      <a:tcPr anchor="ctr"/>
+                    </a:tc>
+                    <a:tc>
+                      <a:txBody>
+                        <a:bodyPr/>
+                        <a:lstStyle/>
+                        <a:p>
+                          <a:pPr algn="ctr"/>
+                          <a:r>
+                            <a:rPr lang="en-US" dirty="0" smtClean="0"/>
+                            <a:t>linear</a:t>
+                          </a:r>
+                          <a:endParaRPr lang="en-US" dirty="0"/>
+                        </a:p>
+                      </a:txBody>
+                      <a:tcPr anchor="ctr"/>
+                    </a:tc>
+                    <a:tc>
+                      <a:txBody>
+                        <a:bodyPr/>
+                        <a:lstStyle/>
+                        <a:p>
+                          <a:pPr algn="ctr"/>
+                          <a:r>
+                            <a:rPr lang="en-US" sz="1600" dirty="0" smtClean="0"/>
+                            <a:t>Bootstrapping</a:t>
+                          </a:r>
+                          <a:endParaRPr lang="en-US" sz="1600" dirty="0"/>
+                        </a:p>
+                      </a:txBody>
+                      <a:tcPr anchor="ctr"/>
+                    </a:tc>
+                    <a:tc>
+                      <a:txBody>
+                        <a:bodyPr/>
+                        <a:lstStyle/>
+                        <a:p>
+                          <a:pPr algn="ctr"/>
+                          <a:endParaRPr lang="en-US" dirty="0"/>
+                        </a:p>
+                      </a:txBody>
+                      <a:tcPr anchor="ctr"/>
+                    </a:tc>
+                    <a:tc>
+                      <a:txBody>
+                        <a:bodyPr/>
+                        <a:lstStyle/>
+                        <a:p>
+                          <a:pPr algn="ctr"/>
+                          <a:endParaRPr lang="en-US" dirty="0"/>
+                        </a:p>
+                      </a:txBody>
+                      <a:tcPr anchor="ctr"/>
+                    </a:tc>
+                    <a:extLst>
+                      <a:ext uri="{0D108BD9-81ED-4DB2-BD59-A6C34878D82A}">
+                        <a16:rowId xmlns:a16="http://schemas.microsoft.com/office/drawing/2014/main" val="3679419667"/>
+                      </a:ext>
+                    </a:extLst>
+                  </a:tr>
+                  <a:tr h="398647">
+                    <a:tc rowSpan="2">
+                      <a:txBody>
+                        <a:bodyPr/>
+                        <a:lstStyle/>
+                        <a:p>
+                          <a:pPr marL="0" algn="ctr" defTabSz="914400" rtl="0" eaLnBrk="1" latinLnBrk="0" hangingPunct="1"/>
+                          <a:r>
+                            <a:rPr lang="en-US" sz="1200" dirty="0" smtClean="0">
+                              <a:effectLst/>
+                            </a:rPr>
+                            <a:t>Fast Gradient-Descent Methods for Temporal-Difference Learning with Linear Function Approximation</a:t>
+                          </a:r>
+                          <a:endParaRPr lang="en-US" sz="1200" kern="1200" dirty="0">
+                            <a:solidFill>
+                              <a:schemeClr val="dk1"/>
+                            </a:solidFill>
+                            <a:effectLst/>
+                            <a:latin typeface="+mn-lt"/>
+                            <a:ea typeface="+mn-ea"/>
+                            <a:cs typeface="+mn-cs"/>
+                          </a:endParaRPr>
+                        </a:p>
+                      </a:txBody>
+                      <a:tcPr anchor="ctr"/>
+                    </a:tc>
+                    <a:tc>
+                      <a:txBody>
+                        <a:bodyPr/>
+                        <a:lstStyle/>
+                        <a:p>
+                          <a:pPr algn="ctr"/>
+                          <a:r>
+                            <a:rPr lang="en-US" dirty="0" smtClean="0"/>
+                            <a:t>GTD2</a:t>
+                          </a:r>
+                          <a:endParaRPr lang="en-US" dirty="0"/>
+                        </a:p>
+                      </a:txBody>
+                      <a:tcPr anchor="ctr"/>
+                    </a:tc>
+                    <a:tc>
+                      <a:txBody>
+                        <a:bodyPr/>
+                        <a:lstStyle/>
+                        <a:p>
+                          <a:pPr algn="ctr"/>
+                          <a:r>
+                            <a:rPr lang="en-US" dirty="0" smtClean="0"/>
+                            <a:t>fix</a:t>
+                          </a:r>
+                          <a:endParaRPr lang="en-US" dirty="0"/>
+                        </a:p>
+                      </a:txBody>
+                      <a:tcPr anchor="ctr"/>
+                    </a:tc>
+                    <a:tc>
+                      <a:txBody>
+                        <a:bodyPr/>
+                        <a:lstStyle/>
+                        <a:p>
+                          <a:pPr algn="ctr"/>
+                          <a:r>
+                            <a:rPr lang="en-US" dirty="0" smtClean="0"/>
+                            <a:t>Prediction</a:t>
+                          </a:r>
+                          <a:endParaRPr lang="en-US" dirty="0"/>
+                        </a:p>
+                      </a:txBody>
+                      <a:tcPr anchor="ctr"/>
+                    </a:tc>
+                    <a:tc>
+                      <a:txBody>
+                        <a:bodyPr/>
+                        <a:lstStyle/>
+                        <a:p>
+                          <a:pPr algn="ctr"/>
+                          <a:r>
+                            <a:rPr lang="en-US" dirty="0" smtClean="0"/>
+                            <a:t>linear</a:t>
+                          </a:r>
+                          <a:endParaRPr lang="en-US" dirty="0"/>
+                        </a:p>
+                      </a:txBody>
+                      <a:tcPr anchor="ctr"/>
+                    </a:tc>
+                    <a:tc>
+                      <a:txBody>
+                        <a:bodyPr/>
+                        <a:lstStyle/>
+                        <a:p>
+                          <a:pPr algn="ctr"/>
+                          <a:r>
+                            <a:rPr lang="en-US" sz="1600" dirty="0" smtClean="0"/>
+                            <a:t>Projection</a:t>
+                          </a:r>
+                          <a:endParaRPr lang="en-US" sz="1600" dirty="0"/>
+                        </a:p>
+                      </a:txBody>
+                      <a:tcPr anchor="ctr"/>
+                    </a:tc>
+                    <a:tc>
+                      <a:txBody>
+                        <a:bodyPr/>
+                        <a:lstStyle/>
+                        <a:p>
+                          <a:pPr algn="ctr"/>
+                          <a:endParaRPr lang="en-US"/>
+                        </a:p>
+                      </a:txBody>
+                      <a:tcPr anchor="ctr"/>
+                    </a:tc>
+                    <a:tc>
+                      <a:txBody>
+                        <a:bodyPr/>
+                        <a:lstStyle/>
+                        <a:p>
+                          <a:pPr algn="ctr"/>
+                          <a:endParaRPr lang="en-US"/>
+                        </a:p>
+                      </a:txBody>
+                      <a:tcPr anchor="ctr"/>
+                    </a:tc>
+                    <a:extLst>
+                      <a:ext uri="{0D108BD9-81ED-4DB2-BD59-A6C34878D82A}">
+                        <a16:rowId xmlns:a16="http://schemas.microsoft.com/office/drawing/2014/main" val="3130604507"/>
+                      </a:ext>
+                    </a:extLst>
+                  </a:tr>
+                  <a:tr h="486022">
+                    <a:tc vMerge="1">
+                      <a:txBody>
+                        <a:bodyPr/>
+                        <a:lstStyle/>
+                        <a:p>
+                          <a:pPr marL="0" algn="l" defTabSz="914400" rtl="0" eaLnBrk="1" latinLnBrk="0" hangingPunct="1"/>
+                          <a:endParaRPr lang="en-US" sz="1200" kern="1200" dirty="0">
+                            <a:solidFill>
+                              <a:schemeClr val="dk1"/>
+                            </a:solidFill>
+                            <a:effectLst/>
+                            <a:latin typeface="+mn-lt"/>
+                            <a:ea typeface="+mn-ea"/>
+                            <a:cs typeface="+mn-cs"/>
+                          </a:endParaRPr>
+                        </a:p>
+                      </a:txBody>
+                      <a:tcPr/>
+                    </a:tc>
+                    <a:tc>
+                      <a:txBody>
+                        <a:bodyPr/>
+                        <a:lstStyle/>
+                        <a:p>
+                          <a:pPr algn="ctr"/>
+                          <a:r>
+                            <a:rPr lang="en-US" dirty="0" smtClean="0"/>
+                            <a:t>GTC</a:t>
+                          </a:r>
+                          <a:endParaRPr lang="en-US" dirty="0"/>
+                        </a:p>
+                      </a:txBody>
+                      <a:tcPr anchor="ctr"/>
+                    </a:tc>
+                    <a:tc>
+                      <a:txBody>
+                        <a:bodyPr/>
+                        <a:lstStyle/>
+                        <a:p>
+                          <a:pPr algn="ctr"/>
+                          <a:r>
+                            <a:rPr lang="en-US" dirty="0" smtClean="0"/>
+                            <a:t>fix</a:t>
+                          </a:r>
+                          <a:endParaRPr lang="en-US" dirty="0"/>
+                        </a:p>
+                      </a:txBody>
+                      <a:tcPr anchor="ctr"/>
+                    </a:tc>
+                    <a:tc>
+                      <a:txBody>
+                        <a:bodyPr/>
+                        <a:lstStyle/>
+                        <a:p>
+                          <a:pPr algn="ctr"/>
+                          <a:r>
+                            <a:rPr lang="en-US" dirty="0" smtClean="0"/>
+                            <a:t>Prediction</a:t>
+                          </a:r>
+                          <a:endParaRPr lang="en-US" dirty="0"/>
+                        </a:p>
+                      </a:txBody>
+                      <a:tcPr anchor="ctr"/>
+                    </a:tc>
+                    <a:tc>
+                      <a:txBody>
+                        <a:bodyPr/>
+                        <a:lstStyle/>
+                        <a:p>
+                          <a:pPr algn="ctr"/>
+                          <a:r>
+                            <a:rPr lang="en-US" dirty="0" smtClean="0"/>
+                            <a:t>linear</a:t>
+                          </a:r>
+                          <a:endParaRPr lang="en-US" dirty="0"/>
+                        </a:p>
+                      </a:txBody>
+                      <a:tcPr anchor="ctr"/>
+                    </a:tc>
+                    <a:tc>
+                      <a:txBody>
+                        <a:bodyPr/>
+                        <a:lstStyle/>
+                        <a:p>
+                          <a:pPr algn="ctr"/>
+                          <a:r>
+                            <a:rPr lang="en-US" sz="1600" dirty="0" smtClean="0"/>
+                            <a:t>Projection</a:t>
+                          </a:r>
+                          <a:endParaRPr lang="en-US" sz="1600" dirty="0"/>
+                        </a:p>
+                      </a:txBody>
+                      <a:tcPr anchor="ctr"/>
+                    </a:tc>
+                    <a:tc>
+                      <a:txBody>
+                        <a:bodyPr/>
+                        <a:lstStyle/>
+                        <a:p>
+                          <a:pPr algn="ctr"/>
+                          <a:endParaRPr lang="en-US"/>
+                        </a:p>
+                      </a:txBody>
+                      <a:tcPr anchor="ctr"/>
+                    </a:tc>
+                    <a:tc>
+                      <a:txBody>
+                        <a:bodyPr/>
+                        <a:lstStyle/>
+                        <a:p>
+                          <a:pPr algn="ctr"/>
+                          <a:endParaRPr lang="en-US"/>
+                        </a:p>
+                      </a:txBody>
+                      <a:tcPr anchor="ctr"/>
+                    </a:tc>
+                    <a:extLst>
+                      <a:ext uri="{0D108BD9-81ED-4DB2-BD59-A6C34878D82A}">
+                        <a16:rowId xmlns:a16="http://schemas.microsoft.com/office/drawing/2014/main" val="489801088"/>
+                      </a:ext>
+                    </a:extLst>
+                  </a:tr>
+                  <a:tr h="688075">
+                    <a:tc>
+                      <a:txBody>
+                        <a:bodyPr/>
+                        <a:lstStyle/>
+                        <a:p>
+                          <a:pPr marL="0" algn="ctr" defTabSz="914400" rtl="0" eaLnBrk="1" latinLnBrk="0" hangingPunct="1"/>
+                          <a:r>
+                            <a:rPr lang="en-US" sz="1200" dirty="0" smtClean="0">
+                              <a:effectLst/>
+                            </a:rPr>
+                            <a:t>Convergent temporal-difference learning with arbitrary smooth function approximation</a:t>
+                          </a:r>
+                          <a:endParaRPr lang="en-US" sz="1200" kern="1200" dirty="0">
+                            <a:solidFill>
+                              <a:schemeClr val="dk1"/>
+                            </a:solidFill>
+                            <a:effectLst/>
+                            <a:latin typeface="+mn-lt"/>
+                            <a:ea typeface="+mn-ea"/>
+                            <a:cs typeface="+mn-cs"/>
+                          </a:endParaRPr>
+                        </a:p>
+                      </a:txBody>
+                      <a:tcPr anchor="ctr"/>
+                    </a:tc>
+                    <a:tc>
+                      <a:txBody>
+                        <a:bodyPr/>
+                        <a:lstStyle/>
+                        <a:p>
+                          <a:pPr algn="ctr"/>
+                          <a:r>
+                            <a:rPr lang="en-US" altLang="zh-CN" dirty="0" smtClean="0"/>
+                            <a:t>Nonlinear GTD2</a:t>
+                          </a:r>
+                          <a:endParaRPr lang="en-US" dirty="0"/>
+                        </a:p>
+                      </a:txBody>
+                      <a:tcPr anchor="ctr"/>
+                    </a:tc>
+                    <a:tc>
+                      <a:txBody>
+                        <a:bodyPr/>
+                        <a:lstStyle/>
+                        <a:p>
+                          <a:pPr algn="ctr"/>
+                          <a:r>
+                            <a:rPr lang="en-US" dirty="0" smtClean="0"/>
+                            <a:t>fix</a:t>
+                          </a:r>
+                          <a:endParaRPr lang="en-US" dirty="0"/>
+                        </a:p>
+                      </a:txBody>
+                      <a:tcPr anchor="ctr"/>
+                    </a:tc>
+                    <a:tc>
+                      <a:txBody>
+                        <a:bodyPr/>
+                        <a:lstStyle/>
+                        <a:p>
+                          <a:pPr algn="ctr"/>
+                          <a:r>
+                            <a:rPr lang="en-US" dirty="0" smtClean="0"/>
+                            <a:t>prediction</a:t>
+                          </a:r>
+                          <a:endParaRPr lang="en-US" dirty="0"/>
+                        </a:p>
+                      </a:txBody>
+                      <a:tcPr anchor="ctr"/>
+                    </a:tc>
+                    <a:tc>
+                      <a:txBody>
+                        <a:bodyPr/>
+                        <a:lstStyle/>
+                        <a:p>
+                          <a:pPr algn="ctr"/>
+                          <a:r>
+                            <a:rPr lang="en-US" dirty="0" smtClean="0"/>
+                            <a:t>nonli</a:t>
+                          </a:r>
+                          <a:r>
+                            <a:rPr lang="en-US" altLang="zh-CN" dirty="0" smtClean="0"/>
+                            <a:t>n</a:t>
+                          </a:r>
+                          <a:r>
+                            <a:rPr lang="en-US" dirty="0" smtClean="0"/>
+                            <a:t>ear</a:t>
+                          </a:r>
+                          <a:endParaRPr lang="en-US" dirty="0"/>
+                        </a:p>
+                      </a:txBody>
+                      <a:tcPr anchor="ctr"/>
+                    </a:tc>
+                    <a:tc>
+                      <a:txBody>
+                        <a:bodyPr/>
+                        <a:lstStyle/>
+                        <a:p>
+                          <a:pPr algn="ctr"/>
+                          <a:r>
+                            <a:rPr lang="en-US" sz="1600" dirty="0" smtClean="0"/>
+                            <a:t>Projection</a:t>
+                          </a:r>
+                          <a:endParaRPr lang="en-US" sz="1600" dirty="0"/>
+                        </a:p>
+                      </a:txBody>
+                      <a:tcPr anchor="ctr"/>
+                    </a:tc>
+                    <a:tc>
+                      <a:txBody>
+                        <a:bodyPr/>
+                        <a:lstStyle/>
+                        <a:p>
+                          <a:pPr algn="ctr"/>
+                          <a:endParaRPr lang="en-US"/>
+                        </a:p>
+                      </a:txBody>
+                      <a:tcPr anchor="ctr"/>
+                    </a:tc>
+                    <a:tc>
+                      <a:txBody>
+                        <a:bodyPr/>
+                        <a:lstStyle/>
+                        <a:p>
+                          <a:pPr algn="ctr"/>
+                          <a:endParaRPr lang="en-US"/>
+                        </a:p>
+                      </a:txBody>
+                      <a:tcPr anchor="ctr"/>
+                    </a:tc>
+                    <a:extLst>
+                      <a:ext uri="{0D108BD9-81ED-4DB2-BD59-A6C34878D82A}">
+                        <a16:rowId xmlns:a16="http://schemas.microsoft.com/office/drawing/2014/main" val="4270023534"/>
+                      </a:ext>
+                    </a:extLst>
+                  </a:tr>
+                  <a:tr h="688075">
+                    <a:tc>
+                      <a:txBody>
+                        <a:bodyPr/>
+                        <a:lstStyle/>
+                        <a:p>
+                          <a:pPr marL="0" algn="ctr" defTabSz="914400" rtl="0" eaLnBrk="1" latinLnBrk="0" hangingPunct="1"/>
+                          <a:r>
+                            <a:rPr lang="en-US" sz="1200" dirty="0" smtClean="0">
+                              <a:effectLst/>
+                            </a:rPr>
+                            <a:t>Toward Off-Policy Learning Control with Function Approximation</a:t>
+                          </a:r>
+                          <a:endParaRPr lang="en-US" sz="1200" kern="1200" dirty="0">
+                            <a:solidFill>
+                              <a:schemeClr val="dk1"/>
+                            </a:solidFill>
+                            <a:effectLst/>
+                            <a:latin typeface="+mn-lt"/>
+                            <a:ea typeface="+mn-ea"/>
+                            <a:cs typeface="+mn-cs"/>
+                          </a:endParaRPr>
+                        </a:p>
+                      </a:txBody>
+                      <a:tcPr anchor="ctr"/>
+                    </a:tc>
+                    <a:tc>
+                      <a:txBody>
+                        <a:bodyPr/>
+                        <a:lstStyle/>
+                        <a:p>
+                          <a:pPr algn="ctr"/>
+                          <a:r>
+                            <a:rPr lang="en-US" altLang="zh-CN" dirty="0" smtClean="0"/>
+                            <a:t>Greedy-GQ</a:t>
+                          </a:r>
+                          <a:endParaRPr lang="en-US" dirty="0"/>
+                        </a:p>
+                      </a:txBody>
+                      <a:tcPr anchor="ctr"/>
+                    </a:tc>
+                    <a:tc>
+                      <a:txBody>
+                        <a:bodyPr/>
+                        <a:lstStyle/>
+                        <a:p>
+                          <a:pPr algn="ctr"/>
+                          <a:r>
+                            <a:rPr lang="en-US" dirty="0" smtClean="0"/>
+                            <a:t>fix </a:t>
+                          </a:r>
+                          <a:endParaRPr lang="en-US" dirty="0"/>
+                        </a:p>
+                      </a:txBody>
+                      <a:tcPr anchor="ctr"/>
+                    </a:tc>
+                    <a:tc>
+                      <a:txBody>
+                        <a:bodyPr/>
+                        <a:lstStyle/>
+                        <a:p>
+                          <a:pPr algn="ctr"/>
+                          <a:r>
+                            <a:rPr lang="en-US" dirty="0" smtClean="0"/>
+                            <a:t>control</a:t>
+                          </a:r>
+                          <a:endParaRPr lang="en-US" dirty="0"/>
+                        </a:p>
+                      </a:txBody>
+                      <a:tcPr anchor="ctr"/>
+                    </a:tc>
+                    <a:tc>
+                      <a:txBody>
+                        <a:bodyPr/>
+                        <a:lstStyle/>
+                        <a:p>
+                          <a:pPr algn="ctr"/>
+                          <a:r>
+                            <a:rPr lang="en-US" dirty="0" smtClean="0"/>
+                            <a:t>Linear</a:t>
+                          </a:r>
+                          <a:r>
+                            <a:rPr lang="en-US" sz="1400" dirty="0" smtClean="0"/>
+                            <a:t>(and nonlinear without</a:t>
+                          </a:r>
+                          <a:r>
+                            <a:rPr lang="en-US" sz="1400" baseline="0" dirty="0" smtClean="0"/>
+                            <a:t> proof</a:t>
+                          </a:r>
+                          <a:r>
+                            <a:rPr lang="en-US" sz="1400" dirty="0" smtClean="0"/>
+                            <a:t>)</a:t>
+                          </a:r>
+                          <a:endParaRPr lang="en-US" dirty="0"/>
+                        </a:p>
+                      </a:txBody>
+                      <a:tcPr anchor="ctr"/>
+                    </a:tc>
+                    <a:tc>
+                      <a:txBody>
+                        <a:bodyPr/>
+                        <a:lstStyle/>
+                        <a:p>
+                          <a:pPr algn="ctr"/>
+                          <a:r>
+                            <a:rPr lang="en-US" sz="1600" dirty="0" smtClean="0"/>
+                            <a:t>Projection</a:t>
+                          </a:r>
+                          <a:endParaRPr lang="en-US" sz="1600" dirty="0"/>
+                        </a:p>
+                      </a:txBody>
+                      <a:tcPr anchor="ctr"/>
+                    </a:tc>
+                    <a:tc>
+                      <a:txBody>
+                        <a:bodyPr/>
+                        <a:lstStyle/>
+                        <a:p>
+                          <a:pPr algn="ctr"/>
+                          <a:endParaRPr lang="en-US" dirty="0"/>
+                        </a:p>
+                      </a:txBody>
+                      <a:tcPr anchor="ctr"/>
+                    </a:tc>
+                    <a:tc>
+                      <a:txBody>
+                        <a:bodyPr/>
+                        <a:lstStyle/>
+                        <a:p>
+                          <a:pPr algn="ctr"/>
+                          <a:endParaRPr lang="en-US" dirty="0"/>
+                        </a:p>
+                      </a:txBody>
+                      <a:tcPr anchor="ctr"/>
+                    </a:tc>
+                    <a:extLst>
+                      <a:ext uri="{0D108BD9-81ED-4DB2-BD59-A6C34878D82A}">
+                        <a16:rowId xmlns:a16="http://schemas.microsoft.com/office/drawing/2014/main" val="275166855"/>
+                      </a:ext>
+                    </a:extLst>
+                  </a:tr>
+                </a:tbl>
+              </a:graphicData>
+            </a:graphic>
+          </p:graphicFrame>
+        </mc:Choice>
+        <mc:Fallback>
+          <p:graphicFrame>
+            <p:nvGraphicFramePr>
+              <p:cNvPr id="4" name="Content Placeholder 3"/>
+              <p:cNvGraphicFramePr>
+                <a:graphicFrameLocks noGrp="1"/>
+              </p:cNvGraphicFramePr>
+              <p:nvPr>
+                <p:ph idx="1"/>
+                <p:extLst>
+                  <p:ext uri="{D42A27DB-BD31-4B8C-83A1-F6EECF244321}">
+                    <p14:modId xmlns:p14="http://schemas.microsoft.com/office/powerpoint/2010/main" val="2205323098"/>
+                  </p:ext>
+                </p:extLst>
+              </p:nvPr>
+            </p:nvGraphicFramePr>
+            <p:xfrm>
+              <a:off x="170686" y="467074"/>
+              <a:ext cx="11570209" cy="6165372"/>
+            </p:xfrm>
+            <a:graphic>
+              <a:graphicData uri="http://schemas.openxmlformats.org/drawingml/2006/table">
+                <a:tbl>
+                  <a:tblPr firstRow="1" bandRow="1">
+                    <a:tableStyleId>{5C22544A-7EE6-4342-B048-85BDC9FD1C3A}</a:tableStyleId>
+                  </a:tblPr>
+                  <a:tblGrid>
+                    <a:gridCol w="2286847">
+                      <a:extLst>
+                        <a:ext uri="{9D8B030D-6E8A-4147-A177-3AD203B41FA5}">
+                          <a16:colId xmlns:a16="http://schemas.microsoft.com/office/drawing/2014/main" val="2727381700"/>
+                        </a:ext>
+                      </a:extLst>
+                    </a:gridCol>
+                    <a:gridCol w="1981872">
+                      <a:extLst>
+                        <a:ext uri="{9D8B030D-6E8A-4147-A177-3AD203B41FA5}">
+                          <a16:colId xmlns:a16="http://schemas.microsoft.com/office/drawing/2014/main" val="422638171"/>
+                        </a:ext>
+                      </a:extLst>
+                    </a:gridCol>
+                    <a:gridCol w="1672453">
+                      <a:extLst>
+                        <a:ext uri="{9D8B030D-6E8A-4147-A177-3AD203B41FA5}">
+                          <a16:colId xmlns:a16="http://schemas.microsoft.com/office/drawing/2014/main" val="1528730067"/>
+                        </a:ext>
+                      </a:extLst>
+                    </a:gridCol>
+                    <a:gridCol w="1176153">
+                      <a:extLst>
+                        <a:ext uri="{9D8B030D-6E8A-4147-A177-3AD203B41FA5}">
+                          <a16:colId xmlns:a16="http://schemas.microsoft.com/office/drawing/2014/main" val="4009352690"/>
+                        </a:ext>
+                      </a:extLst>
+                    </a:gridCol>
+                    <a:gridCol w="1844642">
+                      <a:extLst>
+                        <a:ext uri="{9D8B030D-6E8A-4147-A177-3AD203B41FA5}">
+                          <a16:colId xmlns:a16="http://schemas.microsoft.com/office/drawing/2014/main" val="2045577686"/>
+                        </a:ext>
+                      </a:extLst>
+                    </a:gridCol>
+                    <a:gridCol w="1149604">
+                      <a:extLst>
+                        <a:ext uri="{9D8B030D-6E8A-4147-A177-3AD203B41FA5}">
+                          <a16:colId xmlns:a16="http://schemas.microsoft.com/office/drawing/2014/main" val="2764622957"/>
+                        </a:ext>
+                      </a:extLst>
+                    </a:gridCol>
+                    <a:gridCol w="852932">
+                      <a:extLst>
+                        <a:ext uri="{9D8B030D-6E8A-4147-A177-3AD203B41FA5}">
+                          <a16:colId xmlns:a16="http://schemas.microsoft.com/office/drawing/2014/main" val="3257842676"/>
+                        </a:ext>
+                      </a:extLst>
+                    </a:gridCol>
+                    <a:gridCol w="605706">
+                      <a:extLst>
+                        <a:ext uri="{9D8B030D-6E8A-4147-A177-3AD203B41FA5}">
+                          <a16:colId xmlns:a16="http://schemas.microsoft.com/office/drawing/2014/main" val="4283649130"/>
+                        </a:ext>
+                      </a:extLst>
+                    </a:gridCol>
+                  </a:tblGrid>
+                  <a:tr h="398647">
+                    <a:tc>
+                      <a:txBody>
+                        <a:bodyPr/>
+                        <a:lstStyle/>
+                        <a:p>
+                          <a:pPr marL="0" algn="ctr" defTabSz="914400" rtl="0" eaLnBrk="1" latinLnBrk="0" hangingPunct="1"/>
+                          <a:endParaRPr lang="en-US" sz="1200" kern="1200" dirty="0">
+                            <a:solidFill>
+                              <a:schemeClr val="dk1"/>
+                            </a:solidFill>
+                            <a:effectLst/>
+                            <a:latin typeface="+mn-lt"/>
+                            <a:ea typeface="+mn-ea"/>
+                            <a:cs typeface="+mn-cs"/>
+                          </a:endParaRPr>
+                        </a:p>
+                      </a:txBody>
+                      <a:tcPr anchor="ctr"/>
+                    </a:tc>
+                    <a:tc>
+                      <a:txBody>
+                        <a:bodyPr/>
+                        <a:lstStyle/>
+                        <a:p>
+                          <a:pPr algn="ctr"/>
+                          <a:endParaRPr lang="en-US" dirty="0"/>
+                        </a:p>
+                      </a:txBody>
+                      <a:tcPr anchor="ctr"/>
+                    </a:tc>
+                    <a:tc>
+                      <a:txBody>
+                        <a:bodyPr/>
+                        <a:lstStyle/>
+                        <a:p>
+                          <a:pPr algn="ctr"/>
+                          <a:r>
+                            <a:rPr lang="en-US" dirty="0" smtClean="0"/>
+                            <a:t>1</a:t>
+                          </a:r>
+                          <a:endParaRPr lang="en-US" dirty="0"/>
+                        </a:p>
+                      </a:txBody>
+                      <a:tcPr anchor="ctr"/>
+                    </a:tc>
+                    <a:tc>
+                      <a:txBody>
+                        <a:bodyPr/>
+                        <a:lstStyle/>
+                        <a:p>
+                          <a:pPr algn="ctr"/>
+                          <a:r>
+                            <a:rPr lang="en-US" dirty="0" smtClean="0"/>
+                            <a:t>2</a:t>
+                          </a:r>
+                          <a:endParaRPr lang="en-US" dirty="0"/>
+                        </a:p>
+                      </a:txBody>
+                      <a:tcPr anchor="ctr"/>
+                    </a:tc>
+                    <a:tc>
+                      <a:txBody>
+                        <a:bodyPr/>
+                        <a:lstStyle/>
+                        <a:p>
+                          <a:pPr algn="ctr"/>
+                          <a:r>
+                            <a:rPr lang="en-US" dirty="0" smtClean="0"/>
+                            <a:t>3</a:t>
+                          </a:r>
+                          <a:endParaRPr lang="en-US" dirty="0"/>
+                        </a:p>
+                      </a:txBody>
+                      <a:tcPr anchor="ctr"/>
+                    </a:tc>
+                    <a:tc>
+                      <a:txBody>
+                        <a:bodyPr/>
+                        <a:lstStyle/>
+                        <a:p>
+                          <a:pPr algn="ctr"/>
+                          <a:r>
+                            <a:rPr lang="en-US" altLang="zh-CN" sz="1600" dirty="0" smtClean="0"/>
+                            <a:t>4</a:t>
+                          </a:r>
+                          <a:endParaRPr lang="en-US" sz="1600" dirty="0"/>
+                        </a:p>
+                      </a:txBody>
+                      <a:tcPr anchor="ctr"/>
+                    </a:tc>
+                    <a:tc>
+                      <a:txBody>
+                        <a:bodyPr/>
+                        <a:lstStyle/>
+                        <a:p>
+                          <a:pPr algn="ctr"/>
+                          <a:endParaRPr lang="en-US"/>
+                        </a:p>
+                      </a:txBody>
+                      <a:tcPr anchor="ctr"/>
+                    </a:tc>
+                    <a:tc>
+                      <a:txBody>
+                        <a:bodyPr/>
+                        <a:lstStyle/>
+                        <a:p>
+                          <a:pPr algn="ctr"/>
+                          <a:endParaRPr lang="en-US"/>
+                        </a:p>
+                      </a:txBody>
+                      <a:tcPr anchor="ctr"/>
+                    </a:tc>
+                    <a:extLst>
+                      <a:ext uri="{0D108BD9-81ED-4DB2-BD59-A6C34878D82A}">
+                        <a16:rowId xmlns:a16="http://schemas.microsoft.com/office/drawing/2014/main" val="2882472153"/>
+                      </a:ext>
+                    </a:extLst>
+                  </a:tr>
+                  <a:tr h="688075">
+                    <a:tc>
+                      <a:txBody>
+                        <a:bodyPr/>
+                        <a:lstStyle/>
+                        <a:p>
+                          <a:pPr marL="0" algn="ctr" defTabSz="914400" rtl="0" eaLnBrk="1" latinLnBrk="0" hangingPunct="1"/>
+                          <a:r>
+                            <a:rPr lang="en-US" sz="1200" dirty="0" smtClean="0">
+                              <a:effectLst/>
+                            </a:rPr>
+                            <a:t>Convergence results for single-step on-policy reinforcement-learning algorithms</a:t>
+                          </a:r>
+                          <a:endParaRPr lang="en-US" sz="1200" kern="1200" dirty="0">
+                            <a:solidFill>
+                              <a:schemeClr val="dk1"/>
+                            </a:solidFill>
+                            <a:effectLst/>
+                            <a:latin typeface="+mn-lt"/>
+                            <a:ea typeface="+mn-ea"/>
+                            <a:cs typeface="+mn-cs"/>
+                          </a:endParaRPr>
+                        </a:p>
+                      </a:txBody>
+                      <a:tcPr anchor="ctr"/>
+                    </a:tc>
+                    <a:tc>
+                      <a:txBody>
+                        <a:bodyPr/>
+                        <a:lstStyle/>
+                        <a:p>
+                          <a:pPr algn="ctr"/>
+                          <a:r>
+                            <a:rPr lang="en-US" dirty="0" smtClean="0"/>
+                            <a:t>SARSA(0)</a:t>
+                          </a:r>
+                          <a:endParaRPr lang="en-US" dirty="0"/>
+                        </a:p>
+                      </a:txBody>
+                      <a:tcPr anchor="ctr"/>
+                    </a:tc>
+                    <a:tc>
+                      <a:txBody>
+                        <a:bodyPr/>
+                        <a:lstStyle/>
+                        <a:p>
+                          <a:pPr algn="ctr"/>
+                          <a:r>
+                            <a:rPr lang="en-US" dirty="0" smtClean="0"/>
+                            <a:t>GLIE</a:t>
+                          </a:r>
+                        </a:p>
+                        <a:p>
+                          <a:pPr algn="ctr"/>
+                          <a:r>
+                            <a:rPr lang="en-US" dirty="0" smtClean="0"/>
+                            <a:t>RRR</a:t>
+                          </a:r>
+                          <a:endParaRPr lang="en-US" dirty="0"/>
+                        </a:p>
+                      </a:txBody>
+                      <a:tcPr anchor="ctr"/>
+                    </a:tc>
+                    <a:tc>
+                      <a:txBody>
+                        <a:bodyPr/>
+                        <a:lstStyle/>
+                        <a:p>
+                          <a:pPr algn="ctr"/>
+                          <a:r>
+                            <a:rPr lang="en-US" altLang="zh-CN" dirty="0" smtClean="0"/>
+                            <a:t>control</a:t>
+                          </a:r>
+                          <a:endParaRPr lang="en-US" dirty="0"/>
+                        </a:p>
+                      </a:txBody>
+                      <a:tcPr anchor="ctr"/>
+                    </a:tc>
+                    <a:tc>
+                      <a:txBody>
+                        <a:bodyPr/>
+                        <a:lstStyle/>
+                        <a:p>
+                          <a:pPr algn="ctr"/>
+                          <a:r>
+                            <a:rPr lang="en-US" dirty="0" smtClean="0"/>
+                            <a:t>Look</a:t>
+                          </a:r>
+                          <a:r>
+                            <a:rPr lang="en-US" baseline="0" dirty="0" smtClean="0"/>
+                            <a:t> up table</a:t>
+                          </a:r>
+                          <a:endParaRPr lang="en-US" dirty="0"/>
+                        </a:p>
+                      </a:txBody>
+                      <a:tcPr anchor="ctr"/>
+                    </a:tc>
+                    <a:tc>
+                      <a:txBody>
+                        <a:bodyPr/>
+                        <a:lstStyle/>
+                        <a:p>
+                          <a:pPr algn="ctr"/>
+                          <a:endParaRPr lang="en-US" sz="1600" dirty="0"/>
+                        </a:p>
+                      </a:txBody>
+                      <a:tcPr anchor="ctr"/>
+                    </a:tc>
+                    <a:tc>
+                      <a:txBody>
+                        <a:bodyPr/>
+                        <a:lstStyle/>
+                        <a:p>
+                          <a:pPr algn="ctr"/>
+                          <a:endParaRPr lang="en-US"/>
+                        </a:p>
+                      </a:txBody>
+                      <a:tcPr anchor="ctr"/>
+                    </a:tc>
+                    <a:tc>
+                      <a:txBody>
+                        <a:bodyPr/>
+                        <a:lstStyle/>
+                        <a:p>
+                          <a:pPr algn="ctr"/>
+                          <a:endParaRPr lang="en-US"/>
+                        </a:p>
+                      </a:txBody>
+                      <a:tcPr anchor="ctr"/>
+                    </a:tc>
+                    <a:extLst>
+                      <a:ext uri="{0D108BD9-81ED-4DB2-BD59-A6C34878D82A}">
+                        <a16:rowId xmlns:a16="http://schemas.microsoft.com/office/drawing/2014/main" val="2198174693"/>
+                      </a:ext>
+                    </a:extLst>
+                  </a:tr>
+                  <a:tr h="884668">
+                    <a:tc>
+                      <a:txBody>
+                        <a:bodyPr/>
+                        <a:lstStyle/>
+                        <a:p>
+                          <a:pPr marL="0" algn="ctr" defTabSz="914400" rtl="0" eaLnBrk="1" latinLnBrk="0" hangingPunct="1"/>
+                          <a:r>
+                            <a:rPr lang="en-US" sz="1200" dirty="0" smtClean="0">
+                              <a:effectLst/>
+                            </a:rPr>
+                            <a:t>The O.D.E. Method for Convergence of Stochastic Approximation and Reinforcement Learning</a:t>
+                          </a:r>
+                          <a:endParaRPr lang="en-US" sz="1200" kern="1200" dirty="0">
+                            <a:solidFill>
+                              <a:schemeClr val="dk1"/>
+                            </a:solidFill>
+                            <a:effectLst/>
+                            <a:latin typeface="+mn-lt"/>
+                            <a:ea typeface="+mn-ea"/>
+                            <a:cs typeface="+mn-cs"/>
+                          </a:endParaRPr>
+                        </a:p>
+                      </a:txBody>
+                      <a:tcPr anchor="ctr"/>
+                    </a:tc>
+                    <a:tc>
+                      <a:txBody>
+                        <a:bodyPr/>
+                        <a:lstStyle/>
+                        <a:p>
+                          <a:pPr algn="ctr"/>
+                          <a:r>
+                            <a:rPr lang="en-US" dirty="0" smtClean="0"/>
+                            <a:t>Q </a:t>
+                          </a:r>
+                          <a:r>
+                            <a:rPr lang="en-US" altLang="zh-CN" dirty="0" smtClean="0"/>
+                            <a:t>learning</a:t>
+                          </a:r>
+                          <a:endParaRPr lang="en-US" dirty="0"/>
+                        </a:p>
+                      </a:txBody>
+                      <a:tcPr anchor="ctr"/>
+                    </a:tc>
+                    <a:tc>
+                      <a:txBody>
+                        <a:bodyPr/>
+                        <a:lstStyle/>
+                        <a:p>
+                          <a:pPr algn="ctr"/>
+                          <a:r>
+                            <a:rPr lang="en-US" dirty="0" smtClean="0"/>
+                            <a:t>greedy</a:t>
+                          </a:r>
+                          <a:endParaRPr lang="en-US" dirty="0"/>
+                        </a:p>
+                      </a:txBody>
+                      <a:tcPr anchor="ctr"/>
+                    </a:tc>
+                    <a:tc>
+                      <a:txBody>
+                        <a:bodyPr/>
+                        <a:lstStyle/>
+                        <a:p>
+                          <a:pPr algn="ctr"/>
+                          <a:r>
+                            <a:rPr lang="en-US" dirty="0" smtClean="0"/>
+                            <a:t>control</a:t>
+                          </a:r>
+                          <a:endParaRPr lang="en-US" dirty="0"/>
+                        </a:p>
+                      </a:txBody>
+                      <a:tcPr anchor="ctr"/>
+                    </a:tc>
+                    <a:tc>
+                      <a:txBody>
+                        <a:bodyPr/>
+                        <a:lstStyle/>
+                        <a:p>
+                          <a:pPr algn="ctr"/>
+                          <a:r>
+                            <a:rPr lang="en-US" altLang="zh-CN" dirty="0" smtClean="0"/>
+                            <a:t>Look up table</a:t>
+                          </a:r>
+                          <a:endParaRPr lang="en-US" dirty="0"/>
+                        </a:p>
+                      </a:txBody>
+                      <a:tcPr anchor="ctr"/>
+                    </a:tc>
+                    <a:tc>
+                      <a:txBody>
+                        <a:bodyPr/>
+                        <a:lstStyle/>
+                        <a:p>
+                          <a:pPr algn="ctr"/>
+                          <a:endParaRPr lang="en-US" sz="1600" dirty="0"/>
+                        </a:p>
+                      </a:txBody>
+                      <a:tcPr anchor="ctr"/>
+                    </a:tc>
+                    <a:tc>
+                      <a:txBody>
+                        <a:bodyPr/>
+                        <a:lstStyle/>
+                        <a:p>
+                          <a:pPr algn="ctr"/>
+                          <a:endParaRPr lang="en-US" dirty="0"/>
+                        </a:p>
+                      </a:txBody>
+                      <a:tcPr anchor="ctr"/>
+                    </a:tc>
+                    <a:tc>
+                      <a:txBody>
+                        <a:bodyPr/>
+                        <a:lstStyle/>
+                        <a:p>
+                          <a:pPr algn="ctr"/>
+                          <a:endParaRPr lang="en-US" dirty="0"/>
+                        </a:p>
+                      </a:txBody>
+                      <a:tcPr anchor="ctr"/>
+                    </a:tc>
+                    <a:extLst>
+                      <a:ext uri="{0D108BD9-81ED-4DB2-BD59-A6C34878D82A}">
+                        <a16:rowId xmlns:a16="http://schemas.microsoft.com/office/drawing/2014/main" val="993385600"/>
+                      </a:ext>
+                    </a:extLst>
+                  </a:tr>
+                  <a:tr h="622544">
+                    <a:tc>
+                      <a:txBody>
+                        <a:bodyPr/>
+                        <a:lstStyle/>
+                        <a:p>
+                          <a:pPr marL="0" algn="ctr" defTabSz="914400" rtl="0" eaLnBrk="1" latinLnBrk="0" hangingPunct="1"/>
+                          <a:r>
+                            <a:rPr lang="en-US" sz="1200" dirty="0" smtClean="0">
+                              <a:effectLst/>
+                            </a:rPr>
+                            <a:t>A Convergent Form of Approximate Policy Iteration</a:t>
+                          </a:r>
+                          <a:endParaRPr lang="en-US" sz="1200" kern="1200" dirty="0">
+                            <a:solidFill>
+                              <a:schemeClr val="dk1"/>
+                            </a:solidFill>
+                            <a:effectLst/>
+                            <a:latin typeface="+mn-lt"/>
+                            <a:ea typeface="+mn-ea"/>
+                            <a:cs typeface="+mn-cs"/>
+                          </a:endParaRPr>
+                        </a:p>
+                      </a:txBody>
+                      <a:tcPr anchor="ctr"/>
+                    </a:tc>
+                    <a:tc>
+                      <a:txBody>
+                        <a:bodyPr/>
+                        <a:lstStyle/>
+                        <a:p>
+                          <a:pPr algn="ctr"/>
+                          <a:r>
+                            <a:rPr lang="en-US" dirty="0" smtClean="0"/>
+                            <a:t>Policy iteration</a:t>
+                          </a:r>
+                          <a:endParaRPr lang="en-US" dirty="0"/>
+                        </a:p>
+                      </a:txBody>
+                      <a:tcPr anchor="ctr"/>
+                    </a:tc>
+                    <a:tc>
+                      <a:txBody>
+                        <a:bodyPr/>
+                        <a:lstStyle/>
+                        <a:p>
+                          <a:pPr algn="ctr"/>
+                          <a:r>
+                            <a:rPr lang="en-US" dirty="0" smtClean="0"/>
+                            <a:t>fix</a:t>
+                          </a:r>
+                          <a:r>
+                            <a:rPr lang="en-US" baseline="0" dirty="0" smtClean="0"/>
+                            <a:t> and improve</a:t>
+                          </a:r>
+                          <a:endParaRPr lang="en-US" dirty="0"/>
+                        </a:p>
+                      </a:txBody>
+                      <a:tcPr anchor="ctr"/>
+                    </a:tc>
+                    <a:tc>
+                      <a:txBody>
+                        <a:bodyPr/>
+                        <a:lstStyle/>
+                        <a:p>
+                          <a:pPr algn="ctr"/>
+                          <a:r>
+                            <a:rPr lang="en-US" dirty="0" smtClean="0"/>
+                            <a:t>control</a:t>
+                          </a:r>
+                          <a:endParaRPr lang="en-US" dirty="0"/>
+                        </a:p>
+                      </a:txBody>
+                      <a:tcPr anchor="ctr"/>
+                    </a:tc>
+                    <a:tc>
+                      <a:txBody>
+                        <a:bodyPr/>
+                        <a:lstStyle/>
+                        <a:p>
+                          <a:pPr algn="ctr"/>
+                          <a:r>
+                            <a:rPr lang="en-US" dirty="0" smtClean="0"/>
+                            <a:t>linear</a:t>
+                          </a:r>
+                          <a:endParaRPr lang="en-US" dirty="0"/>
+                        </a:p>
+                      </a:txBody>
+                      <a:tcPr anchor="ctr"/>
+                    </a:tc>
+                    <a:tc>
+                      <a:txBody>
+                        <a:bodyPr/>
+                        <a:lstStyle/>
+                        <a:p>
+                          <a:pPr algn="ctr"/>
+                          <a:r>
+                            <a:rPr lang="en-US" sz="1600" dirty="0" smtClean="0"/>
+                            <a:t>Bootstrapping</a:t>
+                          </a:r>
+                          <a:endParaRPr lang="en-US" sz="1600" dirty="0"/>
+                        </a:p>
+                      </a:txBody>
+                      <a:tcPr anchor="ctr"/>
+                    </a:tc>
+                    <a:tc>
+                      <a:txBody>
+                        <a:bodyPr/>
+                        <a:lstStyle/>
+                        <a:p>
+                          <a:pPr algn="ctr"/>
+                          <a:endParaRPr lang="en-US" dirty="0"/>
+                        </a:p>
+                      </a:txBody>
+                      <a:tcPr anchor="ctr"/>
+                    </a:tc>
+                    <a:tc>
+                      <a:txBody>
+                        <a:bodyPr/>
+                        <a:lstStyle/>
+                        <a:p>
+                          <a:pPr algn="ctr"/>
+                          <a:endParaRPr lang="en-US" dirty="0"/>
+                        </a:p>
+                      </a:txBody>
+                      <a:tcPr anchor="ctr"/>
+                    </a:tc>
+                    <a:extLst>
+                      <a:ext uri="{0D108BD9-81ED-4DB2-BD59-A6C34878D82A}">
+                        <a16:rowId xmlns:a16="http://schemas.microsoft.com/office/drawing/2014/main" val="3548811150"/>
+                      </a:ext>
+                    </a:extLst>
+                  </a:tr>
+                  <a:tr h="622544">
+                    <a:tc>
+                      <a:txBody>
+                        <a:bodyPr/>
+                        <a:lstStyle/>
+                        <a:p>
+                          <a:pPr marL="0" algn="ctr" defTabSz="914400" rtl="0" eaLnBrk="1" latinLnBrk="0" hangingPunct="1"/>
+                          <a:r>
+                            <a:rPr lang="en-US" sz="1200" kern="1200" dirty="0" smtClean="0">
+                              <a:solidFill>
+                                <a:schemeClr val="dk1"/>
+                              </a:solidFill>
+                              <a:effectLst/>
+                              <a:latin typeface="+mn-lt"/>
+                              <a:ea typeface="+mn-ea"/>
+                              <a:cs typeface="+mn-cs"/>
+                            </a:rPr>
+                            <a:t>Convergence of Q-learning with linear function approximation</a:t>
+                          </a:r>
+                          <a:endParaRPr lang="en-US" sz="1200" kern="1200" dirty="0">
+                            <a:solidFill>
+                              <a:schemeClr val="dk1"/>
+                            </a:solidFill>
+                            <a:effectLst/>
+                            <a:latin typeface="+mn-lt"/>
+                            <a:ea typeface="+mn-ea"/>
+                            <a:cs typeface="+mn-cs"/>
+                          </a:endParaRPr>
+                        </a:p>
+                      </a:txBody>
+                      <a:tcPr anchor="ctr"/>
+                    </a:tc>
+                    <a:tc>
+                      <a:txBody>
+                        <a:bodyPr/>
+                        <a:lstStyle/>
+                        <a:p>
+                          <a:pPr algn="ctr"/>
+                          <a:r>
+                            <a:rPr lang="en-US" dirty="0" smtClean="0"/>
+                            <a:t>Q </a:t>
+                          </a:r>
+                          <a:r>
+                            <a:rPr lang="en-US" altLang="zh-CN" dirty="0" smtClean="0"/>
+                            <a:t>learning</a:t>
+                          </a:r>
+                          <a:endParaRPr lang="en-US" dirty="0"/>
+                        </a:p>
+                      </a:txBody>
+                      <a:tcPr anchor="ctr"/>
+                    </a:tc>
+                    <a:tc>
+                      <a:txBody>
+                        <a:bodyPr/>
+                        <a:lstStyle/>
+                        <a:p>
+                          <a:pPr algn="ctr"/>
+                          <a:r>
+                            <a:rPr lang="en-US" dirty="0" smtClean="0"/>
+                            <a:t>fix</a:t>
+                          </a:r>
+                          <a:endParaRPr lang="en-US" dirty="0"/>
+                        </a:p>
+                      </a:txBody>
+                      <a:tcPr anchor="ctr"/>
+                    </a:tc>
+                    <a:tc>
+                      <a:txBody>
+                        <a:bodyPr/>
+                        <a:lstStyle/>
+                        <a:p>
+                          <a:pPr algn="ctr"/>
+                          <a:r>
+                            <a:rPr lang="en-US" dirty="0" smtClean="0"/>
+                            <a:t>control</a:t>
+                          </a:r>
+                          <a:endParaRPr lang="en-US" dirty="0"/>
+                        </a:p>
+                      </a:txBody>
+                      <a:tcPr anchor="ctr"/>
+                    </a:tc>
+                    <a:tc>
+                      <a:txBody>
+                        <a:bodyPr/>
+                        <a:lstStyle/>
+                        <a:p>
+                          <a:pPr algn="ctr"/>
+                          <a:r>
+                            <a:rPr lang="en-US" dirty="0" smtClean="0"/>
+                            <a:t>linear</a:t>
+                          </a:r>
+                          <a:endParaRPr lang="en-US" dirty="0"/>
+                        </a:p>
+                      </a:txBody>
+                      <a:tcPr anchor="ctr"/>
+                    </a:tc>
+                    <a:tc>
+                      <a:txBody>
+                        <a:bodyPr/>
+                        <a:lstStyle/>
+                        <a:p>
+                          <a:pPr algn="ctr"/>
+                          <a:r>
+                            <a:rPr lang="en-US" sz="1600" dirty="0" smtClean="0"/>
+                            <a:t>Bootstrapping</a:t>
+                          </a:r>
+                          <a:endParaRPr lang="en-US" sz="1600" dirty="0"/>
+                        </a:p>
+                      </a:txBody>
+                      <a:tcPr anchor="ctr"/>
+                    </a:tc>
+                    <a:tc>
+                      <a:txBody>
+                        <a:bodyPr/>
+                        <a:lstStyle/>
+                        <a:p>
+                          <a:pPr algn="ctr"/>
+                          <a:endParaRPr lang="en-US" dirty="0"/>
+                        </a:p>
+                      </a:txBody>
+                      <a:tcPr anchor="ctr"/>
+                    </a:tc>
+                    <a:tc>
+                      <a:txBody>
+                        <a:bodyPr/>
+                        <a:lstStyle/>
+                        <a:p>
+                          <a:pPr algn="ctr"/>
+                          <a:endParaRPr lang="en-US" dirty="0"/>
+                        </a:p>
+                      </a:txBody>
+                      <a:tcPr anchor="ctr"/>
+                    </a:tc>
+                    <a:extLst>
+                      <a:ext uri="{0D108BD9-81ED-4DB2-BD59-A6C34878D82A}">
+                        <a16:rowId xmlns:a16="http://schemas.microsoft.com/office/drawing/2014/main" val="3042068110"/>
+                      </a:ext>
+                    </a:extLst>
+                  </a:tr>
+                  <a:tr h="688075">
+                    <a:tc>
+                      <a:txBody>
+                        <a:bodyPr/>
+                        <a:lstStyle/>
+                        <a:p>
+                          <a:pPr marL="0" algn="ctr" defTabSz="914400" rtl="0" eaLnBrk="1" latinLnBrk="0" hangingPunct="1"/>
+                          <a:r>
+                            <a:rPr lang="en-US" sz="1200" dirty="0" smtClean="0">
+                              <a:effectLst/>
+                            </a:rPr>
+                            <a:t>An analysis of reinforcement learning with function approximation</a:t>
+                          </a:r>
+                          <a:endParaRPr lang="en-US" sz="1200" kern="1200" dirty="0">
+                            <a:solidFill>
+                              <a:schemeClr val="dk1"/>
+                            </a:solidFill>
+                            <a:effectLst/>
+                            <a:latin typeface="+mn-lt"/>
+                            <a:ea typeface="+mn-ea"/>
+                            <a:cs typeface="+mn-cs"/>
+                          </a:endParaRPr>
+                        </a:p>
+                      </a:txBody>
+                      <a:tcPr anchor="ctr"/>
+                    </a:tc>
+                    <a:tc>
+                      <a:txBody>
+                        <a:bodyPr/>
+                        <a:lstStyle/>
+                        <a:p>
+                          <a:pPr algn="ctr"/>
+                          <a:r>
+                            <a:rPr lang="en-US" dirty="0" smtClean="0"/>
+                            <a:t>SRASA</a:t>
+                          </a:r>
+                          <a:endParaRPr lang="en-US" dirty="0"/>
+                        </a:p>
+                      </a:txBody>
+                      <a:tcPr anchor="ctr"/>
+                    </a:tc>
+                    <a:tc>
+                      <a:txBody>
+                        <a:bodyPr/>
+                        <a:lstStyle/>
+                        <a:p>
+                          <a:endParaRPr lang="en-US"/>
+                        </a:p>
+                      </a:txBody>
+                      <a:tcPr anchor="ctr">
+                        <a:blipFill>
+                          <a:blip r:embed="rId2"/>
+                          <a:stretch>
+                            <a:fillRect l="-256204" t="-469027" r="-339051" b="-331858"/>
+                          </a:stretch>
+                        </a:blipFill>
+                      </a:tcPr>
+                    </a:tc>
+                    <a:tc>
+                      <a:txBody>
+                        <a:bodyPr/>
+                        <a:lstStyle/>
+                        <a:p>
+                          <a:pPr algn="ctr"/>
+                          <a:r>
+                            <a:rPr lang="en-US" dirty="0" smtClean="0"/>
+                            <a:t>control</a:t>
+                          </a:r>
+                          <a:endParaRPr lang="en-US" dirty="0"/>
+                        </a:p>
+                      </a:txBody>
+                      <a:tcPr anchor="ctr"/>
+                    </a:tc>
+                    <a:tc>
+                      <a:txBody>
+                        <a:bodyPr/>
+                        <a:lstStyle/>
+                        <a:p>
+                          <a:pPr algn="ctr"/>
+                          <a:r>
+                            <a:rPr lang="en-US" dirty="0" smtClean="0"/>
+                            <a:t>linear</a:t>
+                          </a:r>
+                          <a:endParaRPr lang="en-US" dirty="0"/>
+                        </a:p>
+                      </a:txBody>
+                      <a:tcPr anchor="ctr"/>
+                    </a:tc>
+                    <a:tc>
+                      <a:txBody>
+                        <a:bodyPr/>
+                        <a:lstStyle/>
+                        <a:p>
+                          <a:pPr algn="ctr"/>
+                          <a:r>
+                            <a:rPr lang="en-US" sz="1600" dirty="0" smtClean="0"/>
+                            <a:t>Bootstrapping</a:t>
+                          </a:r>
+                          <a:endParaRPr lang="en-US" sz="1600" dirty="0"/>
+                        </a:p>
+                      </a:txBody>
+                      <a:tcPr anchor="ctr"/>
+                    </a:tc>
+                    <a:tc>
+                      <a:txBody>
+                        <a:bodyPr/>
+                        <a:lstStyle/>
+                        <a:p>
+                          <a:pPr algn="ctr"/>
+                          <a:endParaRPr lang="en-US" dirty="0"/>
+                        </a:p>
+                      </a:txBody>
+                      <a:tcPr anchor="ctr"/>
+                    </a:tc>
+                    <a:tc>
+                      <a:txBody>
+                        <a:bodyPr/>
+                        <a:lstStyle/>
+                        <a:p>
+                          <a:pPr algn="ctr"/>
+                          <a:endParaRPr lang="en-US" dirty="0"/>
+                        </a:p>
+                      </a:txBody>
+                      <a:tcPr anchor="ctr"/>
+                    </a:tc>
+                    <a:extLst>
+                      <a:ext uri="{0D108BD9-81ED-4DB2-BD59-A6C34878D82A}">
+                        <a16:rowId xmlns:a16="http://schemas.microsoft.com/office/drawing/2014/main" val="3679419667"/>
+                      </a:ext>
+                    </a:extLst>
+                  </a:tr>
+                  <a:tr h="398647">
+                    <a:tc rowSpan="2">
+                      <a:txBody>
+                        <a:bodyPr/>
+                        <a:lstStyle/>
+                        <a:p>
+                          <a:pPr marL="0" algn="ctr" defTabSz="914400" rtl="0" eaLnBrk="1" latinLnBrk="0" hangingPunct="1"/>
+                          <a:r>
+                            <a:rPr lang="en-US" sz="1200" dirty="0" smtClean="0">
+                              <a:effectLst/>
+                            </a:rPr>
+                            <a:t>Fast Gradient-Descent Methods for Temporal-Difference Learning with Linear Function Approximation</a:t>
+                          </a:r>
+                          <a:endParaRPr lang="en-US" sz="1200" kern="1200" dirty="0">
+                            <a:solidFill>
+                              <a:schemeClr val="dk1"/>
+                            </a:solidFill>
+                            <a:effectLst/>
+                            <a:latin typeface="+mn-lt"/>
+                            <a:ea typeface="+mn-ea"/>
+                            <a:cs typeface="+mn-cs"/>
+                          </a:endParaRPr>
+                        </a:p>
+                      </a:txBody>
+                      <a:tcPr anchor="ctr"/>
+                    </a:tc>
+                    <a:tc>
+                      <a:txBody>
+                        <a:bodyPr/>
+                        <a:lstStyle/>
+                        <a:p>
+                          <a:pPr algn="ctr"/>
+                          <a:r>
+                            <a:rPr lang="en-US" dirty="0" smtClean="0"/>
+                            <a:t>GTD2</a:t>
+                          </a:r>
+                          <a:endParaRPr lang="en-US" dirty="0"/>
+                        </a:p>
+                      </a:txBody>
+                      <a:tcPr anchor="ctr"/>
+                    </a:tc>
+                    <a:tc>
+                      <a:txBody>
+                        <a:bodyPr/>
+                        <a:lstStyle/>
+                        <a:p>
+                          <a:pPr algn="ctr"/>
+                          <a:r>
+                            <a:rPr lang="en-US" dirty="0" smtClean="0"/>
+                            <a:t>fix</a:t>
+                          </a:r>
+                          <a:endParaRPr lang="en-US" dirty="0"/>
+                        </a:p>
+                      </a:txBody>
+                      <a:tcPr anchor="ctr"/>
+                    </a:tc>
+                    <a:tc>
+                      <a:txBody>
+                        <a:bodyPr/>
+                        <a:lstStyle/>
+                        <a:p>
+                          <a:pPr algn="ctr"/>
+                          <a:r>
+                            <a:rPr lang="en-US" dirty="0" smtClean="0"/>
+                            <a:t>Prediction</a:t>
+                          </a:r>
+                          <a:endParaRPr lang="en-US" dirty="0"/>
+                        </a:p>
+                      </a:txBody>
+                      <a:tcPr anchor="ctr"/>
+                    </a:tc>
+                    <a:tc>
+                      <a:txBody>
+                        <a:bodyPr/>
+                        <a:lstStyle/>
+                        <a:p>
+                          <a:pPr algn="ctr"/>
+                          <a:r>
+                            <a:rPr lang="en-US" dirty="0" smtClean="0"/>
+                            <a:t>linear</a:t>
+                          </a:r>
+                          <a:endParaRPr lang="en-US" dirty="0"/>
+                        </a:p>
+                      </a:txBody>
+                      <a:tcPr anchor="ctr"/>
+                    </a:tc>
+                    <a:tc>
+                      <a:txBody>
+                        <a:bodyPr/>
+                        <a:lstStyle/>
+                        <a:p>
+                          <a:pPr algn="ctr"/>
+                          <a:r>
+                            <a:rPr lang="en-US" sz="1600" dirty="0" smtClean="0"/>
+                            <a:t>Projection</a:t>
+                          </a:r>
+                          <a:endParaRPr lang="en-US" sz="1600" dirty="0"/>
+                        </a:p>
+                      </a:txBody>
+                      <a:tcPr anchor="ctr"/>
+                    </a:tc>
+                    <a:tc>
+                      <a:txBody>
+                        <a:bodyPr/>
+                        <a:lstStyle/>
+                        <a:p>
+                          <a:pPr algn="ctr"/>
+                          <a:endParaRPr lang="en-US"/>
+                        </a:p>
+                      </a:txBody>
+                      <a:tcPr anchor="ctr"/>
+                    </a:tc>
+                    <a:tc>
+                      <a:txBody>
+                        <a:bodyPr/>
+                        <a:lstStyle/>
+                        <a:p>
+                          <a:pPr algn="ctr"/>
+                          <a:endParaRPr lang="en-US"/>
+                        </a:p>
+                      </a:txBody>
+                      <a:tcPr anchor="ctr"/>
+                    </a:tc>
+                    <a:extLst>
+                      <a:ext uri="{0D108BD9-81ED-4DB2-BD59-A6C34878D82A}">
+                        <a16:rowId xmlns:a16="http://schemas.microsoft.com/office/drawing/2014/main" val="3130604507"/>
+                      </a:ext>
+                    </a:extLst>
+                  </a:tr>
+                  <a:tr h="486022">
+                    <a:tc vMerge="1">
+                      <a:txBody>
+                        <a:bodyPr/>
+                        <a:lstStyle/>
+                        <a:p>
+                          <a:pPr marL="0" algn="l" defTabSz="914400" rtl="0" eaLnBrk="1" latinLnBrk="0" hangingPunct="1"/>
+                          <a:endParaRPr lang="en-US" sz="1200" kern="1200" dirty="0">
+                            <a:solidFill>
+                              <a:schemeClr val="dk1"/>
+                            </a:solidFill>
+                            <a:effectLst/>
+                            <a:latin typeface="+mn-lt"/>
+                            <a:ea typeface="+mn-ea"/>
+                            <a:cs typeface="+mn-cs"/>
+                          </a:endParaRPr>
+                        </a:p>
+                      </a:txBody>
+                      <a:tcPr/>
+                    </a:tc>
+                    <a:tc>
+                      <a:txBody>
+                        <a:bodyPr/>
+                        <a:lstStyle/>
+                        <a:p>
+                          <a:pPr algn="ctr"/>
+                          <a:r>
+                            <a:rPr lang="en-US" dirty="0" smtClean="0"/>
+                            <a:t>GTC</a:t>
+                          </a:r>
+                          <a:endParaRPr lang="en-US" dirty="0"/>
+                        </a:p>
+                      </a:txBody>
+                      <a:tcPr anchor="ctr"/>
+                    </a:tc>
+                    <a:tc>
+                      <a:txBody>
+                        <a:bodyPr/>
+                        <a:lstStyle/>
+                        <a:p>
+                          <a:pPr algn="ctr"/>
+                          <a:r>
+                            <a:rPr lang="en-US" dirty="0" smtClean="0"/>
+                            <a:t>fix</a:t>
+                          </a:r>
+                          <a:endParaRPr lang="en-US" dirty="0"/>
+                        </a:p>
+                      </a:txBody>
+                      <a:tcPr anchor="ctr"/>
+                    </a:tc>
+                    <a:tc>
+                      <a:txBody>
+                        <a:bodyPr/>
+                        <a:lstStyle/>
+                        <a:p>
+                          <a:pPr algn="ctr"/>
+                          <a:r>
+                            <a:rPr lang="en-US" dirty="0" smtClean="0"/>
+                            <a:t>Prediction</a:t>
+                          </a:r>
+                          <a:endParaRPr lang="en-US" dirty="0"/>
+                        </a:p>
+                      </a:txBody>
+                      <a:tcPr anchor="ctr"/>
+                    </a:tc>
+                    <a:tc>
+                      <a:txBody>
+                        <a:bodyPr/>
+                        <a:lstStyle/>
+                        <a:p>
+                          <a:pPr algn="ctr"/>
+                          <a:r>
+                            <a:rPr lang="en-US" dirty="0" smtClean="0"/>
+                            <a:t>linear</a:t>
+                          </a:r>
+                          <a:endParaRPr lang="en-US" dirty="0"/>
+                        </a:p>
+                      </a:txBody>
+                      <a:tcPr anchor="ctr"/>
+                    </a:tc>
+                    <a:tc>
+                      <a:txBody>
+                        <a:bodyPr/>
+                        <a:lstStyle/>
+                        <a:p>
+                          <a:pPr algn="ctr"/>
+                          <a:r>
+                            <a:rPr lang="en-US" sz="1600" dirty="0" smtClean="0"/>
+                            <a:t>Projection</a:t>
+                          </a:r>
+                          <a:endParaRPr lang="en-US" sz="1600" dirty="0"/>
+                        </a:p>
+                      </a:txBody>
+                      <a:tcPr anchor="ctr"/>
+                    </a:tc>
+                    <a:tc>
+                      <a:txBody>
+                        <a:bodyPr/>
+                        <a:lstStyle/>
+                        <a:p>
+                          <a:pPr algn="ctr"/>
+                          <a:endParaRPr lang="en-US"/>
+                        </a:p>
+                      </a:txBody>
+                      <a:tcPr anchor="ctr"/>
+                    </a:tc>
+                    <a:tc>
+                      <a:txBody>
+                        <a:bodyPr/>
+                        <a:lstStyle/>
+                        <a:p>
+                          <a:pPr algn="ctr"/>
+                          <a:endParaRPr lang="en-US"/>
+                        </a:p>
+                      </a:txBody>
+                      <a:tcPr anchor="ctr"/>
+                    </a:tc>
+                    <a:extLst>
+                      <a:ext uri="{0D108BD9-81ED-4DB2-BD59-A6C34878D82A}">
+                        <a16:rowId xmlns:a16="http://schemas.microsoft.com/office/drawing/2014/main" val="489801088"/>
+                      </a:ext>
+                    </a:extLst>
+                  </a:tr>
+                  <a:tr h="688075">
+                    <a:tc>
+                      <a:txBody>
+                        <a:bodyPr/>
+                        <a:lstStyle/>
+                        <a:p>
+                          <a:pPr marL="0" algn="ctr" defTabSz="914400" rtl="0" eaLnBrk="1" latinLnBrk="0" hangingPunct="1"/>
+                          <a:r>
+                            <a:rPr lang="en-US" sz="1200" dirty="0" smtClean="0">
+                              <a:effectLst/>
+                            </a:rPr>
+                            <a:t>Convergent temporal-difference learning with arbitrary smooth function approximation</a:t>
+                          </a:r>
+                          <a:endParaRPr lang="en-US" sz="1200" kern="1200" dirty="0">
+                            <a:solidFill>
+                              <a:schemeClr val="dk1"/>
+                            </a:solidFill>
+                            <a:effectLst/>
+                            <a:latin typeface="+mn-lt"/>
+                            <a:ea typeface="+mn-ea"/>
+                            <a:cs typeface="+mn-cs"/>
+                          </a:endParaRPr>
+                        </a:p>
+                      </a:txBody>
+                      <a:tcPr anchor="ctr"/>
+                    </a:tc>
+                    <a:tc>
+                      <a:txBody>
+                        <a:bodyPr/>
+                        <a:lstStyle/>
+                        <a:p>
+                          <a:pPr algn="ctr"/>
+                          <a:r>
+                            <a:rPr lang="en-US" altLang="zh-CN" dirty="0" smtClean="0"/>
+                            <a:t>Nonlinear GTD2</a:t>
+                          </a:r>
+                          <a:endParaRPr lang="en-US" dirty="0"/>
+                        </a:p>
+                      </a:txBody>
+                      <a:tcPr anchor="ctr"/>
+                    </a:tc>
+                    <a:tc>
+                      <a:txBody>
+                        <a:bodyPr/>
+                        <a:lstStyle/>
+                        <a:p>
+                          <a:pPr algn="ctr"/>
+                          <a:r>
+                            <a:rPr lang="en-US" dirty="0" smtClean="0"/>
+                            <a:t>fix</a:t>
+                          </a:r>
+                          <a:endParaRPr lang="en-US" dirty="0"/>
+                        </a:p>
+                      </a:txBody>
+                      <a:tcPr anchor="ctr"/>
+                    </a:tc>
+                    <a:tc>
+                      <a:txBody>
+                        <a:bodyPr/>
+                        <a:lstStyle/>
+                        <a:p>
+                          <a:pPr algn="ctr"/>
+                          <a:r>
+                            <a:rPr lang="en-US" dirty="0" smtClean="0"/>
+                            <a:t>prediction</a:t>
+                          </a:r>
+                          <a:endParaRPr lang="en-US" dirty="0"/>
+                        </a:p>
+                      </a:txBody>
+                      <a:tcPr anchor="ctr"/>
+                    </a:tc>
+                    <a:tc>
+                      <a:txBody>
+                        <a:bodyPr/>
+                        <a:lstStyle/>
+                        <a:p>
+                          <a:pPr algn="ctr"/>
+                          <a:r>
+                            <a:rPr lang="en-US" dirty="0" smtClean="0"/>
+                            <a:t>nonli</a:t>
+                          </a:r>
+                          <a:r>
+                            <a:rPr lang="en-US" altLang="zh-CN" dirty="0" smtClean="0"/>
+                            <a:t>n</a:t>
+                          </a:r>
+                          <a:r>
+                            <a:rPr lang="en-US" dirty="0" smtClean="0"/>
+                            <a:t>ear</a:t>
+                          </a:r>
+                          <a:endParaRPr lang="en-US" dirty="0"/>
+                        </a:p>
+                      </a:txBody>
+                      <a:tcPr anchor="ctr"/>
+                    </a:tc>
+                    <a:tc>
+                      <a:txBody>
+                        <a:bodyPr/>
+                        <a:lstStyle/>
+                        <a:p>
+                          <a:pPr algn="ctr"/>
+                          <a:r>
+                            <a:rPr lang="en-US" sz="1600" dirty="0" smtClean="0"/>
+                            <a:t>Projection</a:t>
+                          </a:r>
+                          <a:endParaRPr lang="en-US" sz="1600" dirty="0"/>
+                        </a:p>
+                      </a:txBody>
+                      <a:tcPr anchor="ctr"/>
+                    </a:tc>
+                    <a:tc>
+                      <a:txBody>
+                        <a:bodyPr/>
+                        <a:lstStyle/>
+                        <a:p>
+                          <a:pPr algn="ctr"/>
+                          <a:endParaRPr lang="en-US"/>
+                        </a:p>
+                      </a:txBody>
+                      <a:tcPr anchor="ctr"/>
+                    </a:tc>
+                    <a:tc>
+                      <a:txBody>
+                        <a:bodyPr/>
+                        <a:lstStyle/>
+                        <a:p>
+                          <a:pPr algn="ctr"/>
+                          <a:endParaRPr lang="en-US"/>
+                        </a:p>
+                      </a:txBody>
+                      <a:tcPr anchor="ctr"/>
+                    </a:tc>
+                    <a:extLst>
+                      <a:ext uri="{0D108BD9-81ED-4DB2-BD59-A6C34878D82A}">
+                        <a16:rowId xmlns:a16="http://schemas.microsoft.com/office/drawing/2014/main" val="4270023534"/>
+                      </a:ext>
+                    </a:extLst>
+                  </a:tr>
+                  <a:tr h="688075">
+                    <a:tc>
+                      <a:txBody>
+                        <a:bodyPr/>
+                        <a:lstStyle/>
+                        <a:p>
+                          <a:pPr marL="0" algn="ctr" defTabSz="914400" rtl="0" eaLnBrk="1" latinLnBrk="0" hangingPunct="1"/>
+                          <a:r>
+                            <a:rPr lang="en-US" sz="1200" dirty="0" smtClean="0">
+                              <a:effectLst/>
+                            </a:rPr>
+                            <a:t>Toward Off-Policy Learning Control with Function Approximation</a:t>
+                          </a:r>
+                          <a:endParaRPr lang="en-US" sz="1200" kern="1200" dirty="0">
+                            <a:solidFill>
+                              <a:schemeClr val="dk1"/>
+                            </a:solidFill>
+                            <a:effectLst/>
+                            <a:latin typeface="+mn-lt"/>
+                            <a:ea typeface="+mn-ea"/>
+                            <a:cs typeface="+mn-cs"/>
+                          </a:endParaRPr>
+                        </a:p>
+                      </a:txBody>
+                      <a:tcPr anchor="ctr"/>
+                    </a:tc>
+                    <a:tc>
+                      <a:txBody>
+                        <a:bodyPr/>
+                        <a:lstStyle/>
+                        <a:p>
+                          <a:pPr algn="ctr"/>
+                          <a:r>
+                            <a:rPr lang="en-US" altLang="zh-CN" dirty="0" smtClean="0"/>
+                            <a:t>Greedy-GQ</a:t>
+                          </a:r>
+                          <a:endParaRPr lang="en-US" dirty="0"/>
+                        </a:p>
+                      </a:txBody>
+                      <a:tcPr anchor="ctr"/>
+                    </a:tc>
+                    <a:tc>
+                      <a:txBody>
+                        <a:bodyPr/>
+                        <a:lstStyle/>
+                        <a:p>
+                          <a:pPr algn="ctr"/>
+                          <a:r>
+                            <a:rPr lang="en-US" dirty="0" smtClean="0"/>
+                            <a:t>fix </a:t>
+                          </a:r>
+                          <a:endParaRPr lang="en-US" dirty="0"/>
+                        </a:p>
+                      </a:txBody>
+                      <a:tcPr anchor="ctr"/>
+                    </a:tc>
+                    <a:tc>
+                      <a:txBody>
+                        <a:bodyPr/>
+                        <a:lstStyle/>
+                        <a:p>
+                          <a:pPr algn="ctr"/>
+                          <a:r>
+                            <a:rPr lang="en-US" dirty="0" smtClean="0"/>
+                            <a:t>control</a:t>
+                          </a:r>
+                          <a:endParaRPr lang="en-US" dirty="0"/>
+                        </a:p>
+                      </a:txBody>
+                      <a:tcPr anchor="ctr"/>
+                    </a:tc>
+                    <a:tc>
+                      <a:txBody>
+                        <a:bodyPr/>
+                        <a:lstStyle/>
+                        <a:p>
+                          <a:pPr algn="ctr"/>
+                          <a:r>
+                            <a:rPr lang="en-US" dirty="0" smtClean="0"/>
+                            <a:t>Linear</a:t>
+                          </a:r>
+                          <a:r>
+                            <a:rPr lang="en-US" sz="1400" dirty="0" smtClean="0"/>
+                            <a:t>(and nonlinear without</a:t>
+                          </a:r>
+                          <a:r>
+                            <a:rPr lang="en-US" sz="1400" baseline="0" dirty="0" smtClean="0"/>
+                            <a:t> proof</a:t>
+                          </a:r>
+                          <a:r>
+                            <a:rPr lang="en-US" sz="1400" dirty="0" smtClean="0"/>
+                            <a:t>)</a:t>
+                          </a:r>
+                          <a:endParaRPr lang="en-US" dirty="0"/>
+                        </a:p>
+                      </a:txBody>
+                      <a:tcPr anchor="ctr"/>
+                    </a:tc>
+                    <a:tc>
+                      <a:txBody>
+                        <a:bodyPr/>
+                        <a:lstStyle/>
+                        <a:p>
+                          <a:pPr algn="ctr"/>
+                          <a:r>
+                            <a:rPr lang="en-US" sz="1600" dirty="0" smtClean="0"/>
+                            <a:t>Projection</a:t>
+                          </a:r>
+                          <a:endParaRPr lang="en-US" sz="1600" dirty="0"/>
+                        </a:p>
+                      </a:txBody>
+                      <a:tcPr anchor="ctr"/>
+                    </a:tc>
+                    <a:tc>
+                      <a:txBody>
+                        <a:bodyPr/>
+                        <a:lstStyle/>
+                        <a:p>
+                          <a:pPr algn="ctr"/>
+                          <a:endParaRPr lang="en-US" dirty="0"/>
+                        </a:p>
+                      </a:txBody>
+                      <a:tcPr anchor="ctr"/>
+                    </a:tc>
+                    <a:tc>
+                      <a:txBody>
+                        <a:bodyPr/>
+                        <a:lstStyle/>
+                        <a:p>
+                          <a:pPr algn="ctr"/>
+                          <a:endParaRPr lang="en-US" dirty="0"/>
+                        </a:p>
+                      </a:txBody>
+                      <a:tcPr anchor="ctr"/>
+                    </a:tc>
+                    <a:extLst>
+                      <a:ext uri="{0D108BD9-81ED-4DB2-BD59-A6C34878D82A}">
+                        <a16:rowId xmlns:a16="http://schemas.microsoft.com/office/drawing/2014/main" val="275166855"/>
+                      </a:ext>
+                    </a:extLst>
+                  </a:tr>
+                </a:tbl>
+              </a:graphicData>
+            </a:graphic>
+          </p:graphicFrame>
+        </mc:Fallback>
+      </mc:AlternateContent>
+    </p:spTree>
+    <p:extLst>
+      <p:ext uri="{BB962C8B-B14F-4D97-AF65-F5344CB8AC3E}">
+        <p14:creationId xmlns:p14="http://schemas.microsoft.com/office/powerpoint/2010/main" val="1580506380"/>
+      </p:ext>
+    </p:extLst>
+  </p:cSld>
+  <p:clrMapOvr>
+    <a:masterClrMapping/>
+  </p:clrMapOvr>
+</p:sld>
+</file>
+
+<file path=ppt/slides/slide21.xml><?xml version="1.0" encoding="utf-8"?>
+<p:sld xmlns:a="http://schemas.openxmlformats.org/drawingml/2006/main" xmlns:r="http://schemas.openxmlformats.org/officeDocument/2006/relationships" xmlns:p="http://schemas.openxmlformats.org/presentationml/2006/main">
+  <p:cSld>
+    <p:spTree>
+      <p:nvGrpSpPr>
+        <p:cNvPr id="1" name=""/>
+        <p:cNvGrpSpPr/>
+        <p:nvPr/>
+      </p:nvGrpSpPr>
+      <p:grpSpPr>
+        <a:xfrm>
+          <a:off x="0" y="0"/>
+          <a:ext cx="0" cy="0"/>
+          <a:chOff x="0" y="0"/>
+          <a:chExt cx="0" cy="0"/>
+        </a:xfrm>
+      </p:grpSpPr>
+      <p:sp>
+        <p:nvSpPr>
+          <p:cNvPr id="2" name="Title 1"/>
+          <p:cNvSpPr>
+            <a:spLocks noGrp="1"/>
+          </p:cNvSpPr>
+          <p:nvPr>
+            <p:ph type="title"/>
+          </p:nvPr>
+        </p:nvSpPr>
+        <p:spPr/>
+        <p:txBody>
+          <a:bodyPr/>
+          <a:lstStyle/>
+          <a:p>
+            <a:endParaRPr lang="en-US"/>
+          </a:p>
+        </p:txBody>
+      </p:sp>
+      <p:sp>
+        <p:nvSpPr>
+          <p:cNvPr id="3" name="Content Placeholder 2"/>
+          <p:cNvSpPr>
+            <a:spLocks noGrp="1"/>
+          </p:cNvSpPr>
+          <p:nvPr>
+            <p:ph idx="1"/>
+          </p:nvPr>
+        </p:nvSpPr>
+        <p:spPr/>
+        <p:txBody>
+          <a:bodyPr/>
+          <a:lstStyle/>
+          <a:p>
+            <a:endParaRPr lang="en-US"/>
+          </a:p>
+        </p:txBody>
+      </p:sp>
+    </p:spTree>
+    <p:extLst>
+      <p:ext uri="{BB962C8B-B14F-4D97-AF65-F5344CB8AC3E}">
+        <p14:creationId xmlns:p14="http://schemas.microsoft.com/office/powerpoint/2010/main" val="3533393502"/>
+      </p:ext>
+    </p:extLst>
+  </p:cSld>
+  <p:clrMapOvr>
+    <a:masterClrMapping/>
+  </p:clrMapOvr>
+</p:sld>
+</file>
+
+<file path=ppt/slides/slide22.xml><?xml version="1.0" encoding="utf-8"?>
+<p:sld xmlns:a="http://schemas.openxmlformats.org/drawingml/2006/main" xmlns:r="http://schemas.openxmlformats.org/officeDocument/2006/relationships" xmlns:p="http://schemas.openxmlformats.org/presentationml/2006/main" show="0">
+  <p:cSld>
+    <p:spTree>
+      <p:nvGrpSpPr>
+        <p:cNvPr id="1" name=""/>
+        <p:cNvGrpSpPr/>
+        <p:nvPr/>
+      </p:nvGrpSpPr>
+      <p:grpSpPr>
+        <a:xfrm>
+          <a:off x="0" y="0"/>
+          <a:ext cx="0" cy="0"/>
+          <a:chOff x="0" y="0"/>
+          <a:chExt cx="0" cy="0"/>
+        </a:xfrm>
+      </p:grpSpPr>
+      <p:sp>
+        <p:nvSpPr>
+          <p:cNvPr id="2" name="Title 1"/>
+          <p:cNvSpPr>
+            <a:spLocks noGrp="1"/>
+          </p:cNvSpPr>
+          <p:nvPr>
+            <p:ph type="title"/>
+          </p:nvPr>
+        </p:nvSpPr>
+        <p:spPr/>
+        <p:txBody>
+          <a:bodyPr/>
+          <a:lstStyle/>
+          <a:p>
+            <a:endParaRPr lang="en-US"/>
+          </a:p>
+        </p:txBody>
+      </p:sp>
+      <p:sp>
+        <p:nvSpPr>
+          <p:cNvPr id="3" name="Content Placeholder 2"/>
+          <p:cNvSpPr>
+            <a:spLocks noGrp="1"/>
+          </p:cNvSpPr>
+          <p:nvPr>
+            <p:ph idx="1"/>
+          </p:nvPr>
+        </p:nvSpPr>
+        <p:spPr/>
+        <p:txBody>
+          <a:bodyPr/>
+          <a:lstStyle/>
+          <a:p>
+            <a:r>
+              <a:rPr lang="en-US" dirty="0" smtClean="0"/>
+              <a:t>Is the algorithm convergence ?</a:t>
+            </a:r>
+          </a:p>
+          <a:p>
+            <a:r>
+              <a:rPr lang="en-US" dirty="0" smtClean="0"/>
+              <a:t>The algorithms convergence to where?</a:t>
+            </a:r>
+          </a:p>
+          <a:p>
+            <a:r>
+              <a:rPr lang="en-US" dirty="0" smtClean="0"/>
+              <a:t>How fast the algorithms converge?</a:t>
+            </a:r>
+            <a:endParaRPr lang="en-US" dirty="0"/>
+          </a:p>
+        </p:txBody>
+      </p:sp>
+    </p:spTree>
+    <p:extLst>
+      <p:ext uri="{BB962C8B-B14F-4D97-AF65-F5344CB8AC3E}">
+        <p14:creationId xmlns:p14="http://schemas.microsoft.com/office/powerpoint/2010/main" val="2818266457"/>
+      </p:ext>
+    </p:extLst>
+  </p:cSld>
+  <p:clrMapOvr>
+    <a:masterClrMapping/>
+  </p:clrMapOvr>
+  <mc:AlternateContent xmlns:mc="http://schemas.openxmlformats.org/markup-compatibility/2006">
+    <mc:Choice xmlns:p14="http://schemas.microsoft.com/office/powerpoint/2010/main" Requires="p14">
+      <p:transition spd="slow" p14:dur="2000"/>
+    </mc:Choice>
+    <mc:Fallback>
+      <p:transition spd="slow"/>
+    </mc:Fallback>
+  </mc:AlternateContent>
+</p:sld>
+</file>
+
+<file path=ppt/slides/slide23.xml><?xml version="1.0" encoding="utf-8"?>
+<p:sld xmlns:a="http://schemas.openxmlformats.org/drawingml/2006/main" xmlns:r="http://schemas.openxmlformats.org/officeDocument/2006/relationships" xmlns:p="http://schemas.openxmlformats.org/presentationml/2006/main" show="0">
+  <p:cSld>
+    <p:spTree>
+      <p:nvGrpSpPr>
+        <p:cNvPr id="1" name=""/>
+        <p:cNvGrpSpPr/>
+        <p:nvPr/>
+      </p:nvGrpSpPr>
+      <p:grpSpPr>
+        <a:xfrm>
+          <a:off x="0" y="0"/>
+          <a:ext cx="0" cy="0"/>
+          <a:chOff x="0" y="0"/>
+          <a:chExt cx="0" cy="0"/>
+        </a:xfrm>
+      </p:grpSpPr>
+      <p:sp>
+        <p:nvSpPr>
+          <p:cNvPr id="2" name="Title 1"/>
+          <p:cNvSpPr>
+            <a:spLocks noGrp="1"/>
+          </p:cNvSpPr>
+          <p:nvPr>
+            <p:ph type="title"/>
+          </p:nvPr>
+        </p:nvSpPr>
+        <p:spPr/>
+        <p:txBody>
+          <a:bodyPr/>
+          <a:lstStyle/>
+          <a:p>
+            <a:endParaRPr lang="en-US"/>
+          </a:p>
+        </p:txBody>
+      </p:sp>
+      <p:sp>
+        <p:nvSpPr>
+          <p:cNvPr id="3" name="Content Placeholder 2"/>
+          <p:cNvSpPr>
+            <a:spLocks noGrp="1"/>
+          </p:cNvSpPr>
+          <p:nvPr>
+            <p:ph idx="1"/>
+          </p:nvPr>
+        </p:nvSpPr>
+        <p:spPr/>
+        <p:txBody>
+          <a:bodyPr/>
+          <a:lstStyle/>
+          <a:p>
+            <a:endParaRPr lang="en-US"/>
+          </a:p>
+        </p:txBody>
+      </p:sp>
+      <p:graphicFrame>
+        <p:nvGraphicFramePr>
+          <p:cNvPr id="4" name="Content Placeholder 3"/>
+          <p:cNvGraphicFramePr>
+            <a:graphicFrameLocks/>
+          </p:cNvGraphicFramePr>
+          <p:nvPr>
+            <p:extLst>
+              <p:ext uri="{D42A27DB-BD31-4B8C-83A1-F6EECF244321}">
+                <p14:modId xmlns:p14="http://schemas.microsoft.com/office/powerpoint/2010/main" val="2448464219"/>
+              </p:ext>
+            </p:extLst>
+          </p:nvPr>
+        </p:nvGraphicFramePr>
+        <p:xfrm>
+          <a:off x="268223" y="1825625"/>
+          <a:ext cx="11411714" cy="3154680"/>
+        </p:xfrm>
+        <a:graphic>
+          <a:graphicData uri="http://schemas.openxmlformats.org/drawingml/2006/table">
+            <a:tbl>
+              <a:tblPr firstRow="1" bandRow="1">
+                <a:tableStyleId>{5C22544A-7EE6-4342-B048-85BDC9FD1C3A}</a:tableStyleId>
+              </a:tblPr>
+              <a:tblGrid>
+                <a:gridCol w="2255521">
+                  <a:extLst>
+                    <a:ext uri="{9D8B030D-6E8A-4147-A177-3AD203B41FA5}">
+                      <a16:colId xmlns:a16="http://schemas.microsoft.com/office/drawing/2014/main" val="2727381700"/>
+                    </a:ext>
+                  </a:extLst>
+                </a:gridCol>
+                <a:gridCol w="1954723">
+                  <a:extLst>
+                    <a:ext uri="{9D8B030D-6E8A-4147-A177-3AD203B41FA5}">
+                      <a16:colId xmlns:a16="http://schemas.microsoft.com/office/drawing/2014/main" val="422638171"/>
+                    </a:ext>
+                  </a:extLst>
+                </a:gridCol>
+                <a:gridCol w="1649543">
+                  <a:extLst>
+                    <a:ext uri="{9D8B030D-6E8A-4147-A177-3AD203B41FA5}">
+                      <a16:colId xmlns:a16="http://schemas.microsoft.com/office/drawing/2014/main" val="1528730067"/>
+                    </a:ext>
+                  </a:extLst>
+                </a:gridCol>
+                <a:gridCol w="1160041">
+                  <a:extLst>
+                    <a:ext uri="{9D8B030D-6E8A-4147-A177-3AD203B41FA5}">
+                      <a16:colId xmlns:a16="http://schemas.microsoft.com/office/drawing/2014/main" val="4009352690"/>
+                    </a:ext>
+                  </a:extLst>
+                </a:gridCol>
+                <a:gridCol w="1819373">
+                  <a:extLst>
+                    <a:ext uri="{9D8B030D-6E8A-4147-A177-3AD203B41FA5}">
+                      <a16:colId xmlns:a16="http://schemas.microsoft.com/office/drawing/2014/main" val="2045577686"/>
+                    </a:ext>
+                  </a:extLst>
+                </a:gridCol>
+                <a:gridCol w="1133856">
+                  <a:extLst>
+                    <a:ext uri="{9D8B030D-6E8A-4147-A177-3AD203B41FA5}">
+                      <a16:colId xmlns:a16="http://schemas.microsoft.com/office/drawing/2014/main" val="2764622957"/>
+                    </a:ext>
+                  </a:extLst>
+                </a:gridCol>
+                <a:gridCol w="841248">
+                  <a:extLst>
+                    <a:ext uri="{9D8B030D-6E8A-4147-A177-3AD203B41FA5}">
+                      <a16:colId xmlns:a16="http://schemas.microsoft.com/office/drawing/2014/main" val="3257842676"/>
+                    </a:ext>
+                  </a:extLst>
+                </a:gridCol>
+                <a:gridCol w="597409">
+                  <a:extLst>
+                    <a:ext uri="{9D8B030D-6E8A-4147-A177-3AD203B41FA5}">
+                      <a16:colId xmlns:a16="http://schemas.microsoft.com/office/drawing/2014/main" val="4283649130"/>
+                    </a:ext>
+                  </a:extLst>
+                </a:gridCol>
+              </a:tblGrid>
+              <a:tr h="370840">
+                <a:tc>
+                  <a:txBody>
+                    <a:bodyPr/>
+                    <a:lstStyle/>
+                    <a:p>
+                      <a:pPr marL="0" algn="ctr" defTabSz="914400" rtl="0" eaLnBrk="1" latinLnBrk="0" hangingPunct="1"/>
+                      <a:endParaRPr lang="en-US" sz="1200" kern="1200" dirty="0">
+                        <a:solidFill>
+                          <a:schemeClr val="dk1"/>
+                        </a:solidFill>
+                        <a:effectLst/>
+                        <a:latin typeface="+mn-lt"/>
+                        <a:ea typeface="+mn-ea"/>
+                        <a:cs typeface="+mn-cs"/>
+                      </a:endParaRPr>
+                    </a:p>
+                  </a:txBody>
+                  <a:tcPr anchor="ctr"/>
+                </a:tc>
+                <a:tc>
+                  <a:txBody>
+                    <a:bodyPr/>
+                    <a:lstStyle/>
+                    <a:p>
+                      <a:pPr algn="ctr"/>
+                      <a:endParaRPr lang="en-US" dirty="0"/>
+                    </a:p>
+                  </a:txBody>
+                  <a:tcPr anchor="ctr"/>
+                </a:tc>
+                <a:tc>
+                  <a:txBody>
+                    <a:bodyPr/>
+                    <a:lstStyle/>
+                    <a:p>
+                      <a:pPr algn="ctr"/>
+                      <a:r>
+                        <a:rPr lang="en-US" dirty="0" smtClean="0"/>
+                        <a:t>1</a:t>
+                      </a:r>
+                      <a:endParaRPr lang="en-US" dirty="0"/>
+                    </a:p>
+                  </a:txBody>
+                  <a:tcPr anchor="ctr"/>
+                </a:tc>
+                <a:tc>
+                  <a:txBody>
+                    <a:bodyPr/>
+                    <a:lstStyle/>
+                    <a:p>
+                      <a:pPr algn="ctr"/>
+                      <a:r>
+                        <a:rPr lang="en-US" dirty="0" smtClean="0"/>
+                        <a:t>2</a:t>
+                      </a:r>
+                      <a:endParaRPr lang="en-US" dirty="0"/>
+                    </a:p>
+                  </a:txBody>
+                  <a:tcPr anchor="ctr"/>
+                </a:tc>
+                <a:tc>
+                  <a:txBody>
+                    <a:bodyPr/>
+                    <a:lstStyle/>
+                    <a:p>
+                      <a:pPr algn="ctr"/>
+                      <a:r>
+                        <a:rPr lang="en-US" dirty="0" smtClean="0"/>
+                        <a:t>3</a:t>
+                      </a:r>
+                      <a:endParaRPr lang="en-US" dirty="0"/>
+                    </a:p>
+                  </a:txBody>
+                  <a:tcPr anchor="ctr"/>
+                </a:tc>
+                <a:tc>
+                  <a:txBody>
+                    <a:bodyPr/>
+                    <a:lstStyle/>
+                    <a:p>
+                      <a:pPr algn="ctr"/>
+                      <a:endParaRPr lang="en-US" sz="1600" dirty="0"/>
+                    </a:p>
+                  </a:txBody>
+                  <a:tcPr anchor="ctr"/>
+                </a:tc>
+                <a:tc>
+                  <a:txBody>
+                    <a:bodyPr/>
+                    <a:lstStyle/>
+                    <a:p>
+                      <a:pPr algn="ctr"/>
+                      <a:endParaRPr lang="en-US"/>
+                    </a:p>
+                  </a:txBody>
+                  <a:tcPr anchor="ctr"/>
+                </a:tc>
+                <a:tc>
+                  <a:txBody>
+                    <a:bodyPr/>
+                    <a:lstStyle/>
+                    <a:p>
+                      <a:pPr algn="ctr"/>
+                      <a:endParaRPr lang="en-US"/>
+                    </a:p>
+                  </a:txBody>
+                  <a:tcPr anchor="ctr"/>
+                </a:tc>
+                <a:extLst>
+                  <a:ext uri="{0D108BD9-81ED-4DB2-BD59-A6C34878D82A}">
+                    <a16:rowId xmlns:a16="http://schemas.microsoft.com/office/drawing/2014/main" val="2882472153"/>
+                  </a:ext>
+                </a:extLst>
+              </a:tr>
+              <a:tr h="370840">
+                <a:tc>
+                  <a:txBody>
+                    <a:bodyPr/>
+                    <a:lstStyle/>
+                    <a:p>
+                      <a:pPr marL="0" algn="ctr" defTabSz="914400" rtl="0" eaLnBrk="1" latinLnBrk="0" hangingPunct="1"/>
+                      <a:r>
+                        <a:rPr lang="en-US" sz="1200" dirty="0" smtClean="0">
+                          <a:effectLst/>
+                        </a:rPr>
+                        <a:t>Convergence results for single-step on-policy reinforcement-learning algorithms</a:t>
+                      </a:r>
+                      <a:endParaRPr lang="en-US" sz="1200" kern="1200" dirty="0">
+                        <a:solidFill>
+                          <a:schemeClr val="dk1"/>
+                        </a:solidFill>
+                        <a:effectLst/>
+                        <a:latin typeface="+mn-lt"/>
+                        <a:ea typeface="+mn-ea"/>
+                        <a:cs typeface="+mn-cs"/>
+                      </a:endParaRPr>
+                    </a:p>
+                  </a:txBody>
+                  <a:tcPr anchor="ctr"/>
+                </a:tc>
+                <a:tc>
+                  <a:txBody>
+                    <a:bodyPr/>
+                    <a:lstStyle/>
+                    <a:p>
+                      <a:pPr algn="ctr"/>
+                      <a:r>
+                        <a:rPr lang="en-US" dirty="0" smtClean="0"/>
+                        <a:t>SARSA(0)</a:t>
+                      </a:r>
+                      <a:endParaRPr lang="en-US" dirty="0"/>
+                    </a:p>
+                  </a:txBody>
+                  <a:tcPr anchor="ctr"/>
+                </a:tc>
+                <a:tc>
+                  <a:txBody>
+                    <a:bodyPr/>
+                    <a:lstStyle/>
+                    <a:p>
+                      <a:pPr algn="ctr"/>
+                      <a:r>
+                        <a:rPr lang="en-US" dirty="0" smtClean="0"/>
+                        <a:t>GLIE</a:t>
+                      </a:r>
+                    </a:p>
+                    <a:p>
+                      <a:pPr algn="ctr"/>
+                      <a:r>
+                        <a:rPr lang="en-US" dirty="0" smtClean="0"/>
+                        <a:t>RRR</a:t>
+                      </a:r>
+                      <a:endParaRPr lang="en-US" dirty="0"/>
+                    </a:p>
+                  </a:txBody>
+                  <a:tcPr anchor="ctr"/>
+                </a:tc>
+                <a:tc>
+                  <a:txBody>
+                    <a:bodyPr/>
+                    <a:lstStyle/>
+                    <a:p>
+                      <a:pPr algn="ctr"/>
+                      <a:r>
+                        <a:rPr lang="en-US" altLang="zh-CN" dirty="0" smtClean="0"/>
+                        <a:t>control</a:t>
+                      </a:r>
+                      <a:endParaRPr lang="en-US" dirty="0"/>
+                    </a:p>
+                  </a:txBody>
+                  <a:tcPr anchor="ctr"/>
+                </a:tc>
+                <a:tc>
+                  <a:txBody>
+                    <a:bodyPr/>
+                    <a:lstStyle/>
+                    <a:p>
+                      <a:pPr algn="ctr"/>
+                      <a:r>
+                        <a:rPr lang="en-US" dirty="0" smtClean="0"/>
+                        <a:t>Look</a:t>
+                      </a:r>
+                      <a:r>
+                        <a:rPr lang="en-US" baseline="0" dirty="0" smtClean="0"/>
+                        <a:t> up table</a:t>
+                      </a:r>
+                      <a:endParaRPr lang="en-US" dirty="0"/>
+                    </a:p>
+                  </a:txBody>
+                  <a:tcPr anchor="ctr"/>
+                </a:tc>
+                <a:tc>
+                  <a:txBody>
+                    <a:bodyPr/>
+                    <a:lstStyle/>
+                    <a:p>
+                      <a:pPr algn="ctr"/>
+                      <a:endParaRPr lang="en-US" sz="1600" dirty="0"/>
+                    </a:p>
+                  </a:txBody>
+                  <a:tcPr anchor="ctr"/>
+                </a:tc>
+                <a:tc>
+                  <a:txBody>
+                    <a:bodyPr/>
+                    <a:lstStyle/>
+                    <a:p>
+                      <a:pPr algn="ctr"/>
+                      <a:endParaRPr lang="en-US"/>
+                    </a:p>
+                  </a:txBody>
+                  <a:tcPr anchor="ctr"/>
+                </a:tc>
+                <a:tc>
+                  <a:txBody>
+                    <a:bodyPr/>
+                    <a:lstStyle/>
+                    <a:p>
+                      <a:pPr algn="ctr"/>
+                      <a:endParaRPr lang="en-US"/>
+                    </a:p>
+                  </a:txBody>
+                  <a:tcPr anchor="ctr"/>
+                </a:tc>
+                <a:extLst>
+                  <a:ext uri="{0D108BD9-81ED-4DB2-BD59-A6C34878D82A}">
+                    <a16:rowId xmlns:a16="http://schemas.microsoft.com/office/drawing/2014/main" val="4270023534"/>
+                  </a:ext>
+                </a:extLst>
+              </a:tr>
+              <a:tr h="370840">
+                <a:tc>
+                  <a:txBody>
+                    <a:bodyPr/>
+                    <a:lstStyle/>
+                    <a:p>
+                      <a:pPr marL="0" algn="ctr" defTabSz="914400" rtl="0" eaLnBrk="1" latinLnBrk="0" hangingPunct="1"/>
+                      <a:r>
+                        <a:rPr lang="en-US" sz="1200" dirty="0" smtClean="0">
+                          <a:effectLst/>
+                        </a:rPr>
+                        <a:t>The O.D.E. Method for Convergence of Stochastic Approximation and Reinforcement Learning</a:t>
+                      </a:r>
+                      <a:endParaRPr lang="en-US" sz="1200" kern="1200" dirty="0">
+                        <a:solidFill>
+                          <a:schemeClr val="dk1"/>
+                        </a:solidFill>
+                        <a:effectLst/>
+                        <a:latin typeface="+mn-lt"/>
+                        <a:ea typeface="+mn-ea"/>
+                        <a:cs typeface="+mn-cs"/>
+                      </a:endParaRPr>
+                    </a:p>
+                  </a:txBody>
+                  <a:tcPr anchor="ctr"/>
+                </a:tc>
+                <a:tc>
+                  <a:txBody>
+                    <a:bodyPr/>
+                    <a:lstStyle/>
+                    <a:p>
+                      <a:pPr algn="ctr"/>
+                      <a:r>
+                        <a:rPr lang="en-US" dirty="0" smtClean="0"/>
+                        <a:t>Q </a:t>
+                      </a:r>
+                      <a:r>
+                        <a:rPr lang="en-US" altLang="zh-CN" dirty="0" smtClean="0"/>
+                        <a:t>learning</a:t>
+                      </a:r>
+                      <a:endParaRPr lang="en-US" dirty="0"/>
+                    </a:p>
+                  </a:txBody>
+                  <a:tcPr anchor="ctr"/>
+                </a:tc>
+                <a:tc>
+                  <a:txBody>
+                    <a:bodyPr/>
+                    <a:lstStyle/>
+                    <a:p>
+                      <a:pPr algn="ctr"/>
+                      <a:r>
+                        <a:rPr lang="en-US" dirty="0" smtClean="0"/>
+                        <a:t>greedy</a:t>
+                      </a:r>
+                      <a:endParaRPr lang="en-US" dirty="0"/>
+                    </a:p>
+                  </a:txBody>
+                  <a:tcPr anchor="ctr"/>
+                </a:tc>
+                <a:tc>
+                  <a:txBody>
+                    <a:bodyPr/>
+                    <a:lstStyle/>
+                    <a:p>
+                      <a:pPr algn="ctr"/>
+                      <a:r>
+                        <a:rPr lang="en-US" dirty="0" smtClean="0"/>
+                        <a:t>control</a:t>
+                      </a:r>
+                      <a:endParaRPr lang="en-US" dirty="0"/>
+                    </a:p>
+                  </a:txBody>
+                  <a:tcPr anchor="ctr"/>
+                </a:tc>
+                <a:tc>
+                  <a:txBody>
+                    <a:bodyPr/>
+                    <a:lstStyle/>
+                    <a:p>
+                      <a:pPr algn="ctr"/>
+                      <a:r>
+                        <a:rPr lang="en-US" altLang="zh-CN" dirty="0" smtClean="0"/>
+                        <a:t>Look up table</a:t>
+                      </a:r>
+                      <a:endParaRPr lang="en-US" dirty="0"/>
+                    </a:p>
+                  </a:txBody>
+                  <a:tcPr anchor="ctr"/>
+                </a:tc>
+                <a:tc>
+                  <a:txBody>
+                    <a:bodyPr/>
+                    <a:lstStyle/>
+                    <a:p>
+                      <a:pPr algn="ctr"/>
+                      <a:endParaRPr lang="en-US" sz="1600" dirty="0"/>
+                    </a:p>
+                  </a:txBody>
+                  <a:tcPr anchor="ctr"/>
+                </a:tc>
+                <a:tc>
+                  <a:txBody>
+                    <a:bodyPr/>
+                    <a:lstStyle/>
+                    <a:p>
+                      <a:pPr algn="ctr"/>
+                      <a:endParaRPr lang="en-US" dirty="0"/>
+                    </a:p>
+                  </a:txBody>
+                  <a:tcPr anchor="ctr"/>
+                </a:tc>
+                <a:tc>
+                  <a:txBody>
+                    <a:bodyPr/>
+                    <a:lstStyle/>
+                    <a:p>
+                      <a:pPr algn="ctr"/>
+                      <a:endParaRPr lang="en-US" dirty="0"/>
+                    </a:p>
+                  </a:txBody>
+                  <a:tcPr anchor="ctr"/>
+                </a:tc>
+                <a:extLst>
+                  <a:ext uri="{0D108BD9-81ED-4DB2-BD59-A6C34878D82A}">
+                    <a16:rowId xmlns:a16="http://schemas.microsoft.com/office/drawing/2014/main" val="123392999"/>
+                  </a:ext>
+                </a:extLst>
+              </a:tr>
+              <a:tr h="370840">
+                <a:tc rowSpan="2">
+                  <a:txBody>
+                    <a:bodyPr/>
+                    <a:lstStyle/>
+                    <a:p>
+                      <a:pPr marL="0" algn="ctr" defTabSz="914400" rtl="0" eaLnBrk="1" latinLnBrk="0" hangingPunct="1"/>
+                      <a:r>
+                        <a:rPr lang="en-US" sz="1200" dirty="0" smtClean="0">
+                          <a:effectLst/>
+                        </a:rPr>
+                        <a:t>An analysis of reinforcement learning with function approximation</a:t>
+                      </a:r>
+                      <a:endParaRPr lang="en-US" sz="1200" kern="1200" dirty="0">
+                        <a:solidFill>
+                          <a:schemeClr val="dk1"/>
+                        </a:solidFill>
+                        <a:effectLst/>
+                        <a:latin typeface="+mn-lt"/>
+                        <a:ea typeface="+mn-ea"/>
+                        <a:cs typeface="+mn-cs"/>
+                      </a:endParaRPr>
+                    </a:p>
+                  </a:txBody>
+                  <a:tcPr anchor="ctr"/>
+                </a:tc>
+                <a:tc>
+                  <a:txBody>
+                    <a:bodyPr/>
+                    <a:lstStyle/>
+                    <a:p>
+                      <a:pPr algn="ctr"/>
+                      <a:r>
+                        <a:rPr lang="en-US" dirty="0" smtClean="0"/>
+                        <a:t>SARSA</a:t>
+                      </a:r>
+                      <a:endParaRPr lang="en-US" dirty="0"/>
+                    </a:p>
+                  </a:txBody>
+                  <a:tcPr anchor="ctr"/>
+                </a:tc>
+                <a:tc>
+                  <a:txBody>
+                    <a:bodyPr/>
+                    <a:lstStyle/>
+                    <a:p>
+                      <a:pPr algn="ctr"/>
+                      <a:endParaRPr lang="en-US" dirty="0"/>
+                    </a:p>
+                  </a:txBody>
+                  <a:tcPr anchor="ctr"/>
+                </a:tc>
+                <a:tc>
+                  <a:txBody>
+                    <a:bodyPr/>
+                    <a:lstStyle/>
+                    <a:p>
+                      <a:pPr algn="ctr"/>
+                      <a:endParaRPr lang="en-US" dirty="0"/>
+                    </a:p>
+                  </a:txBody>
+                  <a:tcPr anchor="ctr"/>
+                </a:tc>
+                <a:tc>
+                  <a:txBody>
+                    <a:bodyPr/>
+                    <a:lstStyle/>
+                    <a:p>
+                      <a:pPr algn="ctr"/>
+                      <a:r>
+                        <a:rPr lang="en-US" dirty="0" smtClean="0"/>
+                        <a:t>linear</a:t>
+                      </a:r>
+                      <a:endParaRPr lang="en-US" dirty="0"/>
+                    </a:p>
+                  </a:txBody>
+                  <a:tcPr anchor="ctr"/>
+                </a:tc>
+                <a:tc>
+                  <a:txBody>
+                    <a:bodyPr/>
+                    <a:lstStyle/>
+                    <a:p>
+                      <a:pPr algn="ctr"/>
+                      <a:endParaRPr lang="en-US" sz="1600" dirty="0"/>
+                    </a:p>
+                  </a:txBody>
+                  <a:tcPr anchor="ctr"/>
+                </a:tc>
+                <a:tc>
+                  <a:txBody>
+                    <a:bodyPr/>
+                    <a:lstStyle/>
+                    <a:p>
+                      <a:pPr algn="ctr"/>
+                      <a:endParaRPr lang="en-US"/>
+                    </a:p>
+                  </a:txBody>
+                  <a:tcPr anchor="ctr"/>
+                </a:tc>
+                <a:tc>
+                  <a:txBody>
+                    <a:bodyPr/>
+                    <a:lstStyle/>
+                    <a:p>
+                      <a:pPr algn="ctr"/>
+                      <a:endParaRPr lang="en-US"/>
+                    </a:p>
+                  </a:txBody>
+                  <a:tcPr anchor="ctr"/>
+                </a:tc>
+                <a:extLst>
+                  <a:ext uri="{0D108BD9-81ED-4DB2-BD59-A6C34878D82A}">
+                    <a16:rowId xmlns:a16="http://schemas.microsoft.com/office/drawing/2014/main" val="3258691590"/>
+                  </a:ext>
+                </a:extLst>
+              </a:tr>
+              <a:tr h="370840">
+                <a:tc vMerge="1">
+                  <a:txBody>
+                    <a:bodyPr/>
+                    <a:lstStyle/>
+                    <a:p>
+                      <a:pPr marL="0" algn="ctr" defTabSz="914400" rtl="0" eaLnBrk="1" latinLnBrk="0" hangingPunct="1"/>
+                      <a:endParaRPr lang="en-US" sz="1200" kern="1200" dirty="0">
+                        <a:solidFill>
+                          <a:schemeClr val="dk1"/>
+                        </a:solidFill>
+                        <a:effectLst/>
+                        <a:latin typeface="+mn-lt"/>
+                        <a:ea typeface="+mn-ea"/>
+                        <a:cs typeface="+mn-cs"/>
+                      </a:endParaRPr>
+                    </a:p>
+                  </a:txBody>
+                  <a:tcPr anchor="ctr"/>
+                </a:tc>
+                <a:tc>
+                  <a:txBody>
+                    <a:bodyPr/>
+                    <a:lstStyle/>
+                    <a:p>
+                      <a:pPr algn="ctr"/>
+                      <a:r>
+                        <a:rPr lang="en-US" dirty="0" smtClean="0"/>
+                        <a:t>Q learning</a:t>
+                      </a:r>
+                      <a:endParaRPr lang="en-US" dirty="0"/>
+                    </a:p>
+                  </a:txBody>
+                  <a:tcPr anchor="ctr"/>
+                </a:tc>
+                <a:tc>
+                  <a:txBody>
+                    <a:bodyPr/>
+                    <a:lstStyle/>
+                    <a:p>
+                      <a:pPr algn="ctr"/>
+                      <a:r>
+                        <a:rPr lang="en-US" dirty="0" smtClean="0"/>
+                        <a:t>fix</a:t>
+                      </a:r>
+                      <a:endParaRPr lang="en-US" dirty="0"/>
+                    </a:p>
+                  </a:txBody>
+                  <a:tcPr anchor="ctr"/>
+                </a:tc>
+                <a:tc>
+                  <a:txBody>
+                    <a:bodyPr/>
+                    <a:lstStyle/>
+                    <a:p>
+                      <a:pPr algn="ctr"/>
+                      <a:endParaRPr lang="en-US" dirty="0"/>
+                    </a:p>
+                  </a:txBody>
+                  <a:tcPr anchor="ctr"/>
+                </a:tc>
+                <a:tc>
+                  <a:txBody>
+                    <a:bodyPr/>
+                    <a:lstStyle/>
+                    <a:p>
+                      <a:pPr algn="ctr"/>
+                      <a:endParaRPr lang="en-US" dirty="0"/>
+                    </a:p>
+                  </a:txBody>
+                  <a:tcPr anchor="ctr"/>
+                </a:tc>
+                <a:tc>
+                  <a:txBody>
+                    <a:bodyPr/>
+                    <a:lstStyle/>
+                    <a:p>
+                      <a:pPr algn="ctr"/>
+                      <a:endParaRPr lang="en-US" sz="1600" dirty="0"/>
+                    </a:p>
+                  </a:txBody>
+                  <a:tcPr anchor="ctr"/>
+                </a:tc>
+                <a:tc>
+                  <a:txBody>
+                    <a:bodyPr/>
+                    <a:lstStyle/>
+                    <a:p>
+                      <a:pPr algn="ctr"/>
+                      <a:endParaRPr lang="en-US" dirty="0"/>
+                    </a:p>
+                  </a:txBody>
+                  <a:tcPr anchor="ctr"/>
+                </a:tc>
+                <a:tc>
+                  <a:txBody>
+                    <a:bodyPr/>
+                    <a:lstStyle/>
+                    <a:p>
+                      <a:pPr algn="ctr"/>
+                      <a:endParaRPr lang="en-US" dirty="0"/>
+                    </a:p>
+                  </a:txBody>
+                  <a:tcPr anchor="ctr"/>
+                </a:tc>
+                <a:extLst>
+                  <a:ext uri="{0D108BD9-81ED-4DB2-BD59-A6C34878D82A}">
+                    <a16:rowId xmlns:a16="http://schemas.microsoft.com/office/drawing/2014/main" val="222820071"/>
+                  </a:ext>
+                </a:extLst>
+              </a:tr>
+              <a:tr h="370840">
+                <a:tc>
+                  <a:txBody>
+                    <a:bodyPr/>
+                    <a:lstStyle/>
+                    <a:p>
+                      <a:pPr marL="0" algn="ctr" defTabSz="914400" rtl="0" eaLnBrk="1" latinLnBrk="0" hangingPunct="1"/>
+                      <a:r>
+                        <a:rPr lang="en-US" sz="1200" dirty="0" smtClean="0">
+                          <a:effectLst/>
+                        </a:rPr>
+                        <a:t>A Convergent Form of Approximate Policy Iteration</a:t>
+                      </a:r>
+                      <a:endParaRPr lang="en-US" sz="1200" kern="1200" dirty="0">
+                        <a:solidFill>
+                          <a:schemeClr val="dk1"/>
+                        </a:solidFill>
+                        <a:effectLst/>
+                        <a:latin typeface="+mn-lt"/>
+                        <a:ea typeface="+mn-ea"/>
+                        <a:cs typeface="+mn-cs"/>
+                      </a:endParaRPr>
+                    </a:p>
+                  </a:txBody>
+                  <a:tcPr anchor="ctr"/>
+                </a:tc>
+                <a:tc>
+                  <a:txBody>
+                    <a:bodyPr/>
+                    <a:lstStyle/>
+                    <a:p>
+                      <a:pPr algn="ctr"/>
+                      <a:r>
+                        <a:rPr lang="en-US" dirty="0" smtClean="0"/>
+                        <a:t>Policy iteration</a:t>
+                      </a:r>
+                      <a:endParaRPr lang="en-US" dirty="0"/>
+                    </a:p>
+                  </a:txBody>
+                  <a:tcPr anchor="ctr"/>
+                </a:tc>
+                <a:tc>
+                  <a:txBody>
+                    <a:bodyPr/>
+                    <a:lstStyle/>
+                    <a:p>
+                      <a:pPr algn="ctr"/>
+                      <a:r>
+                        <a:rPr lang="en-US" dirty="0" smtClean="0"/>
+                        <a:t>fix</a:t>
+                      </a:r>
+                      <a:r>
+                        <a:rPr lang="en-US" baseline="0" dirty="0" smtClean="0"/>
+                        <a:t> and improve</a:t>
+                      </a:r>
+                      <a:endParaRPr lang="en-US" dirty="0"/>
+                    </a:p>
+                  </a:txBody>
+                  <a:tcPr anchor="ctr"/>
+                </a:tc>
+                <a:tc>
+                  <a:txBody>
+                    <a:bodyPr/>
+                    <a:lstStyle/>
+                    <a:p>
+                      <a:pPr algn="ctr"/>
+                      <a:r>
+                        <a:rPr lang="en-US" dirty="0" smtClean="0"/>
+                        <a:t>control</a:t>
+                      </a:r>
+                      <a:endParaRPr lang="en-US" dirty="0"/>
+                    </a:p>
+                  </a:txBody>
+                  <a:tcPr anchor="ctr"/>
+                </a:tc>
+                <a:tc>
+                  <a:txBody>
+                    <a:bodyPr/>
+                    <a:lstStyle/>
+                    <a:p>
+                      <a:pPr algn="ctr"/>
+                      <a:r>
+                        <a:rPr lang="en-US" dirty="0" smtClean="0"/>
+                        <a:t>linear</a:t>
+                      </a:r>
+                      <a:endParaRPr lang="en-US" dirty="0"/>
+                    </a:p>
+                  </a:txBody>
+                  <a:tcPr anchor="ctr"/>
+                </a:tc>
+                <a:tc>
+                  <a:txBody>
+                    <a:bodyPr/>
+                    <a:lstStyle/>
+                    <a:p>
+                      <a:pPr algn="ctr"/>
+                      <a:r>
+                        <a:rPr lang="en-US" sz="1600" dirty="0" smtClean="0"/>
+                        <a:t>Bootstrapping</a:t>
+                      </a:r>
+                      <a:endParaRPr lang="en-US" sz="1600" dirty="0"/>
+                    </a:p>
+                  </a:txBody>
+                  <a:tcPr anchor="ctr"/>
+                </a:tc>
+                <a:tc>
+                  <a:txBody>
+                    <a:bodyPr/>
+                    <a:lstStyle/>
+                    <a:p>
+                      <a:pPr algn="ctr"/>
+                      <a:endParaRPr lang="en-US" dirty="0"/>
+                    </a:p>
+                  </a:txBody>
+                  <a:tcPr anchor="ctr"/>
+                </a:tc>
+                <a:tc>
+                  <a:txBody>
+                    <a:bodyPr/>
+                    <a:lstStyle/>
+                    <a:p>
+                      <a:pPr algn="ctr"/>
+                      <a:endParaRPr lang="en-US" dirty="0"/>
+                    </a:p>
+                  </a:txBody>
+                  <a:tcPr anchor="ctr"/>
+                </a:tc>
+                <a:extLst>
+                  <a:ext uri="{0D108BD9-81ED-4DB2-BD59-A6C34878D82A}">
+                    <a16:rowId xmlns:a16="http://schemas.microsoft.com/office/drawing/2014/main" val="275166855"/>
+                  </a:ext>
+                </a:extLst>
+              </a:tr>
+            </a:tbl>
+          </a:graphicData>
+        </a:graphic>
+      </p:graphicFrame>
+    </p:spTree>
+    <p:extLst>
+      <p:ext uri="{BB962C8B-B14F-4D97-AF65-F5344CB8AC3E}">
+        <p14:creationId xmlns:p14="http://schemas.microsoft.com/office/powerpoint/2010/main" val="1248296583"/>
+      </p:ext>
+    </p:extLst>
+  </p:cSld>
+  <p:clrMapOvr>
+    <a:masterClrMapping/>
+  </p:clrMapOvr>
+  <mc:AlternateContent xmlns:mc="http://schemas.openxmlformats.org/markup-compatibility/2006">
+    <mc:Choice xmlns:p14="http://schemas.microsoft.com/office/powerpoint/2010/main" Requires="p14">
+      <p:transition spd="slow" p14:dur="2000"/>
+    </mc:Choice>
+    <mc:Fallback>
+      <p:transition spd="slow"/>
+    </mc:Fallback>
+  </mc:AlternateContent>
+</p:sld>
+</file>
+
 <file path=ppt/slides/slide3.xml><?xml version="1.0" encoding="utf-8"?>
+<p:sld xmlns:a="http://schemas.openxmlformats.org/drawingml/2006/main" xmlns:r="http://schemas.openxmlformats.org/officeDocument/2006/relationships" xmlns:p="http://schemas.openxmlformats.org/presentationml/2006/main">
+  <p:cSld>
+    <p:spTree>
+      <p:nvGrpSpPr>
+        <p:cNvPr id="1" name=""/>
+        <p:cNvGrpSpPr/>
+        <p:nvPr/>
+      </p:nvGrpSpPr>
+      <p:grpSpPr>
+        <a:xfrm>
+          <a:off x="0" y="0"/>
+          <a:ext cx="0" cy="0"/>
+          <a:chOff x="0" y="0"/>
+          <a:chExt cx="0" cy="0"/>
+        </a:xfrm>
+      </p:grpSpPr>
+      <p:sp>
+        <p:nvSpPr>
+          <p:cNvPr id="2" name="Title 1"/>
+          <p:cNvSpPr>
+            <a:spLocks noGrp="1"/>
+          </p:cNvSpPr>
+          <p:nvPr>
+            <p:ph type="title"/>
+          </p:nvPr>
+        </p:nvSpPr>
+        <p:spPr/>
+        <p:txBody>
+          <a:bodyPr/>
+          <a:lstStyle/>
+          <a:p>
+            <a:endParaRPr lang="en-US"/>
+          </a:p>
+        </p:txBody>
+      </p:sp>
+      <p:sp>
+        <p:nvSpPr>
+          <p:cNvPr id="3" name="Content Placeholder 2"/>
+          <p:cNvSpPr>
+            <a:spLocks noGrp="1"/>
+          </p:cNvSpPr>
+          <p:nvPr>
+            <p:ph idx="1"/>
+          </p:nvPr>
+        </p:nvSpPr>
+        <p:spPr/>
+        <p:txBody>
+          <a:bodyPr/>
+          <a:lstStyle/>
+          <a:p>
+            <a:endParaRPr lang="en-US"/>
+          </a:p>
+        </p:txBody>
+      </p:sp>
+    </p:spTree>
+    <p:extLst>
+      <p:ext uri="{BB962C8B-B14F-4D97-AF65-F5344CB8AC3E}">
+        <p14:creationId xmlns:p14="http://schemas.microsoft.com/office/powerpoint/2010/main" val="3532374984"/>
+      </p:ext>
+    </p:extLst>
+  </p:cSld>
+  <p:clrMapOvr>
+    <a:masterClrMapping/>
+  </p:clrMapOvr>
+</p:sld>
+</file>
+
+<file path=ppt/slides/slide4.xml><?xml version="1.0" encoding="utf-8"?>
 <p:sld xmlns:a="http://schemas.openxmlformats.org/drawingml/2006/main" xmlns:r="http://schemas.openxmlformats.org/officeDocument/2006/relationships" xmlns:p="http://schemas.openxmlformats.org/presentationml/2006/main">
   <p:cSld>
     <p:spTree>
@@ -9844,7 +14751,7 @@
 </p:sld>
 </file>
 
-<file path=ppt/slides/slide4.xml><?xml version="1.0" encoding="utf-8"?>
+<file path=ppt/slides/slide5.xml><?xml version="1.0" encoding="utf-8"?>
 <p:sld xmlns:a="http://schemas.openxmlformats.org/drawingml/2006/main" xmlns:r="http://schemas.openxmlformats.org/officeDocument/2006/relationships" xmlns:p="http://schemas.openxmlformats.org/presentationml/2006/main">
   <p:cSld>
     <p:spTree>
@@ -9884,8 +14791,8 @@
           </a:p>
         </p:txBody>
       </p:sp>
-      <mc:AlternateContent xmlns:mc="http://schemas.openxmlformats.org/markup-compatibility/2006">
-        <mc:Choice xmlns:a14="http://schemas.microsoft.com/office/drawing/2010/main" Requires="a14">
+      <mc:AlternateContent xmlns:mc="http://schemas.openxmlformats.org/markup-compatibility/2006" xmlns:a14="http://schemas.microsoft.com/office/drawing/2010/main">
+        <mc:Choice Requires="a14">
           <p:sp>
             <p:nvSpPr>
               <p:cNvPr id="3" name="Content Placeholder 2"/>
@@ -11205,11 +16112,7 @@
                 <a:pPr lvl="0"/>
                 <a:r>
                   <a:rPr lang="en-US" dirty="0"/>
-                  <a:t>SARSA with </a:t>
-                </a:r>
-                <a:r>
-                  <a:rPr lang="en-US" dirty="0"/>
-                  <a:t>look up table</a:t>
+                  <a:t>SARSA with look up table</a:t>
                 </a:r>
               </a:p>
               <a:p>
@@ -11753,11 +16656,7 @@
               <a:p>
                 <a:r>
                   <a:rPr lang="en-US" dirty="0"/>
-                  <a:t>Q-learning </a:t>
-                </a:r>
-                <a:r>
-                  <a:rPr lang="en-US" dirty="0"/>
-                  <a:t>with look up table</a:t>
+                  <a:t>Q-learning with look up table</a:t>
                 </a:r>
               </a:p>
               <a:p>
@@ -12351,7 +17250,7 @@
             </p:txBody>
           </p:sp>
         </mc:Choice>
-        <mc:Fallback>
+        <mc:Fallback xmlns="">
           <p:sp>
             <p:nvSpPr>
               <p:cNvPr id="3" name="Content Placeholder 2"/>
@@ -12398,7 +17297,7 @@
 </p:sld>
 </file>
 
-<file path=ppt/slides/slide5.xml><?xml version="1.0" encoding="utf-8"?>
+<file path=ppt/slides/slide6.xml><?xml version="1.0" encoding="utf-8"?>
 <p:sld xmlns:a="http://schemas.openxmlformats.org/drawingml/2006/main" xmlns:r="http://schemas.openxmlformats.org/officeDocument/2006/relationships" xmlns:p="http://schemas.openxmlformats.org/presentationml/2006/main">
   <p:cSld>
     <p:spTree>
@@ -14534,7 +19433,7 @@
 </p:sld>
 </file>
 
-<file path=ppt/slides/slide6.xml><?xml version="1.0" encoding="utf-8"?>
+<file path=ppt/slides/slide7.xml><?xml version="1.0" encoding="utf-8"?>
 <p:sld xmlns:a="http://schemas.openxmlformats.org/drawingml/2006/main" xmlns:r="http://schemas.openxmlformats.org/officeDocument/2006/relationships" xmlns:p="http://schemas.openxmlformats.org/presentationml/2006/main">
   <p:cSld>
     <p:spTree>
@@ -15726,7 +20625,7 @@
 </p:sld>
 </file>
 
-<file path=ppt/slides/slide7.xml><?xml version="1.0" encoding="utf-8"?>
+<file path=ppt/slides/slide8.xml><?xml version="1.0" encoding="utf-8"?>
 <p:sld xmlns:a="http://schemas.openxmlformats.org/drawingml/2006/main" xmlns:r="http://schemas.openxmlformats.org/officeDocument/2006/relationships" xmlns:p="http://schemas.openxmlformats.org/presentationml/2006/main">
   <p:cSld>
     <p:spTree>
@@ -16162,7 +21061,7 @@
 </p:sld>
 </file>
 
-<file path=ppt/slides/slide8.xml><?xml version="1.0" encoding="utf-8"?>
+<file path=ppt/slides/slide9.xml><?xml version="1.0" encoding="utf-8"?>
 <p:sld xmlns:a="http://schemas.openxmlformats.org/drawingml/2006/main" xmlns:r="http://schemas.openxmlformats.org/officeDocument/2006/relationships" xmlns:p="http://schemas.openxmlformats.org/presentationml/2006/main">
   <p:cSld>
     <p:spTree>
@@ -16329,136 +21228,6 @@
     <p:extLst>
       <p:ext uri="{BB962C8B-B14F-4D97-AF65-F5344CB8AC3E}">
         <p14:creationId xmlns:p14="http://schemas.microsoft.com/office/powerpoint/2010/main" val="2082441472"/>
-      </p:ext>
-    </p:extLst>
-  </p:cSld>
-  <p:clrMapOvr>
-    <a:masterClrMapping/>
-  </p:clrMapOvr>
-</p:sld>
-</file>
-
-<file path=ppt/slides/slide9.xml><?xml version="1.0" encoding="utf-8"?>
-<p:sld xmlns:a="http://schemas.openxmlformats.org/drawingml/2006/main" xmlns:r="http://schemas.openxmlformats.org/officeDocument/2006/relationships" xmlns:p="http://schemas.openxmlformats.org/presentationml/2006/main">
-  <p:cSld>
-    <p:spTree>
-      <p:nvGrpSpPr>
-        <p:cNvPr id="1" name=""/>
-        <p:cNvGrpSpPr/>
-        <p:nvPr/>
-      </p:nvGrpSpPr>
-      <p:grpSpPr>
-        <a:xfrm>
-          <a:off x="0" y="0"/>
-          <a:ext cx="0" cy="0"/>
-          <a:chOff x="0" y="0"/>
-          <a:chExt cx="0" cy="0"/>
-        </a:xfrm>
-      </p:grpSpPr>
-      <p:sp>
-        <p:nvSpPr>
-          <p:cNvPr id="2" name="Title 1"/>
-          <p:cNvSpPr>
-            <a:spLocks noGrp="1"/>
-          </p:cNvSpPr>
-          <p:nvPr>
-            <p:ph type="title"/>
-          </p:nvPr>
-        </p:nvSpPr>
-        <p:spPr/>
-        <p:txBody>
-          <a:bodyPr/>
-          <a:lstStyle/>
-          <a:p>
-            <a:pPr algn="ctr"/>
-            <a:r>
-              <a:rPr lang="en-US" dirty="0">
-                <a:solidFill>
-                  <a:prstClr val="black"/>
-                </a:solidFill>
-              </a:rPr>
-              <a:t>SARSA with look up </a:t>
-            </a:r>
-            <a:r>
-              <a:rPr lang="en-US" dirty="0" smtClean="0">
-                <a:solidFill>
-                  <a:prstClr val="black"/>
-                </a:solidFill>
-              </a:rPr>
-              <a:t>table</a:t>
-            </a:r>
-            <a:endParaRPr lang="en-US" dirty="0"/>
-          </a:p>
-        </p:txBody>
-      </p:sp>
-      <p:sp>
-        <p:nvSpPr>
-          <p:cNvPr id="3" name="Content Placeholder 2"/>
-          <p:cNvSpPr>
-            <a:spLocks noGrp="1"/>
-          </p:cNvSpPr>
-          <p:nvPr>
-            <p:ph idx="1"/>
-          </p:nvPr>
-        </p:nvSpPr>
-        <p:spPr/>
-        <p:txBody>
-          <a:bodyPr>
-            <a:normAutofit/>
-          </a:bodyPr>
-          <a:lstStyle/>
-          <a:p>
-            <a:r>
-              <a:rPr lang="en-US" sz="1800" dirty="0"/>
-              <a:t>Singh, S., </a:t>
-            </a:r>
-            <a:r>
-              <a:rPr lang="en-US" sz="1800" dirty="0" err="1"/>
-              <a:t>Jaakkola</a:t>
-            </a:r>
-            <a:r>
-              <a:rPr lang="en-US" sz="1800" dirty="0"/>
-              <a:t>, T., Littman, M. L., &amp; </a:t>
-            </a:r>
-            <a:r>
-              <a:rPr lang="en-US" sz="1800" dirty="0" err="1"/>
-              <a:t>Szepesvári</a:t>
-            </a:r>
-            <a:r>
-              <a:rPr lang="en-US" sz="1800" dirty="0"/>
-              <a:t>, C. (2000). Convergence results for single-step on-policy reinforcement-learning algorithms. Machine Learning, 38(3), 287–308. https://doi.org/10.1023/A:1007678930559</a:t>
-            </a:r>
-          </a:p>
-        </p:txBody>
-      </p:sp>
-      <p:pic>
-        <p:nvPicPr>
-          <p:cNvPr id="4" name="图片 3"/>
-          <p:cNvPicPr>
-            <a:picLocks noChangeAspect="1"/>
-          </p:cNvPicPr>
-          <p:nvPr/>
-        </p:nvPicPr>
-        <p:blipFill>
-          <a:blip r:embed="rId2"/>
-          <a:stretch>
-            <a:fillRect/>
-          </a:stretch>
-        </p:blipFill>
-        <p:spPr>
-          <a:xfrm>
-            <a:off x="1575300" y="2832281"/>
-            <a:ext cx="8000000" cy="2895238"/>
-          </a:xfrm>
-          <a:prstGeom prst="rect">
-            <a:avLst/>
-          </a:prstGeom>
-        </p:spPr>
-      </p:pic>
-    </p:spTree>
-    <p:extLst>
-      <p:ext uri="{BB962C8B-B14F-4D97-AF65-F5344CB8AC3E}">
-        <p14:creationId xmlns:p14="http://schemas.microsoft.com/office/powerpoint/2010/main" val="3341488809"/>
       </p:ext>
     </p:extLst>
   </p:cSld>
